--- a/Complimentary Course Content/Module3/Lessons/Module3_Lesson10 Cross-Platform User Interfaces with Xamarin.Forms (Part 2).pptx
+++ b/Complimentary Course Content/Module3/Lessons/Module3_Lesson10 Cross-Platform User Interfaces with Xamarin.Forms (Part 2).pptx
@@ -138,7 +138,7 @@
   </p:defaultTextStyle>
   <p:extLst>
     <p:ext uri="{EFAFB233-063F-42B5-8137-9DF3F51BA10A}">
-      <p15:sldGuideLst xmlns="" xmlns:p15="http://schemas.microsoft.com/office/powerpoint/2012/main">
+      <p15:sldGuideLst xmlns:p15="http://schemas.microsoft.com/office/powerpoint/2012/main" xmlns="">
         <p15:guide id="1" orient="horz" pos="2160">
           <p15:clr>
             <a:srgbClr val="A4A3A4"/>
@@ -244,7 +244,7 @@
           <a:p>
             <a:fld id="{17D71989-5E53-5443-B1AE-527CBA6B448B}" type="datetimeFigureOut">
               <a:rPr lang="en-US" smtClean="0"/>
-              <a:t>6/28/16</a:t>
+              <a:t>6/30/16</a:t>
             </a:fld>
             <a:endParaRPr lang="en-US"/>
           </a:p>
@@ -6154,7 +6154,7 @@
           <a:p>
             <a:fld id="{0459C166-16D3-4A25-A2F8-C51E0E346B22}" type="datetimeFigureOut">
               <a:rPr lang="en-US" smtClean="0"/>
-              <a:t>6/28/16</a:t>
+              <a:t>6/30/16</a:t>
             </a:fld>
             <a:endParaRPr lang="en-US"/>
           </a:p>
@@ -6521,7 +6521,7 @@
           <a:p>
             <a:fld id="{0459C166-16D3-4A25-A2F8-C51E0E346B22}" type="datetimeFigureOut">
               <a:rPr lang="en-US" smtClean="0"/>
-              <a:t>6/28/16</a:t>
+              <a:t>6/30/16</a:t>
             </a:fld>
             <a:endParaRPr lang="en-US"/>
           </a:p>
@@ -6639,7 +6639,7 @@
           <a:p>
             <a:fld id="{0459C166-16D3-4A25-A2F8-C51E0E346B22}" type="datetimeFigureOut">
               <a:rPr lang="en-US" smtClean="0"/>
-              <a:t>6/28/16</a:t>
+              <a:t>6/30/16</a:t>
             </a:fld>
             <a:endParaRPr lang="en-US"/>
           </a:p>
@@ -6809,7 +6809,7 @@
           <a:p>
             <a:fld id="{0459C166-16D3-4A25-A2F8-C51E0E346B22}" type="datetimeFigureOut">
               <a:rPr lang="en-US" smtClean="0"/>
-              <a:t>6/28/16</a:t>
+              <a:t>6/30/16</a:t>
             </a:fld>
             <a:endParaRPr lang="en-US"/>
           </a:p>
@@ -7074,7 +7074,7 @@
             <a:fld id="{0459C166-16D3-4A25-A2F8-C51E0E346B22}" type="datetimeFigureOut">
               <a:rPr lang="en-US" smtClean="0"/>
               <a:pPr/>
-              <a:t>6/28/16</a:t>
+              <a:t>6/30/16</a:t>
             </a:fld>
             <a:endParaRPr lang="en-US"/>
           </a:p>
@@ -7393,7 +7393,7 @@
           <a:p>
             <a:fld id="{0459C166-16D3-4A25-A2F8-C51E0E346B22}" type="datetimeFigureOut">
               <a:rPr lang="en-US" smtClean="0"/>
-              <a:t>6/28/16</a:t>
+              <a:t>6/30/16</a:t>
             </a:fld>
             <a:endParaRPr lang="en-US"/>
           </a:p>
@@ -7790,7 +7790,7 @@
           <a:p>
             <a:fld id="{0459C166-16D3-4A25-A2F8-C51E0E346B22}" type="datetimeFigureOut">
               <a:rPr lang="en-US" smtClean="0"/>
-              <a:t>6/28/16</a:t>
+              <a:t>6/30/16</a:t>
             </a:fld>
             <a:endParaRPr lang="en-US"/>
           </a:p>
@@ -8760,7 +8760,7 @@
           <a:p>
             <a:fld id="{0459C166-16D3-4A25-A2F8-C51E0E346B22}" type="datetimeFigureOut">
               <a:rPr lang="en-US" smtClean="0"/>
-              <a:t>6/28/16</a:t>
+              <a:t>6/30/16</a:t>
             </a:fld>
             <a:endParaRPr lang="en-US"/>
           </a:p>
@@ -8972,7 +8972,7 @@
           <a:p>
             <a:fld id="{0459C166-16D3-4A25-A2F8-C51E0E346B22}" type="datetimeFigureOut">
               <a:rPr lang="en-US" smtClean="0"/>
-              <a:t>6/28/16</a:t>
+              <a:t>6/30/16</a:t>
             </a:fld>
             <a:endParaRPr lang="en-US"/>
           </a:p>
@@ -10437,7 +10437,7 @@
           <p:nvPr>
             <p:extLst>
               <p:ext uri="{D42A27DB-BD31-4B8C-83A1-F6EECF244321}">
-                <p14:modId xmlns:p14="http://schemas.microsoft.com/office/powerpoint/2010/main" val="3131391245"/>
+                <p14:modId xmlns:p14="http://schemas.microsoft.com/office/powerpoint/2010/main" val="1784614409"/>
               </p:ext>
             </p:extLst>
           </p:nvPr>
@@ -10464,14 +10464,14 @@
                     <a:p>
                       <a:pPr algn="ctr"/>
                       <a:r>
-                        <a:rPr lang="en-US" sz="2000" b="0" dirty="0" smtClean="0"/>
+                        <a:rPr lang="en-US" sz="2000" b="1" dirty="0" smtClean="0"/>
                         <a:t>Navigation</a:t>
                       </a:r>
                       <a:r>
-                        <a:rPr lang="en-US" sz="2000" b="0" baseline="0" dirty="0" smtClean="0"/>
+                        <a:rPr lang="en-US" sz="2000" b="1" baseline="0" dirty="0" smtClean="0"/>
                         <a:t> Pattern</a:t>
                       </a:r>
-                      <a:endParaRPr lang="en-US" sz="2000" b="0" dirty="0"/>
+                      <a:endParaRPr lang="en-US" sz="2000" b="1" dirty="0"/>
                     </a:p>
                   </a:txBody>
                   <a:tcPr>
@@ -10514,7 +10514,7 @@
                         <a:buNone/>
                       </a:pPr>
                       <a:r>
-                        <a:rPr lang="en-US" sz="2000" dirty="0" smtClean="0"/>
+                        <a:rPr lang="en-US" sz="2000" b="1" dirty="0" smtClean="0"/>
                         <a:t>Hierarchical </a:t>
                       </a:r>
                     </a:p>
@@ -10562,10 +10562,10 @@
                     <a:lstStyle/>
                     <a:p>
                       <a:r>
-                        <a:rPr lang="en-US" sz="2000" dirty="0" smtClean="0"/>
+                        <a:rPr lang="en-US" sz="2000" b="1" dirty="0" smtClean="0"/>
                         <a:t>Modal</a:t>
                       </a:r>
-                      <a:endParaRPr lang="en-US" sz="2000" dirty="0"/>
+                      <a:endParaRPr lang="en-US" sz="2000" b="1" dirty="0"/>
                     </a:p>
                   </a:txBody>
                   <a:tcPr>
@@ -10624,10 +10624,10 @@
                     <a:lstStyle/>
                     <a:p>
                       <a:r>
-                        <a:rPr lang="en-US" sz="2000" dirty="0" smtClean="0"/>
+                        <a:rPr lang="en-US" sz="2000" b="1" dirty="0" smtClean="0"/>
                         <a:t>Drill-down lists</a:t>
                       </a:r>
-                      <a:endParaRPr lang="en-US" sz="2000" dirty="0"/>
+                      <a:endParaRPr lang="en-US" sz="2000" b="1" dirty="0"/>
                     </a:p>
                   </a:txBody>
                   <a:tcPr>
@@ -10695,10 +10695,10 @@
                     <a:lstStyle/>
                     <a:p>
                       <a:r>
-                        <a:rPr lang="en-US" sz="2000" dirty="0" smtClean="0"/>
+                        <a:rPr lang="en-US" sz="2000" b="1" dirty="0" smtClean="0"/>
                         <a:t>Navigation drawer </a:t>
                       </a:r>
-                      <a:endParaRPr lang="en-US" sz="2000" dirty="0"/>
+                      <a:endParaRPr lang="en-US" sz="2000" b="1" dirty="0"/>
                     </a:p>
                   </a:txBody>
                   <a:tcPr>
@@ -10733,10 +10733,10 @@
                     <a:lstStyle/>
                     <a:p>
                       <a:r>
-                        <a:rPr lang="en-US" sz="2000" dirty="0" smtClean="0"/>
+                        <a:rPr lang="en-US" sz="2000" b="1" dirty="0" smtClean="0"/>
                         <a:t>Tabs </a:t>
                       </a:r>
-                      <a:endParaRPr lang="en-US" sz="2000" dirty="0"/>
+                      <a:endParaRPr lang="en-US" sz="2000" b="1" dirty="0"/>
                     </a:p>
                   </a:txBody>
                   <a:tcPr>
@@ -11075,7 +11075,7 @@
           <p:nvPr>
             <p:extLst>
               <p:ext uri="{D42A27DB-BD31-4B8C-83A1-F6EECF244321}">
-                <p14:modId xmlns:p14="http://schemas.microsoft.com/office/powerpoint/2010/main" val="3059084100"/>
+                <p14:modId xmlns:p14="http://schemas.microsoft.com/office/powerpoint/2010/main" val="3083286003"/>
               </p:ext>
             </p:extLst>
           </p:nvPr>
@@ -11094,14 +11094,14 @@
                 <a:gridCol w="5533314">
                   <a:extLst>
                     <a:ext uri="{9D8B030D-6E8A-4147-A177-3AD203B41FA5}">
-                      <a16:colId xmlns:a16="http://schemas.microsoft.com/office/drawing/2014/main" xmlns="" val="48614039"/>
+                      <a16:colId xmlns="" xmlns:a16="http://schemas.microsoft.com/office/drawing/2014/main" val="48614039"/>
                     </a:ext>
                   </a:extLst>
                 </a:gridCol>
                 <a:gridCol w="5533314">
                   <a:extLst>
                     <a:ext uri="{9D8B030D-6E8A-4147-A177-3AD203B41FA5}">
-                      <a16:colId xmlns:a16="http://schemas.microsoft.com/office/drawing/2014/main" xmlns="" val="1124546490"/>
+                      <a16:colId xmlns="" xmlns:a16="http://schemas.microsoft.com/office/drawing/2014/main" val="1124546490"/>
                     </a:ext>
                   </a:extLst>
                 </a:gridCol>
@@ -11114,7 +11114,7 @@
                     <a:p>
                       <a:pPr algn="ctr"/>
                       <a:r>
-                        <a:rPr lang="en-US" b="0" dirty="0">
+                        <a:rPr lang="en-US" b="1" dirty="0">
                           <a:solidFill>
                             <a:schemeClr val="bg1"/>
                           </a:solidFill>
@@ -11153,7 +11153,7 @@
                 </a:tc>
                 <a:extLst>
                   <a:ext uri="{0D108BD9-81ED-4DB2-BD59-A6C34878D82A}">
-                    <a16:rowId xmlns:a16="http://schemas.microsoft.com/office/drawing/2014/main" xmlns="" val="679667022"/>
+                    <a16:rowId xmlns="" xmlns:a16="http://schemas.microsoft.com/office/drawing/2014/main" val="679667022"/>
                   </a:ext>
                 </a:extLst>
               </a:tr>
@@ -11163,12 +11163,12 @@
                     <a:bodyPr/>
                     <a:lstStyle/>
                     <a:p>
-                      <a:pPr algn="ctr"/>
+                      <a:pPr algn="l"/>
                       <a:r>
-                        <a:rPr lang="en-US" dirty="0" err="1"/>
+                        <a:rPr lang="en-US" b="1" dirty="0" err="1"/>
                         <a:t>TapGestureRecognizer</a:t>
                       </a:r>
-                      <a:endParaRPr lang="en-US" dirty="0"/>
+                      <a:endParaRPr lang="en-US" b="1" dirty="0"/>
                     </a:p>
                   </a:txBody>
                   <a:tcPr>
@@ -11201,7 +11201,7 @@
                 </a:tc>
                 <a:extLst>
                   <a:ext uri="{0D108BD9-81ED-4DB2-BD59-A6C34878D82A}">
-                    <a16:rowId xmlns:a16="http://schemas.microsoft.com/office/drawing/2014/main" xmlns="" val="2034482246"/>
+                    <a16:rowId xmlns="" xmlns:a16="http://schemas.microsoft.com/office/drawing/2014/main" val="2034482246"/>
                   </a:ext>
                 </a:extLst>
               </a:tr>
@@ -11211,12 +11211,12 @@
                     <a:bodyPr/>
                     <a:lstStyle/>
                     <a:p>
-                      <a:pPr algn="ctr"/>
+                      <a:pPr algn="l"/>
                       <a:r>
-                        <a:rPr lang="en-US" dirty="0" err="1"/>
+                        <a:rPr lang="en-US" b="1" dirty="0" err="1"/>
                         <a:t>PinchGestureRecognizer</a:t>
                       </a:r>
-                      <a:endParaRPr lang="en-US" dirty="0"/>
+                      <a:endParaRPr lang="en-US" b="1" dirty="0"/>
                     </a:p>
                   </a:txBody>
                   <a:tcPr>
@@ -11249,7 +11249,7 @@
                 </a:tc>
                 <a:extLst>
                   <a:ext uri="{0D108BD9-81ED-4DB2-BD59-A6C34878D82A}">
-                    <a16:rowId xmlns:a16="http://schemas.microsoft.com/office/drawing/2014/main" xmlns="" val="682465758"/>
+                    <a16:rowId xmlns="" xmlns:a16="http://schemas.microsoft.com/office/drawing/2014/main" val="682465758"/>
                   </a:ext>
                 </a:extLst>
               </a:tr>
@@ -11259,15 +11259,15 @@
                     <a:bodyPr/>
                     <a:lstStyle/>
                     <a:p>
-                      <a:pPr marL="0" lvl="1" indent="0" algn="ctr">
+                      <a:pPr marL="0" lvl="1" indent="0" algn="l">
                         <a:buFont typeface="Wingdings" charset="2"/>
                         <a:buNone/>
                       </a:pPr>
                       <a:r>
-                        <a:rPr lang="en-US" dirty="0" err="1"/>
+                        <a:rPr lang="en-US" b="1" dirty="0" err="1"/>
                         <a:t>PanGestureRecognizer</a:t>
                       </a:r>
-                      <a:endParaRPr lang="en-US" dirty="0"/>
+                      <a:endParaRPr lang="en-US" b="1" dirty="0"/>
                     </a:p>
                   </a:txBody>
                   <a:tcPr>
@@ -11300,7 +11300,7 @@
                 </a:tc>
                 <a:extLst>
                   <a:ext uri="{0D108BD9-81ED-4DB2-BD59-A6C34878D82A}">
-                    <a16:rowId xmlns:a16="http://schemas.microsoft.com/office/drawing/2014/main" xmlns="" val="4230228483"/>
+                    <a16:rowId xmlns="" xmlns:a16="http://schemas.microsoft.com/office/drawing/2014/main" val="4230228483"/>
                   </a:ext>
                 </a:extLst>
               </a:tr>
@@ -13415,7 +13415,7 @@
           <p:nvPr>
             <p:extLst>
               <p:ext uri="{D42A27DB-BD31-4B8C-83A1-F6EECF244321}">
-                <p14:modId xmlns:p14="http://schemas.microsoft.com/office/powerpoint/2010/main" val="835702130"/>
+                <p14:modId xmlns:p14="http://schemas.microsoft.com/office/powerpoint/2010/main" val="4157998389"/>
               </p:ext>
             </p:extLst>
           </p:nvPr>
@@ -13434,14 +13434,14 @@
                 <a:gridCol w="5533314">
                   <a:extLst>
                     <a:ext uri="{9D8B030D-6E8A-4147-A177-3AD203B41FA5}">
-                      <a16:colId xmlns:a16="http://schemas.microsoft.com/office/drawing/2014/main" xmlns="" val="48614039"/>
+                      <a16:colId xmlns="" xmlns:a16="http://schemas.microsoft.com/office/drawing/2014/main" val="48614039"/>
                     </a:ext>
                   </a:extLst>
                 </a:gridCol>
                 <a:gridCol w="5533314">
                   <a:extLst>
                     <a:ext uri="{9D8B030D-6E8A-4147-A177-3AD203B41FA5}">
-                      <a16:colId xmlns:a16="http://schemas.microsoft.com/office/drawing/2014/main" xmlns="" val="1124546490"/>
+                      <a16:colId xmlns="" xmlns:a16="http://schemas.microsoft.com/office/drawing/2014/main" val="1124546490"/>
                     </a:ext>
                   </a:extLst>
                 </a:gridCol>
@@ -13454,7 +13454,7 @@
                     <a:p>
                       <a:pPr algn="ctr"/>
                       <a:r>
-                        <a:rPr lang="en-US" b="0" dirty="0">
+                        <a:rPr lang="en-US" b="1" dirty="0">
                           <a:solidFill>
                             <a:schemeClr val="bg1"/>
                           </a:solidFill>
@@ -13493,7 +13493,7 @@
                 </a:tc>
                 <a:extLst>
                   <a:ext uri="{0D108BD9-81ED-4DB2-BD59-A6C34878D82A}">
-                    <a16:rowId xmlns:a16="http://schemas.microsoft.com/office/drawing/2014/main" xmlns="" val="679667022"/>
+                    <a16:rowId xmlns="" xmlns:a16="http://schemas.microsoft.com/office/drawing/2014/main" val="679667022"/>
                   </a:ext>
                 </a:extLst>
               </a:tr>
@@ -13505,10 +13505,10 @@
                     <a:p>
                       <a:pPr algn="ctr"/>
                       <a:r>
-                        <a:rPr lang="en-US" dirty="0" err="1"/>
+                        <a:rPr lang="en-US" b="1" dirty="0" err="1"/>
                         <a:t>EntryCell</a:t>
                       </a:r>
-                      <a:endParaRPr lang="en-US" dirty="0"/>
+                      <a:endParaRPr lang="en-US" b="1" dirty="0"/>
                     </a:p>
                   </a:txBody>
                   <a:tcPr>
@@ -13541,7 +13541,7 @@
                 </a:tc>
                 <a:extLst>
                   <a:ext uri="{0D108BD9-81ED-4DB2-BD59-A6C34878D82A}">
-                    <a16:rowId xmlns:a16="http://schemas.microsoft.com/office/drawing/2014/main" xmlns="" val="2034482246"/>
+                    <a16:rowId xmlns="" xmlns:a16="http://schemas.microsoft.com/office/drawing/2014/main" val="2034482246"/>
                   </a:ext>
                 </a:extLst>
               </a:tr>
@@ -13553,10 +13553,10 @@
                     <a:p>
                       <a:pPr algn="ctr"/>
                       <a:r>
-                        <a:rPr lang="en-US" dirty="0" err="1"/>
+                        <a:rPr lang="en-US" b="1" dirty="0" err="1"/>
                         <a:t>SwitchCell</a:t>
                       </a:r>
-                      <a:endParaRPr lang="en-US" dirty="0"/>
+                      <a:endParaRPr lang="en-US" b="1" dirty="0"/>
                     </a:p>
                   </a:txBody>
                   <a:tcPr>
@@ -13589,7 +13589,7 @@
                 </a:tc>
                 <a:extLst>
                   <a:ext uri="{0D108BD9-81ED-4DB2-BD59-A6C34878D82A}">
-                    <a16:rowId xmlns:a16="http://schemas.microsoft.com/office/drawing/2014/main" xmlns="" val="682465758"/>
+                    <a16:rowId xmlns="" xmlns:a16="http://schemas.microsoft.com/office/drawing/2014/main" val="682465758"/>
                   </a:ext>
                 </a:extLst>
               </a:tr>
@@ -13601,10 +13601,10 @@
                     <a:p>
                       <a:pPr algn="ctr"/>
                       <a:r>
-                        <a:rPr lang="en-US" dirty="0" err="1"/>
+                        <a:rPr lang="en-US" b="1" dirty="0" err="1"/>
                         <a:t>TextCell</a:t>
                       </a:r>
-                      <a:endParaRPr lang="en-US" dirty="0"/>
+                      <a:endParaRPr lang="en-US" b="1" dirty="0"/>
                     </a:p>
                   </a:txBody>
                   <a:tcPr>
@@ -13637,7 +13637,7 @@
                 </a:tc>
                 <a:extLst>
                   <a:ext uri="{0D108BD9-81ED-4DB2-BD59-A6C34878D82A}">
-                    <a16:rowId xmlns:a16="http://schemas.microsoft.com/office/drawing/2014/main" xmlns="" val="4230228483"/>
+                    <a16:rowId xmlns="" xmlns:a16="http://schemas.microsoft.com/office/drawing/2014/main" val="4230228483"/>
                   </a:ext>
                 </a:extLst>
               </a:tr>
@@ -13649,10 +13649,10 @@
                     <a:p>
                       <a:pPr algn="ctr"/>
                       <a:r>
-                        <a:rPr lang="en-US" dirty="0" err="1"/>
+                        <a:rPr lang="en-US" b="1" dirty="0" err="1"/>
                         <a:t>ImageCell</a:t>
                       </a:r>
-                      <a:endParaRPr lang="en-US" dirty="0"/>
+                      <a:endParaRPr lang="en-US" b="1" dirty="0"/>
                     </a:p>
                   </a:txBody>
                   <a:tcPr>
@@ -13693,7 +13693,7 @@
                 </a:tc>
                 <a:extLst>
                   <a:ext uri="{0D108BD9-81ED-4DB2-BD59-A6C34878D82A}">
-                    <a16:rowId xmlns:a16="http://schemas.microsoft.com/office/drawing/2014/main" xmlns="" val="3329658239"/>
+                    <a16:rowId xmlns="" xmlns:a16="http://schemas.microsoft.com/office/drawing/2014/main" val="3329658239"/>
                   </a:ext>
                 </a:extLst>
               </a:tr>
@@ -15904,7 +15904,7 @@
           <p:nvPr>
             <p:extLst>
               <p:ext uri="{D42A27DB-BD31-4B8C-83A1-F6EECF244321}">
-                <p14:modId xmlns:p14="http://schemas.microsoft.com/office/powerpoint/2010/main" val="1348077938"/>
+                <p14:modId xmlns:p14="http://schemas.microsoft.com/office/powerpoint/2010/main" val="1656104586"/>
               </p:ext>
             </p:extLst>
           </p:nvPr>
@@ -15923,14 +15923,14 @@
                 <a:gridCol w="5533314">
                   <a:extLst>
                     <a:ext uri="{9D8B030D-6E8A-4147-A177-3AD203B41FA5}">
-                      <a16:colId xmlns:a16="http://schemas.microsoft.com/office/drawing/2014/main" xmlns="" val="48614039"/>
+                      <a16:colId xmlns="" xmlns:a16="http://schemas.microsoft.com/office/drawing/2014/main" val="48614039"/>
                     </a:ext>
                   </a:extLst>
                 </a:gridCol>
                 <a:gridCol w="5533314">
                   <a:extLst>
                     <a:ext uri="{9D8B030D-6E8A-4147-A177-3AD203B41FA5}">
-                      <a16:colId xmlns:a16="http://schemas.microsoft.com/office/drawing/2014/main" xmlns="" val="1124546490"/>
+                      <a16:colId xmlns="" xmlns:a16="http://schemas.microsoft.com/office/drawing/2014/main" val="1124546490"/>
                     </a:ext>
                   </a:extLst>
                 </a:gridCol>
@@ -15943,7 +15943,7 @@
                     <a:p>
                       <a:pPr algn="ctr"/>
                       <a:r>
-                        <a:rPr lang="en-US" b="0" dirty="0">
+                        <a:rPr lang="en-US" b="1" dirty="0">
                           <a:solidFill>
                             <a:schemeClr val="bg1"/>
                           </a:solidFill>
@@ -15951,14 +15951,14 @@
                         <a:t>Navigation</a:t>
                       </a:r>
                       <a:r>
-                        <a:rPr lang="en-US" b="0" baseline="0" dirty="0">
+                        <a:rPr lang="en-US" b="1" baseline="0" dirty="0">
                           <a:solidFill>
                             <a:schemeClr val="bg1"/>
                           </a:solidFill>
                         </a:rPr>
                         <a:t> Property</a:t>
                       </a:r>
-                      <a:endParaRPr lang="en-US" b="0" dirty="0">
+                      <a:endParaRPr lang="en-US" b="1" dirty="0">
                         <a:solidFill>
                           <a:schemeClr val="bg1"/>
                         </a:solidFill>
@@ -15995,7 +15995,7 @@
                 </a:tc>
                 <a:extLst>
                   <a:ext uri="{0D108BD9-81ED-4DB2-BD59-A6C34878D82A}">
-                    <a16:rowId xmlns:a16="http://schemas.microsoft.com/office/drawing/2014/main" xmlns="" val="679667022"/>
+                    <a16:rowId xmlns="" xmlns:a16="http://schemas.microsoft.com/office/drawing/2014/main" val="679667022"/>
                   </a:ext>
                 </a:extLst>
               </a:tr>
@@ -16005,12 +16005,12 @@
                     <a:bodyPr/>
                     <a:lstStyle/>
                     <a:p>
-                      <a:pPr algn="ctr"/>
+                      <a:pPr algn="l"/>
                       <a:r>
-                        <a:rPr lang="en-US" dirty="0" err="1"/>
+                        <a:rPr lang="en-US" b="1" dirty="0" err="1"/>
                         <a:t>PushAsync</a:t>
                       </a:r>
-                      <a:endParaRPr lang="en-US" dirty="0"/>
+                      <a:endParaRPr lang="en-US" b="1" dirty="0"/>
                     </a:p>
                   </a:txBody>
                   <a:tcPr>
@@ -16048,7 +16048,7 @@
                 </a:tc>
                 <a:extLst>
                   <a:ext uri="{0D108BD9-81ED-4DB2-BD59-A6C34878D82A}">
-                    <a16:rowId xmlns:a16="http://schemas.microsoft.com/office/drawing/2014/main" xmlns="" val="2034482246"/>
+                    <a16:rowId xmlns="" xmlns:a16="http://schemas.microsoft.com/office/drawing/2014/main" val="2034482246"/>
                   </a:ext>
                 </a:extLst>
               </a:tr>
@@ -16058,12 +16058,12 @@
                     <a:bodyPr/>
                     <a:lstStyle/>
                     <a:p>
-                      <a:pPr algn="ctr"/>
+                      <a:pPr algn="l"/>
                       <a:r>
-                        <a:rPr lang="en-US" dirty="0" err="1"/>
+                        <a:rPr lang="en-US" b="1" dirty="0" err="1"/>
                         <a:t>PopAsync</a:t>
                       </a:r>
-                      <a:endParaRPr lang="en-US" dirty="0"/>
+                      <a:endParaRPr lang="en-US" b="1" dirty="0"/>
                     </a:p>
                   </a:txBody>
                   <a:tcPr>
@@ -16097,7 +16097,7 @@
                 </a:tc>
                 <a:extLst>
                   <a:ext uri="{0D108BD9-81ED-4DB2-BD59-A6C34878D82A}">
-                    <a16:rowId xmlns:a16="http://schemas.microsoft.com/office/drawing/2014/main" xmlns="" val="682465758"/>
+                    <a16:rowId xmlns="" xmlns:a16="http://schemas.microsoft.com/office/drawing/2014/main" val="682465758"/>
                   </a:ext>
                 </a:extLst>
               </a:tr>
@@ -16107,12 +16107,12 @@
                     <a:bodyPr/>
                     <a:lstStyle/>
                     <a:p>
-                      <a:pPr algn="ctr"/>
+                      <a:pPr algn="l"/>
                       <a:r>
-                        <a:rPr lang="en-US" dirty="0" err="1"/>
+                        <a:rPr lang="en-US" b="1" dirty="0" err="1"/>
                         <a:t>PushModalAsync</a:t>
                       </a:r>
-                      <a:endParaRPr lang="en-US" dirty="0"/>
+                      <a:endParaRPr lang="en-US" b="1" dirty="0"/>
                     </a:p>
                   </a:txBody>
                   <a:tcPr>
@@ -16150,7 +16150,7 @@
                 </a:tc>
                 <a:extLst>
                   <a:ext uri="{0D108BD9-81ED-4DB2-BD59-A6C34878D82A}">
-                    <a16:rowId xmlns:a16="http://schemas.microsoft.com/office/drawing/2014/main" xmlns="" val="4230228483"/>
+                    <a16:rowId xmlns="" xmlns:a16="http://schemas.microsoft.com/office/drawing/2014/main" val="4230228483"/>
                   </a:ext>
                 </a:extLst>
               </a:tr>
@@ -16160,12 +16160,12 @@
                     <a:bodyPr/>
                     <a:lstStyle/>
                     <a:p>
-                      <a:pPr algn="ctr"/>
+                      <a:pPr algn="l"/>
                       <a:r>
-                        <a:rPr lang="en-US" dirty="0" err="1"/>
+                        <a:rPr lang="en-US" b="1" dirty="0" err="1"/>
                         <a:t>PopModalAsync</a:t>
                       </a:r>
-                      <a:endParaRPr lang="en-US" dirty="0"/>
+                      <a:endParaRPr lang="en-US" b="1" dirty="0"/>
                     </a:p>
                   </a:txBody>
                   <a:tcPr>
@@ -16198,7 +16198,7 @@
                 </a:tc>
                 <a:extLst>
                   <a:ext uri="{0D108BD9-81ED-4DB2-BD59-A6C34878D82A}">
-                    <a16:rowId xmlns:a16="http://schemas.microsoft.com/office/drawing/2014/main" xmlns="" val="3329658239"/>
+                    <a16:rowId xmlns="" xmlns:a16="http://schemas.microsoft.com/office/drawing/2014/main" val="3329658239"/>
                   </a:ext>
                 </a:extLst>
               </a:tr>
@@ -17300,7 +17300,7 @@
   <a:extraClrSchemeLst/>
   <a:extLst>
     <a:ext uri="{05A4C25C-085E-4340-85A3-A5531E510DB2}">
-      <thm15:themeFamily xmlns="" xmlns:thm15="http://schemas.microsoft.com/office/thememl/2012/main" name="Office Theme" id="{62F939B6-93AF-4DB8-9C6B-D6C7DFDC589F}" vid="{4A3C46E8-61CC-4603-A589-7422A47A8E4A}"/>
+      <thm15:themeFamily xmlns:thm15="http://schemas.microsoft.com/office/thememl/2012/main" xmlns="" name="Office Theme" id="{62F939B6-93AF-4DB8-9C6B-D6C7DFDC589F}" vid="{4A3C46E8-61CC-4603-A589-7422A47A8E4A}"/>
     </a:ext>
   </a:extLst>
 </a:theme>

--- a/Complimentary Course Content/Module3/Lessons/Module3_Lesson10 Cross-Platform User Interfaces with Xamarin.Forms (Part 2).pptx
+++ b/Complimentary Course Content/Module3/Lessons/Module3_Lesson10 Cross-Platform User Interfaces with Xamarin.Forms (Part 2).pptx
@@ -138,7 +138,7 @@
   </p:defaultTextStyle>
   <p:extLst>
     <p:ext uri="{EFAFB233-063F-42B5-8137-9DF3F51BA10A}">
-      <p15:sldGuideLst xmlns:p15="http://schemas.microsoft.com/office/powerpoint/2012/main" xmlns="">
+      <p15:sldGuideLst xmlns="" xmlns:p15="http://schemas.microsoft.com/office/powerpoint/2012/main">
         <p15:guide id="1" orient="horz" pos="2160">
           <p15:clr>
             <a:srgbClr val="A4A3A4"/>
@@ -244,7 +244,7 @@
           <a:p>
             <a:fld id="{17D71989-5E53-5443-B1AE-527CBA6B448B}" type="datetimeFigureOut">
               <a:rPr lang="en-US" smtClean="0"/>
-              <a:t>6/30/16</a:t>
+              <a:t>7/12/16</a:t>
             </a:fld>
             <a:endParaRPr lang="en-US"/>
           </a:p>
@@ -4646,6 +4646,62 @@
           <a:bodyPr/>
           <a:lstStyle/>
           <a:p>
+            <a:pPr marL="0" indent="0">
+              <a:buFont typeface="Arial"/>
+              <a:buNone/>
+            </a:pPr>
+            <a:r>
+              <a:rPr lang="en-US" b="1" smtClean="0"/>
+              <a:t>Notes:</a:t>
+            </a:r>
+          </a:p>
+          <a:p>
+            <a:pPr marL="171450" indent="-171450">
+              <a:buFont typeface="Arial"/>
+              <a:buChar char="•"/>
+            </a:pPr>
+            <a:r>
+              <a:rPr lang="en-US" dirty="0" smtClean="0"/>
+              <a:t>The Module 3 Lesson</a:t>
+            </a:r>
+            <a:r>
+              <a:rPr lang="en-US" baseline="0" dirty="0" smtClean="0"/>
+              <a:t> 10 Lab should be completed at this time:</a:t>
+            </a:r>
+          </a:p>
+          <a:p>
+            <a:pPr marL="628650" lvl="1" indent="-171450">
+              <a:buFont typeface="Arial"/>
+              <a:buChar char="•"/>
+            </a:pPr>
+            <a:r>
+              <a:rPr lang="en-US" dirty="0" smtClean="0"/>
+              <a:t>https://</a:t>
+            </a:r>
+            <a:r>
+              <a:rPr lang="en-US" dirty="0" err="1" smtClean="0"/>
+              <a:t>github.com</a:t>
+            </a:r>
+            <a:r>
+              <a:rPr lang="en-US" dirty="0" smtClean="0"/>
+              <a:t>/</a:t>
+            </a:r>
+            <a:r>
+              <a:rPr lang="en-US" dirty="0" err="1" smtClean="0"/>
+              <a:t>MSFTImagine</a:t>
+            </a:r>
+            <a:r>
+              <a:rPr lang="en-US" dirty="0" smtClean="0"/>
+              <a:t>/</a:t>
+            </a:r>
+            <a:r>
+              <a:rPr lang="en-US" dirty="0" err="1" smtClean="0"/>
+              <a:t>computerscience</a:t>
+            </a:r>
+            <a:r>
+              <a:rPr lang="en-US" dirty="0" smtClean="0"/>
+              <a:t>/tree/master/Complimentary%20Course%20Content/Module3/Labs</a:t>
+            </a:r>
             <a:endParaRPr lang="en-US" dirty="0"/>
           </a:p>
         </p:txBody>
@@ -6154,7 +6210,7 @@
           <a:p>
             <a:fld id="{0459C166-16D3-4A25-A2F8-C51E0E346B22}" type="datetimeFigureOut">
               <a:rPr lang="en-US" smtClean="0"/>
-              <a:t>6/30/16</a:t>
+              <a:t>7/12/16</a:t>
             </a:fld>
             <a:endParaRPr lang="en-US"/>
           </a:p>
@@ -6521,7 +6577,7 @@
           <a:p>
             <a:fld id="{0459C166-16D3-4A25-A2F8-C51E0E346B22}" type="datetimeFigureOut">
               <a:rPr lang="en-US" smtClean="0"/>
-              <a:t>6/30/16</a:t>
+              <a:t>7/12/16</a:t>
             </a:fld>
             <a:endParaRPr lang="en-US"/>
           </a:p>
@@ -6639,7 +6695,7 @@
           <a:p>
             <a:fld id="{0459C166-16D3-4A25-A2F8-C51E0E346B22}" type="datetimeFigureOut">
               <a:rPr lang="en-US" smtClean="0"/>
-              <a:t>6/30/16</a:t>
+              <a:t>7/12/16</a:t>
             </a:fld>
             <a:endParaRPr lang="en-US"/>
           </a:p>
@@ -6809,7 +6865,7 @@
           <a:p>
             <a:fld id="{0459C166-16D3-4A25-A2F8-C51E0E346B22}" type="datetimeFigureOut">
               <a:rPr lang="en-US" smtClean="0"/>
-              <a:t>6/30/16</a:t>
+              <a:t>7/12/16</a:t>
             </a:fld>
             <a:endParaRPr lang="en-US"/>
           </a:p>
@@ -7074,7 +7130,7 @@
             <a:fld id="{0459C166-16D3-4A25-A2F8-C51E0E346B22}" type="datetimeFigureOut">
               <a:rPr lang="en-US" smtClean="0"/>
               <a:pPr/>
-              <a:t>6/30/16</a:t>
+              <a:t>7/12/16</a:t>
             </a:fld>
             <a:endParaRPr lang="en-US"/>
           </a:p>
@@ -7393,7 +7449,7 @@
           <a:p>
             <a:fld id="{0459C166-16D3-4A25-A2F8-C51E0E346B22}" type="datetimeFigureOut">
               <a:rPr lang="en-US" smtClean="0"/>
-              <a:t>6/30/16</a:t>
+              <a:t>7/12/16</a:t>
             </a:fld>
             <a:endParaRPr lang="en-US"/>
           </a:p>
@@ -7790,7 +7846,7 @@
           <a:p>
             <a:fld id="{0459C166-16D3-4A25-A2F8-C51E0E346B22}" type="datetimeFigureOut">
               <a:rPr lang="en-US" smtClean="0"/>
-              <a:t>6/30/16</a:t>
+              <a:t>7/12/16</a:t>
             </a:fld>
             <a:endParaRPr lang="en-US"/>
           </a:p>
@@ -8760,7 +8816,7 @@
           <a:p>
             <a:fld id="{0459C166-16D3-4A25-A2F8-C51E0E346B22}" type="datetimeFigureOut">
               <a:rPr lang="en-US" smtClean="0"/>
-              <a:t>6/30/16</a:t>
+              <a:t>7/12/16</a:t>
             </a:fld>
             <a:endParaRPr lang="en-US"/>
           </a:p>
@@ -8972,7 +9028,7 @@
           <a:p>
             <a:fld id="{0459C166-16D3-4A25-A2F8-C51E0E346B22}" type="datetimeFigureOut">
               <a:rPr lang="en-US" smtClean="0"/>
-              <a:t>6/30/16</a:t>
+              <a:t>7/12/16</a:t>
             </a:fld>
             <a:endParaRPr lang="en-US"/>
           </a:p>
@@ -11094,14 +11150,14 @@
                 <a:gridCol w="5533314">
                   <a:extLst>
                     <a:ext uri="{9D8B030D-6E8A-4147-A177-3AD203B41FA5}">
-                      <a16:colId xmlns="" xmlns:a16="http://schemas.microsoft.com/office/drawing/2014/main" val="48614039"/>
+                      <a16:colId xmlns:a16="http://schemas.microsoft.com/office/drawing/2014/main" xmlns="" val="48614039"/>
                     </a:ext>
                   </a:extLst>
                 </a:gridCol>
                 <a:gridCol w="5533314">
                   <a:extLst>
                     <a:ext uri="{9D8B030D-6E8A-4147-A177-3AD203B41FA5}">
-                      <a16:colId xmlns="" xmlns:a16="http://schemas.microsoft.com/office/drawing/2014/main" val="1124546490"/>
+                      <a16:colId xmlns:a16="http://schemas.microsoft.com/office/drawing/2014/main" xmlns="" val="1124546490"/>
                     </a:ext>
                   </a:extLst>
                 </a:gridCol>
@@ -11153,7 +11209,7 @@
                 </a:tc>
                 <a:extLst>
                   <a:ext uri="{0D108BD9-81ED-4DB2-BD59-A6C34878D82A}">
-                    <a16:rowId xmlns="" xmlns:a16="http://schemas.microsoft.com/office/drawing/2014/main" val="679667022"/>
+                    <a16:rowId xmlns:a16="http://schemas.microsoft.com/office/drawing/2014/main" xmlns="" val="679667022"/>
                   </a:ext>
                 </a:extLst>
               </a:tr>
@@ -11201,7 +11257,7 @@
                 </a:tc>
                 <a:extLst>
                   <a:ext uri="{0D108BD9-81ED-4DB2-BD59-A6C34878D82A}">
-                    <a16:rowId xmlns="" xmlns:a16="http://schemas.microsoft.com/office/drawing/2014/main" val="2034482246"/>
+                    <a16:rowId xmlns:a16="http://schemas.microsoft.com/office/drawing/2014/main" xmlns="" val="2034482246"/>
                   </a:ext>
                 </a:extLst>
               </a:tr>
@@ -11249,7 +11305,7 @@
                 </a:tc>
                 <a:extLst>
                   <a:ext uri="{0D108BD9-81ED-4DB2-BD59-A6C34878D82A}">
-                    <a16:rowId xmlns="" xmlns:a16="http://schemas.microsoft.com/office/drawing/2014/main" val="682465758"/>
+                    <a16:rowId xmlns:a16="http://schemas.microsoft.com/office/drawing/2014/main" xmlns="" val="682465758"/>
                   </a:ext>
                 </a:extLst>
               </a:tr>
@@ -11300,7 +11356,7 @@
                 </a:tc>
                 <a:extLst>
                   <a:ext uri="{0D108BD9-81ED-4DB2-BD59-A6C34878D82A}">
-                    <a16:rowId xmlns="" xmlns:a16="http://schemas.microsoft.com/office/drawing/2014/main" val="4230228483"/>
+                    <a16:rowId xmlns:a16="http://schemas.microsoft.com/office/drawing/2014/main" xmlns="" val="4230228483"/>
                   </a:ext>
                 </a:extLst>
               </a:tr>
@@ -13434,14 +13490,14 @@
                 <a:gridCol w="5533314">
                   <a:extLst>
                     <a:ext uri="{9D8B030D-6E8A-4147-A177-3AD203B41FA5}">
-                      <a16:colId xmlns="" xmlns:a16="http://schemas.microsoft.com/office/drawing/2014/main" val="48614039"/>
+                      <a16:colId xmlns:a16="http://schemas.microsoft.com/office/drawing/2014/main" xmlns="" val="48614039"/>
                     </a:ext>
                   </a:extLst>
                 </a:gridCol>
                 <a:gridCol w="5533314">
                   <a:extLst>
                     <a:ext uri="{9D8B030D-6E8A-4147-A177-3AD203B41FA5}">
-                      <a16:colId xmlns="" xmlns:a16="http://schemas.microsoft.com/office/drawing/2014/main" val="1124546490"/>
+                      <a16:colId xmlns:a16="http://schemas.microsoft.com/office/drawing/2014/main" xmlns="" val="1124546490"/>
                     </a:ext>
                   </a:extLst>
                 </a:gridCol>
@@ -13493,7 +13549,7 @@
                 </a:tc>
                 <a:extLst>
                   <a:ext uri="{0D108BD9-81ED-4DB2-BD59-A6C34878D82A}">
-                    <a16:rowId xmlns="" xmlns:a16="http://schemas.microsoft.com/office/drawing/2014/main" val="679667022"/>
+                    <a16:rowId xmlns:a16="http://schemas.microsoft.com/office/drawing/2014/main" xmlns="" val="679667022"/>
                   </a:ext>
                 </a:extLst>
               </a:tr>
@@ -13541,7 +13597,7 @@
                 </a:tc>
                 <a:extLst>
                   <a:ext uri="{0D108BD9-81ED-4DB2-BD59-A6C34878D82A}">
-                    <a16:rowId xmlns="" xmlns:a16="http://schemas.microsoft.com/office/drawing/2014/main" val="2034482246"/>
+                    <a16:rowId xmlns:a16="http://schemas.microsoft.com/office/drawing/2014/main" xmlns="" val="2034482246"/>
                   </a:ext>
                 </a:extLst>
               </a:tr>
@@ -13589,7 +13645,7 @@
                 </a:tc>
                 <a:extLst>
                   <a:ext uri="{0D108BD9-81ED-4DB2-BD59-A6C34878D82A}">
-                    <a16:rowId xmlns="" xmlns:a16="http://schemas.microsoft.com/office/drawing/2014/main" val="682465758"/>
+                    <a16:rowId xmlns:a16="http://schemas.microsoft.com/office/drawing/2014/main" xmlns="" val="682465758"/>
                   </a:ext>
                 </a:extLst>
               </a:tr>
@@ -13637,7 +13693,7 @@
                 </a:tc>
                 <a:extLst>
                   <a:ext uri="{0D108BD9-81ED-4DB2-BD59-A6C34878D82A}">
-                    <a16:rowId xmlns="" xmlns:a16="http://schemas.microsoft.com/office/drawing/2014/main" val="4230228483"/>
+                    <a16:rowId xmlns:a16="http://schemas.microsoft.com/office/drawing/2014/main" xmlns="" val="4230228483"/>
                   </a:ext>
                 </a:extLst>
               </a:tr>
@@ -13693,7 +13749,7 @@
                 </a:tc>
                 <a:extLst>
                   <a:ext uri="{0D108BD9-81ED-4DB2-BD59-A6C34878D82A}">
-                    <a16:rowId xmlns="" xmlns:a16="http://schemas.microsoft.com/office/drawing/2014/main" val="3329658239"/>
+                    <a16:rowId xmlns:a16="http://schemas.microsoft.com/office/drawing/2014/main" xmlns="" val="3329658239"/>
                   </a:ext>
                 </a:extLst>
               </a:tr>
@@ -15923,14 +15979,14 @@
                 <a:gridCol w="5533314">
                   <a:extLst>
                     <a:ext uri="{9D8B030D-6E8A-4147-A177-3AD203B41FA5}">
-                      <a16:colId xmlns="" xmlns:a16="http://schemas.microsoft.com/office/drawing/2014/main" val="48614039"/>
+                      <a16:colId xmlns:a16="http://schemas.microsoft.com/office/drawing/2014/main" xmlns="" val="48614039"/>
                     </a:ext>
                   </a:extLst>
                 </a:gridCol>
                 <a:gridCol w="5533314">
                   <a:extLst>
                     <a:ext uri="{9D8B030D-6E8A-4147-A177-3AD203B41FA5}">
-                      <a16:colId xmlns="" xmlns:a16="http://schemas.microsoft.com/office/drawing/2014/main" val="1124546490"/>
+                      <a16:colId xmlns:a16="http://schemas.microsoft.com/office/drawing/2014/main" xmlns="" val="1124546490"/>
                     </a:ext>
                   </a:extLst>
                 </a:gridCol>
@@ -15995,7 +16051,7 @@
                 </a:tc>
                 <a:extLst>
                   <a:ext uri="{0D108BD9-81ED-4DB2-BD59-A6C34878D82A}">
-                    <a16:rowId xmlns="" xmlns:a16="http://schemas.microsoft.com/office/drawing/2014/main" val="679667022"/>
+                    <a16:rowId xmlns:a16="http://schemas.microsoft.com/office/drawing/2014/main" xmlns="" val="679667022"/>
                   </a:ext>
                 </a:extLst>
               </a:tr>
@@ -16048,7 +16104,7 @@
                 </a:tc>
                 <a:extLst>
                   <a:ext uri="{0D108BD9-81ED-4DB2-BD59-A6C34878D82A}">
-                    <a16:rowId xmlns="" xmlns:a16="http://schemas.microsoft.com/office/drawing/2014/main" val="2034482246"/>
+                    <a16:rowId xmlns:a16="http://schemas.microsoft.com/office/drawing/2014/main" xmlns="" val="2034482246"/>
                   </a:ext>
                 </a:extLst>
               </a:tr>
@@ -16097,7 +16153,7 @@
                 </a:tc>
                 <a:extLst>
                   <a:ext uri="{0D108BD9-81ED-4DB2-BD59-A6C34878D82A}">
-                    <a16:rowId xmlns="" xmlns:a16="http://schemas.microsoft.com/office/drawing/2014/main" val="682465758"/>
+                    <a16:rowId xmlns:a16="http://schemas.microsoft.com/office/drawing/2014/main" xmlns="" val="682465758"/>
                   </a:ext>
                 </a:extLst>
               </a:tr>
@@ -16150,7 +16206,7 @@
                 </a:tc>
                 <a:extLst>
                   <a:ext uri="{0D108BD9-81ED-4DB2-BD59-A6C34878D82A}">
-                    <a16:rowId xmlns="" xmlns:a16="http://schemas.microsoft.com/office/drawing/2014/main" val="4230228483"/>
+                    <a16:rowId xmlns:a16="http://schemas.microsoft.com/office/drawing/2014/main" xmlns="" val="4230228483"/>
                   </a:ext>
                 </a:extLst>
               </a:tr>
@@ -16198,7 +16254,7 @@
                 </a:tc>
                 <a:extLst>
                   <a:ext uri="{0D108BD9-81ED-4DB2-BD59-A6C34878D82A}">
-                    <a16:rowId xmlns="" xmlns:a16="http://schemas.microsoft.com/office/drawing/2014/main" val="3329658239"/>
+                    <a16:rowId xmlns:a16="http://schemas.microsoft.com/office/drawing/2014/main" xmlns="" val="3329658239"/>
                   </a:ext>
                 </a:extLst>
               </a:tr>
@@ -17300,7 +17356,7 @@
   <a:extraClrSchemeLst/>
   <a:extLst>
     <a:ext uri="{05A4C25C-085E-4340-85A3-A5531E510DB2}">
-      <thm15:themeFamily xmlns:thm15="http://schemas.microsoft.com/office/thememl/2012/main" xmlns="" name="Office Theme" id="{62F939B6-93AF-4DB8-9C6B-D6C7DFDC589F}" vid="{4A3C46E8-61CC-4603-A589-7422A47A8E4A}"/>
+      <thm15:themeFamily xmlns="" xmlns:thm15="http://schemas.microsoft.com/office/thememl/2012/main" name="Office Theme" id="{62F939B6-93AF-4DB8-9C6B-D6C7DFDC589F}" vid="{4A3C46E8-61CC-4603-A589-7422A47A8E4A}"/>
     </a:ext>
   </a:extLst>
 </a:theme>

--- a/Complimentary Course Content/Module3/Lessons/Module3_Lesson10 Cross-Platform User Interfaces with Xamarin.Forms (Part 2).pptx
+++ b/Complimentary Course Content/Module3/Lessons/Module3_Lesson10 Cross-Platform User Interfaces with Xamarin.Forms (Part 2).pptx
@@ -138,7 +138,7 @@
   </p:defaultTextStyle>
   <p:extLst>
     <p:ext uri="{EFAFB233-063F-42B5-8137-9DF3F51BA10A}">
-      <p15:sldGuideLst xmlns="" xmlns:p15="http://schemas.microsoft.com/office/powerpoint/2012/main">
+      <p15:sldGuideLst xmlns:p15="http://schemas.microsoft.com/office/powerpoint/2012/main">
         <p15:guide id="1" orient="horz" pos="2160">
           <p15:clr>
             <a:srgbClr val="A4A3A4"/>
@@ -244,7 +244,7 @@
           <a:p>
             <a:fld id="{17D71989-5E53-5443-B1AE-527CBA6B448B}" type="datetimeFigureOut">
               <a:rPr lang="en-US" smtClean="0"/>
-              <a:t>7/12/16</a:t>
+              <a:t>9/9/16</a:t>
             </a:fld>
             <a:endParaRPr lang="en-US"/>
           </a:p>
@@ -556,7 +556,118 @@
           <a:bodyPr/>
           <a:lstStyle/>
           <a:p>
-            <a:endParaRPr lang="en-US" dirty="0"/>
+            <a:r>
+              <a:rPr lang="en-US" sz="1200" b="0" i="0" kern="1200" dirty="0" smtClean="0">
+                <a:solidFill>
+                  <a:schemeClr val="tx1"/>
+                </a:solidFill>
+                <a:effectLst/>
+                <a:latin typeface="+mn-lt"/>
+                <a:ea typeface="+mn-ea"/>
+                <a:cs typeface="+mn-cs"/>
+              </a:rPr>
+              <a:t>Images and excerpts from </a:t>
+            </a:r>
+            <a:r>
+              <a:rPr lang="en-US" sz="1200" b="0" i="1" kern="1200" dirty="0" err="1" smtClean="0">
+                <a:solidFill>
+                  <a:schemeClr val="tx1"/>
+                </a:solidFill>
+                <a:effectLst/>
+                <a:latin typeface="+mn-lt"/>
+                <a:ea typeface="+mn-ea"/>
+                <a:cs typeface="+mn-cs"/>
+              </a:rPr>
+              <a:t>Xamarin</a:t>
+            </a:r>
+            <a:r>
+              <a:rPr lang="en-US" sz="1200" b="0" i="1" kern="1200" dirty="0" smtClean="0">
+                <a:solidFill>
+                  <a:schemeClr val="tx1"/>
+                </a:solidFill>
+                <a:effectLst/>
+                <a:latin typeface="+mn-lt"/>
+                <a:ea typeface="+mn-ea"/>
+                <a:cs typeface="+mn-cs"/>
+              </a:rPr>
+              <a:t> Mobile Application Development </a:t>
+            </a:r>
+            <a:r>
+              <a:rPr lang="en-US" sz="1200" b="0" i="0" kern="1200" dirty="0" smtClean="0">
+                <a:solidFill>
+                  <a:schemeClr val="tx1"/>
+                </a:solidFill>
+                <a:effectLst/>
+                <a:latin typeface="+mn-lt"/>
+                <a:ea typeface="+mn-ea"/>
+                <a:cs typeface="+mn-cs"/>
+              </a:rPr>
+              <a:t>by Dan Hermes, published by </a:t>
+            </a:r>
+            <a:r>
+              <a:rPr lang="en-US" sz="1200" b="0" i="0" kern="1200" dirty="0" err="1" smtClean="0">
+                <a:solidFill>
+                  <a:schemeClr val="tx1"/>
+                </a:solidFill>
+                <a:effectLst/>
+                <a:latin typeface="+mn-lt"/>
+                <a:ea typeface="+mn-ea"/>
+                <a:cs typeface="+mn-cs"/>
+              </a:rPr>
+              <a:t>Apress</a:t>
+            </a:r>
+            <a:r>
+              <a:rPr lang="en-US" sz="1200" b="0" i="0" kern="1200" dirty="0" smtClean="0">
+                <a:solidFill>
+                  <a:schemeClr val="tx1"/>
+                </a:solidFill>
+                <a:effectLst/>
+                <a:latin typeface="+mn-lt"/>
+                <a:ea typeface="+mn-ea"/>
+                <a:cs typeface="+mn-cs"/>
+              </a:rPr>
+              <a:t>  </a:t>
+            </a:r>
+          </a:p>
+          <a:p>
+            <a:r>
+              <a:rPr lang="en-US" sz="1200" b="0" i="0" kern="1200" dirty="0" smtClean="0">
+                <a:solidFill>
+                  <a:schemeClr val="tx1"/>
+                </a:solidFill>
+                <a:effectLst/>
+                <a:latin typeface="+mn-lt"/>
+                <a:ea typeface="+mn-ea"/>
+                <a:cs typeface="+mn-cs"/>
+                <a:hlinkClick r:id="rId3"/>
+              </a:rPr>
+              <a:t>http://www.mobilecsharpcafe.com/xamarin</a:t>
+            </a:r>
+            <a:r>
+              <a:rPr lang="en-US" sz="1200" b="0" i="0" kern="1200" smtClean="0">
+                <a:solidFill>
+                  <a:schemeClr val="tx1"/>
+                </a:solidFill>
+                <a:effectLst/>
+                <a:latin typeface="+mn-lt"/>
+                <a:ea typeface="+mn-ea"/>
+                <a:cs typeface="+mn-cs"/>
+                <a:hlinkClick r:id="rId3"/>
+              </a:rPr>
+              <a:t>-book/</a:t>
+            </a:r>
+            <a:endParaRPr lang="en-US" sz="1200" b="0" i="0" kern="1200" smtClean="0">
+              <a:solidFill>
+                <a:schemeClr val="tx1"/>
+              </a:solidFill>
+              <a:effectLst/>
+              <a:latin typeface="+mn-lt"/>
+              <a:ea typeface="+mn-ea"/>
+              <a:cs typeface="+mn-cs"/>
+            </a:endParaRPr>
+          </a:p>
+          <a:p>
+            <a:endParaRPr lang="en-US"/>
           </a:p>
         </p:txBody>
       </p:sp>
@@ -575,29 +686,18 @@
           <a:bodyPr/>
           <a:lstStyle/>
           <a:p>
-            <a:fld id="{01283FAC-A721-45A3-BBDE-EAF2B09B7CD9}" type="slidenum">
-              <a:rPr lang="en-US" smtClean="0">
-                <a:solidFill>
-                  <a:prstClr val="black"/>
-                </a:solidFill>
-                <a:latin typeface="Calibri"/>
-              </a:rPr>
-              <a:pPr/>
-              <a:t>3</a:t>
+            <a:fld id="{C58F222D-196D-7448-BD88-0286A15812EA}" type="slidenum">
+              <a:rPr lang="en-US" smtClean="0"/>
+              <a:t>1</a:t>
             </a:fld>
-            <a:endParaRPr lang="en-US">
-              <a:solidFill>
-                <a:prstClr val="black"/>
-              </a:solidFill>
-              <a:latin typeface="Calibri"/>
-            </a:endParaRPr>
+            <a:endParaRPr lang="en-US"/>
           </a:p>
         </p:txBody>
       </p:sp>
     </p:spTree>
     <p:extLst>
       <p:ext uri="{BB962C8B-B14F-4D97-AF65-F5344CB8AC3E}">
-        <p14:creationId xmlns:p14="http://schemas.microsoft.com/office/powerpoint/2010/main" val="2183638330"/>
+        <p14:creationId xmlns:p14="http://schemas.microsoft.com/office/powerpoint/2010/main" val="1304081744"/>
       </p:ext>
     </p:extLst>
   </p:cSld>
@@ -651,28 +751,98 @@
           <a:bodyPr/>
           <a:lstStyle/>
           <a:p>
-            <a:pPr marL="0" indent="0">
-              <a:buFont typeface="Arial"/>
-              <a:buNone/>
-            </a:pPr>
-            <a:r>
-              <a:rPr lang="en-US" b="1" dirty="0" smtClean="0"/>
-              <a:t>Notes:</a:t>
-            </a:r>
-          </a:p>
-          <a:p>
-            <a:pPr marL="171450" indent="-171450">
+            <a:r>
+              <a:rPr lang="en-US" sz="1200" b="1" dirty="0" smtClean="0"/>
+              <a:t>References:</a:t>
+            </a:r>
+          </a:p>
+          <a:p>
+            <a:pPr marL="171450" marR="0" lvl="0" indent="-171450" algn="l" defTabSz="914400" rtl="0" eaLnBrk="1" fontAlgn="auto" latinLnBrk="0" hangingPunct="1">
+              <a:lnSpc>
+                <a:spcPct val="100000"/>
+              </a:lnSpc>
+              <a:spcBef>
+                <a:spcPts val="0"/>
+              </a:spcBef>
+              <a:spcAft>
+                <a:spcPts val="0"/>
+              </a:spcAft>
+              <a:buClrTx/>
+              <a:buSzTx/>
               <a:buFont typeface="Arial"/>
               <a:buChar char="•"/>
+              <a:tabLst/>
+              <a:defRPr/>
             </a:pPr>
             <a:r>
-              <a:rPr lang="en-US" dirty="0" smtClean="0"/>
-              <a:t>Summary </a:t>
-            </a:r>
-            <a:r>
-              <a:rPr lang="en-US" dirty="0"/>
-              <a:t>of Navigation</a:t>
-            </a:r>
+              <a:rPr lang="en-US" sz="1200" b="0" i="0" u="none" strike="noStrike" kern="1200" baseline="0" dirty="0" smtClean="0">
+                <a:solidFill>
+                  <a:schemeClr val="tx1"/>
+                </a:solidFill>
+                <a:latin typeface="+mn-lt"/>
+                <a:ea typeface="+mn-ea"/>
+                <a:cs typeface="+mn-cs"/>
+              </a:rPr>
+              <a:t>Images from </a:t>
+            </a:r>
+            <a:r>
+              <a:rPr lang="en-US" sz="1200" b="0" i="1" u="none" strike="noStrike" kern="1200" baseline="0" dirty="0" err="1" smtClean="0">
+                <a:solidFill>
+                  <a:schemeClr val="tx1"/>
+                </a:solidFill>
+                <a:latin typeface="+mn-lt"/>
+                <a:ea typeface="+mn-ea"/>
+                <a:cs typeface="+mn-cs"/>
+              </a:rPr>
+              <a:t>Xamarin</a:t>
+            </a:r>
+            <a:r>
+              <a:rPr lang="en-US" sz="1200" b="0" i="1" u="none" strike="noStrike" kern="1200" baseline="0" dirty="0" smtClean="0">
+                <a:solidFill>
+                  <a:schemeClr val="tx1"/>
+                </a:solidFill>
+                <a:latin typeface="+mn-lt"/>
+                <a:ea typeface="+mn-ea"/>
+                <a:cs typeface="+mn-cs"/>
+              </a:rPr>
+              <a:t> Mobile Application Development </a:t>
+            </a:r>
+            <a:r>
+              <a:rPr lang="en-US" sz="1200" b="0" i="0" u="none" strike="noStrike" kern="1200" baseline="0" dirty="0" smtClean="0">
+                <a:solidFill>
+                  <a:schemeClr val="tx1"/>
+                </a:solidFill>
+                <a:latin typeface="+mn-lt"/>
+                <a:ea typeface="+mn-ea"/>
+                <a:cs typeface="+mn-cs"/>
+              </a:rPr>
+              <a:t>by Dan Hermes  http://</a:t>
+            </a:r>
+            <a:r>
+              <a:rPr lang="en-US" sz="1200" b="0" i="0" u="none" strike="noStrike" kern="1200" baseline="0" dirty="0" err="1" smtClean="0">
+                <a:solidFill>
+                  <a:schemeClr val="tx1"/>
+                </a:solidFill>
+                <a:latin typeface="+mn-lt"/>
+                <a:ea typeface="+mn-ea"/>
+                <a:cs typeface="+mn-cs"/>
+              </a:rPr>
+              <a:t>amzn.to</a:t>
+            </a:r>
+            <a:r>
+              <a:rPr lang="en-US" sz="1200" b="0" i="0" u="none" strike="noStrike" kern="1200" baseline="0" dirty="0" smtClean="0">
+                <a:solidFill>
+                  <a:schemeClr val="tx1"/>
+                </a:solidFill>
+                <a:latin typeface="+mn-lt"/>
+                <a:ea typeface="+mn-ea"/>
+                <a:cs typeface="+mn-cs"/>
+              </a:rPr>
+              <a:t>/1rowG7K</a:t>
+            </a:r>
+          </a:p>
+          <a:p>
+            <a:endParaRPr lang="en-US" dirty="0"/>
           </a:p>
         </p:txBody>
       </p:sp>
@@ -691,9 +861,9 @@
           <a:bodyPr/>
           <a:lstStyle/>
           <a:p>
-            <a:fld id="{01283FAC-A721-45A3-BBDE-EAF2B09B7CD9}" type="slidenum">
+            <a:fld id="{C58F222D-196D-7448-BD88-0286A15812EA}" type="slidenum">
               <a:rPr lang="en-US" smtClean="0"/>
-              <a:t>15</a:t>
+              <a:t>14</a:t>
             </a:fld>
             <a:endParaRPr lang="en-US"/>
           </a:p>
@@ -702,7 +872,7 @@
     </p:spTree>
     <p:extLst>
       <p:ext uri="{BB962C8B-B14F-4D97-AF65-F5344CB8AC3E}">
-        <p14:creationId xmlns:p14="http://schemas.microsoft.com/office/powerpoint/2010/main" val="1738098537"/>
+        <p14:creationId xmlns:p14="http://schemas.microsoft.com/office/powerpoint/2010/main" val="2012126193"/>
       </p:ext>
     </p:extLst>
   </p:cSld>
@@ -761,105 +931,22 @@
               <a:buNone/>
             </a:pPr>
             <a:r>
-              <a:rPr lang="en-US" b="1" dirty="0"/>
+              <a:rPr lang="en-US" b="1" dirty="0" smtClean="0"/>
               <a:t>Notes:</a:t>
             </a:r>
-            <a:endParaRPr lang="en-US" b="1" baseline="0" dirty="0"/>
           </a:p>
           <a:p>
             <a:pPr marL="171450" indent="-171450">
-              <a:buFont typeface="Arial" panose="020B0604020202020204" pitchFamily="34" charset="0"/>
+              <a:buFont typeface="Arial"/>
               <a:buChar char="•"/>
             </a:pPr>
             <a:r>
-              <a:rPr lang="en-US" baseline="0" dirty="0"/>
-              <a:t>The separate devices sometimes handle gestures dramatically differently, even though the UI concept is extremely similar across device types</a:t>
-            </a:r>
-          </a:p>
-          <a:p>
-            <a:pPr marL="171450" indent="-171450">
-              <a:buFont typeface="Arial" panose="020B0604020202020204" pitchFamily="34" charset="0"/>
-              <a:buChar char="•"/>
-            </a:pPr>
-            <a:r>
-              <a:rPr lang="en-US" baseline="0" dirty="0"/>
-              <a:t>The </a:t>
-            </a:r>
-            <a:r>
-              <a:rPr lang="en-US" baseline="0" dirty="0" err="1"/>
-              <a:t>GestureRecognizer</a:t>
-            </a:r>
-            <a:r>
-              <a:rPr lang="en-US" baseline="0" dirty="0"/>
-              <a:t> class abstracts the details of handling some common user interaction</a:t>
-            </a:r>
-          </a:p>
-          <a:p>
-            <a:pPr marL="171450" indent="-171450">
-              <a:buFont typeface="Arial" panose="020B0604020202020204" pitchFamily="34" charset="0"/>
-              <a:buChar char="•"/>
-            </a:pPr>
-            <a:r>
-              <a:rPr lang="en-US" baseline="0" dirty="0" err="1"/>
-              <a:t>TapGestureRecognizer</a:t>
-            </a:r>
-            <a:r>
-              <a:rPr lang="en-US" baseline="0" dirty="0"/>
-              <a:t> will detect a tap on a control and provide a way to handle a tap action from a user on a control</a:t>
-            </a:r>
-          </a:p>
-          <a:p>
-            <a:pPr marL="171450" marR="0" indent="-171450" algn="l" defTabSz="914400" rtl="0" eaLnBrk="1" fontAlgn="auto" latinLnBrk="0" hangingPunct="1">
-              <a:lnSpc>
-                <a:spcPct val="100000"/>
-              </a:lnSpc>
-              <a:spcBef>
-                <a:spcPts val="0"/>
-              </a:spcBef>
-              <a:spcAft>
-                <a:spcPts val="0"/>
-              </a:spcAft>
-              <a:buClrTx/>
-              <a:buSzTx/>
-              <a:buFont typeface="Arial" panose="020B0604020202020204" pitchFamily="34" charset="0"/>
-              <a:buChar char="•"/>
-              <a:tabLst/>
-              <a:defRPr/>
-            </a:pPr>
-            <a:r>
-              <a:rPr lang="en-US" baseline="0" dirty="0" err="1"/>
-              <a:t>PinchGestureRecognizer</a:t>
-            </a:r>
-            <a:r>
-              <a:rPr lang="en-US" baseline="0" dirty="0"/>
-              <a:t> will detect a pinch – or zoom – on a control from a user and provide a way to handle a pinch action from a user on a control</a:t>
-            </a:r>
-          </a:p>
-          <a:p>
-            <a:pPr marL="171450" marR="0" indent="-171450" algn="l" defTabSz="914400" rtl="0" eaLnBrk="1" fontAlgn="auto" latinLnBrk="0" hangingPunct="1">
-              <a:lnSpc>
-                <a:spcPct val="100000"/>
-              </a:lnSpc>
-              <a:spcBef>
-                <a:spcPts val="0"/>
-              </a:spcBef>
-              <a:spcAft>
-                <a:spcPts val="0"/>
-              </a:spcAft>
-              <a:buClrTx/>
-              <a:buSzTx/>
-              <a:buFont typeface="Arial" panose="020B0604020202020204" pitchFamily="34" charset="0"/>
-              <a:buChar char="•"/>
-              <a:tabLst/>
-              <a:defRPr/>
-            </a:pPr>
-            <a:r>
-              <a:rPr lang="en-US" baseline="0" dirty="0" err="1"/>
-              <a:t>PanGestureRecognizer</a:t>
-            </a:r>
-            <a:r>
-              <a:rPr lang="en-US" baseline="0" dirty="0"/>
-              <a:t> will detect a pan – or drag – on a control and provide a way to handle a pan action from a user on a control</a:t>
+              <a:rPr lang="en-US" dirty="0" smtClean="0"/>
+              <a:t>Summary </a:t>
+            </a:r>
+            <a:r>
+              <a:rPr lang="en-US" dirty="0"/>
+              <a:t>of Navigation</a:t>
             </a:r>
           </a:p>
         </p:txBody>
@@ -879,29 +966,18 @@
           <a:bodyPr/>
           <a:lstStyle/>
           <a:p>
-            <a:fld id="{BC60BE34-BC89-4C98-A56B-79B7A098D024}" type="slidenum">
-              <a:rPr lang="en-US" smtClean="0">
-                <a:solidFill>
-                  <a:prstClr val="black"/>
-                </a:solidFill>
-                <a:latin typeface="Calibri"/>
-              </a:rPr>
-              <a:pPr/>
-              <a:t>16</a:t>
+            <a:fld id="{01283FAC-A721-45A3-BBDE-EAF2B09B7CD9}" type="slidenum">
+              <a:rPr lang="en-US" smtClean="0"/>
+              <a:t>15</a:t>
             </a:fld>
-            <a:endParaRPr lang="en-US">
-              <a:solidFill>
-                <a:prstClr val="black"/>
-              </a:solidFill>
-              <a:latin typeface="Calibri"/>
-            </a:endParaRPr>
+            <a:endParaRPr lang="en-US"/>
           </a:p>
         </p:txBody>
       </p:sp>
     </p:spTree>
     <p:extLst>
       <p:ext uri="{BB962C8B-B14F-4D97-AF65-F5344CB8AC3E}">
-        <p14:creationId xmlns:p14="http://schemas.microsoft.com/office/powerpoint/2010/main" val="3591472928"/>
+        <p14:creationId xmlns:p14="http://schemas.microsoft.com/office/powerpoint/2010/main" val="1738098537"/>
       </p:ext>
     </p:extLst>
   </p:cSld>
@@ -960,36 +1036,105 @@
               <a:buNone/>
             </a:pPr>
             <a:r>
-              <a:rPr lang="en-US" b="1" smtClean="0"/>
+              <a:rPr lang="en-US" b="1" dirty="0"/>
               <a:t>Notes:</a:t>
             </a:r>
+            <a:endParaRPr lang="en-US" b="1" baseline="0" dirty="0"/>
           </a:p>
           <a:p>
             <a:pPr marL="171450" indent="-171450">
-              <a:buFont typeface="Arial"/>
+              <a:buFont typeface="Arial" panose="020B0604020202020204" pitchFamily="34" charset="0"/>
               <a:buChar char="•"/>
             </a:pPr>
             <a:r>
-              <a:rPr lang="en-US" dirty="0" err="1" smtClean="0"/>
-              <a:t>TapGestureRecognizer</a:t>
-            </a:r>
-            <a:r>
-              <a:rPr lang="en-US" dirty="0" smtClean="0"/>
-              <a:t> </a:t>
-            </a:r>
-            <a:r>
-              <a:rPr lang="en-US" dirty="0"/>
-              <a:t>example.</a:t>
+              <a:rPr lang="en-US" baseline="0" dirty="0"/>
+              <a:t>The separate devices sometimes handle gestures dramatically differently, even though the UI concept is extremely similar across device types</a:t>
             </a:r>
           </a:p>
           <a:p>
             <a:pPr marL="171450" indent="-171450">
-              <a:buFont typeface="Arial"/>
+              <a:buFont typeface="Arial" panose="020B0604020202020204" pitchFamily="34" charset="0"/>
               <a:buChar char="•"/>
             </a:pPr>
             <a:r>
-              <a:rPr lang="en-US" dirty="0"/>
-              <a:t>Instantiate the Image control first.</a:t>
+              <a:rPr lang="en-US" baseline="0" dirty="0"/>
+              <a:t>The </a:t>
+            </a:r>
+            <a:r>
+              <a:rPr lang="en-US" baseline="0" dirty="0" err="1"/>
+              <a:t>GestureRecognizer</a:t>
+            </a:r>
+            <a:r>
+              <a:rPr lang="en-US" baseline="0" dirty="0"/>
+              <a:t> class abstracts the details of handling some common user interaction</a:t>
+            </a:r>
+          </a:p>
+          <a:p>
+            <a:pPr marL="171450" indent="-171450">
+              <a:buFont typeface="Arial" panose="020B0604020202020204" pitchFamily="34" charset="0"/>
+              <a:buChar char="•"/>
+            </a:pPr>
+            <a:r>
+              <a:rPr lang="en-US" baseline="0" dirty="0" err="1"/>
+              <a:t>TapGestureRecognizer</a:t>
+            </a:r>
+            <a:r>
+              <a:rPr lang="en-US" baseline="0" dirty="0"/>
+              <a:t> will detect a tap on a control and provide a way to handle a tap action from a user on a control</a:t>
+            </a:r>
+          </a:p>
+          <a:p>
+            <a:pPr marL="171450" marR="0" indent="-171450" algn="l" defTabSz="914400" rtl="0" eaLnBrk="1" fontAlgn="auto" latinLnBrk="0" hangingPunct="1">
+              <a:lnSpc>
+                <a:spcPct val="100000"/>
+              </a:lnSpc>
+              <a:spcBef>
+                <a:spcPts val="0"/>
+              </a:spcBef>
+              <a:spcAft>
+                <a:spcPts val="0"/>
+              </a:spcAft>
+              <a:buClrTx/>
+              <a:buSzTx/>
+              <a:buFont typeface="Arial" panose="020B0604020202020204" pitchFamily="34" charset="0"/>
+              <a:buChar char="•"/>
+              <a:tabLst/>
+              <a:defRPr/>
+            </a:pPr>
+            <a:r>
+              <a:rPr lang="en-US" baseline="0" dirty="0" err="1"/>
+              <a:t>PinchGestureRecognizer</a:t>
+            </a:r>
+            <a:r>
+              <a:rPr lang="en-US" baseline="0" dirty="0"/>
+              <a:t> will detect a pinch – or zoom – on a control from a user and provide a way to handle a pinch action from a user on a control</a:t>
+            </a:r>
+          </a:p>
+          <a:p>
+            <a:pPr marL="171450" marR="0" indent="-171450" algn="l" defTabSz="914400" rtl="0" eaLnBrk="1" fontAlgn="auto" latinLnBrk="0" hangingPunct="1">
+              <a:lnSpc>
+                <a:spcPct val="100000"/>
+              </a:lnSpc>
+              <a:spcBef>
+                <a:spcPts val="0"/>
+              </a:spcBef>
+              <a:spcAft>
+                <a:spcPts val="0"/>
+              </a:spcAft>
+              <a:buClrTx/>
+              <a:buSzTx/>
+              <a:buFont typeface="Arial" panose="020B0604020202020204" pitchFamily="34" charset="0"/>
+              <a:buChar char="•"/>
+              <a:tabLst/>
+              <a:defRPr/>
+            </a:pPr>
+            <a:r>
+              <a:rPr lang="en-US" baseline="0" dirty="0" err="1"/>
+              <a:t>PanGestureRecognizer</a:t>
+            </a:r>
+            <a:r>
+              <a:rPr lang="en-US" baseline="0" dirty="0"/>
+              <a:t> will detect a pan – or drag – on a control and provide a way to handle a pan action from a user on a control</a:t>
             </a:r>
           </a:p>
         </p:txBody>
@@ -1009,18 +1154,29 @@
           <a:bodyPr/>
           <a:lstStyle/>
           <a:p>
-            <a:fld id="{01283FAC-A721-45A3-BBDE-EAF2B09B7CD9}" type="slidenum">
-              <a:rPr lang="en-US" smtClean="0"/>
-              <a:t>17</a:t>
+            <a:fld id="{BC60BE34-BC89-4C98-A56B-79B7A098D024}" type="slidenum">
+              <a:rPr lang="en-US" smtClean="0">
+                <a:solidFill>
+                  <a:prstClr val="black"/>
+                </a:solidFill>
+                <a:latin typeface="Calibri"/>
+              </a:rPr>
+              <a:pPr/>
+              <a:t>16</a:t>
             </a:fld>
-            <a:endParaRPr lang="en-US"/>
+            <a:endParaRPr lang="en-US">
+              <a:solidFill>
+                <a:prstClr val="black"/>
+              </a:solidFill>
+              <a:latin typeface="Calibri"/>
+            </a:endParaRPr>
           </a:p>
         </p:txBody>
       </p:sp>
     </p:spTree>
     <p:extLst>
       <p:ext uri="{BB962C8B-B14F-4D97-AF65-F5344CB8AC3E}">
-        <p14:creationId xmlns:p14="http://schemas.microsoft.com/office/powerpoint/2010/main" val="1764205992"/>
+        <p14:creationId xmlns:p14="http://schemas.microsoft.com/office/powerpoint/2010/main" val="3591472928"/>
       </p:ext>
     </p:extLst>
   </p:cSld>
@@ -1079,14 +1235,7 @@
               <a:buNone/>
             </a:pPr>
             <a:r>
-              <a:rPr lang="en-US" sz="1200" b="1" i="0" u="none" strike="noStrike" kern="1200" baseline="0" dirty="0" smtClean="0">
-                <a:solidFill>
-                  <a:schemeClr val="tx1"/>
-                </a:solidFill>
-                <a:latin typeface="+mn-lt"/>
-                <a:ea typeface="+mn-ea"/>
-                <a:cs typeface="+mn-cs"/>
-              </a:rPr>
+              <a:rPr lang="en-US" b="1" smtClean="0"/>
               <a:t>Notes:</a:t>
             </a:r>
           </a:p>
@@ -1096,26 +1245,16 @@
               <a:buChar char="•"/>
             </a:pPr>
             <a:r>
-              <a:rPr lang="en-US" sz="1200" b="0" i="0" u="none" strike="noStrike" kern="1200" baseline="0" dirty="0" smtClean="0">
-                <a:solidFill>
-                  <a:schemeClr val="tx1"/>
-                </a:solidFill>
-                <a:latin typeface="+mn-lt"/>
-                <a:ea typeface="+mn-ea"/>
-                <a:cs typeface="+mn-cs"/>
-              </a:rPr>
-              <a:t>Limited </a:t>
-            </a:r>
-            <a:r>
-              <a:rPr lang="en-US" sz="1200" b="0" i="0" u="none" strike="noStrike" kern="1200" baseline="0" dirty="0">
-                <a:solidFill>
-                  <a:schemeClr val="tx1"/>
-                </a:solidFill>
-                <a:latin typeface="+mn-lt"/>
-                <a:ea typeface="+mn-ea"/>
-                <a:cs typeface="+mn-cs"/>
-              </a:rPr>
-              <a:t>real estate on mobile screens encourages the use of list views instead of the usual multi-column grid views.</a:t>
+              <a:rPr lang="en-US" dirty="0" err="1" smtClean="0"/>
+              <a:t>TapGestureRecognizer</a:t>
+            </a:r>
+            <a:r>
+              <a:rPr lang="en-US" dirty="0" smtClean="0"/>
+              <a:t> </a:t>
+            </a:r>
+            <a:r>
+              <a:rPr lang="en-US" dirty="0"/>
+              <a:t>example.</a:t>
             </a:r>
           </a:p>
           <a:p>
@@ -1123,256 +1262,10 @@
               <a:buFont typeface="Arial"/>
               <a:buChar char="•"/>
             </a:pPr>
-            <a:endParaRPr lang="en-US" sz="1200" b="0" i="0" u="none" strike="noStrike" kern="1200" baseline="0" dirty="0">
-              <a:solidFill>
-                <a:schemeClr val="tx1"/>
-              </a:solidFill>
-              <a:latin typeface="+mn-lt"/>
-              <a:ea typeface="+mn-ea"/>
-              <a:cs typeface="+mn-cs"/>
-            </a:endParaRPr>
-          </a:p>
-          <a:p>
-            <a:pPr marL="171450" indent="-171450">
-              <a:buFont typeface="Arial"/>
-              <a:buChar char="•"/>
-            </a:pPr>
-            <a:r>
-              <a:rPr lang="en-US" sz="1200" b="0" i="0" u="none" strike="noStrike" kern="1200" baseline="0" dirty="0">
-                <a:solidFill>
-                  <a:schemeClr val="tx1"/>
-                </a:solidFill>
-                <a:latin typeface="+mn-lt"/>
-                <a:ea typeface="+mn-ea"/>
-                <a:cs typeface="+mn-cs"/>
-              </a:rPr>
-              <a:t>Lists in Xamarin.Forms are created using the </a:t>
-            </a:r>
-            <a:r>
-              <a:rPr lang="en-US" sz="1200" b="0" i="0" u="none" strike="noStrike" kern="1200" baseline="0" dirty="0" err="1">
-                <a:solidFill>
-                  <a:schemeClr val="tx1"/>
-                </a:solidFill>
-                <a:latin typeface="+mn-lt"/>
-                <a:ea typeface="+mn-ea"/>
-                <a:cs typeface="+mn-cs"/>
-              </a:rPr>
-              <a:t>ListView</a:t>
-            </a:r>
-            <a:r>
-              <a:rPr lang="en-US" sz="1200" b="0" i="0" u="none" strike="noStrike" kern="1200" baseline="0" dirty="0">
-                <a:solidFill>
-                  <a:schemeClr val="tx1"/>
-                </a:solidFill>
-                <a:latin typeface="+mn-lt"/>
-                <a:ea typeface="+mn-ea"/>
-                <a:cs typeface="+mn-cs"/>
-              </a:rPr>
-              <a:t> control bound to an array or data model. The Xamarin.</a:t>
-            </a:r>
-          </a:p>
-          <a:p>
-            <a:pPr marL="171450" indent="-171450">
-              <a:buFont typeface="Arial"/>
-              <a:buChar char="•"/>
-            </a:pPr>
-            <a:r>
-              <a:rPr lang="en-US" sz="1200" b="0" i="0" u="none" strike="noStrike" kern="1200" baseline="0" dirty="0">
-                <a:solidFill>
-                  <a:schemeClr val="tx1"/>
-                </a:solidFill>
-                <a:latin typeface="+mn-lt"/>
-                <a:ea typeface="+mn-ea"/>
-                <a:cs typeface="+mn-cs"/>
-              </a:rPr>
-              <a:t>Forms </a:t>
-            </a:r>
-            <a:r>
-              <a:rPr lang="en-US" sz="1200" b="0" i="0" u="none" strike="noStrike" kern="1200" baseline="0" dirty="0" err="1">
-                <a:solidFill>
-                  <a:schemeClr val="tx1"/>
-                </a:solidFill>
-                <a:latin typeface="+mn-lt"/>
-                <a:ea typeface="+mn-ea"/>
-                <a:cs typeface="+mn-cs"/>
-              </a:rPr>
-              <a:t>ListView</a:t>
-            </a:r>
-            <a:r>
-              <a:rPr lang="en-US" sz="1200" b="0" i="0" u="none" strike="noStrike" kern="1200" baseline="0" dirty="0">
-                <a:solidFill>
-                  <a:schemeClr val="tx1"/>
-                </a:solidFill>
-                <a:latin typeface="+mn-lt"/>
-                <a:ea typeface="+mn-ea"/>
-                <a:cs typeface="+mn-cs"/>
-              </a:rPr>
-              <a:t> class provides a scrollable, selectable list. List rows are customizable using layouts, images</a:t>
-            </a:r>
-            <a:r>
-              <a:rPr lang="en-US" sz="1200" b="0" i="0" u="none" strike="noStrike" kern="1200" baseline="0" dirty="0" smtClean="0">
-                <a:solidFill>
-                  <a:schemeClr val="tx1"/>
-                </a:solidFill>
-                <a:latin typeface="+mn-lt"/>
-                <a:ea typeface="+mn-ea"/>
-                <a:cs typeface="+mn-cs"/>
-              </a:rPr>
-              <a:t>, and </a:t>
-            </a:r>
-            <a:r>
-              <a:rPr lang="en-US" sz="1200" b="0" i="0" u="none" strike="noStrike" kern="1200" baseline="0" dirty="0">
-                <a:solidFill>
-                  <a:schemeClr val="tx1"/>
-                </a:solidFill>
-                <a:latin typeface="+mn-lt"/>
-                <a:ea typeface="+mn-ea"/>
-                <a:cs typeface="+mn-cs"/>
-              </a:rPr>
-              <a:t>views such as buttons. </a:t>
-            </a:r>
-            <a:r>
-              <a:rPr lang="en-US" sz="1200" b="0" i="0" u="none" strike="noStrike" kern="1200" baseline="0" dirty="0" err="1">
-                <a:solidFill>
-                  <a:schemeClr val="tx1"/>
-                </a:solidFill>
-                <a:latin typeface="+mn-lt"/>
-                <a:ea typeface="+mn-ea"/>
-                <a:cs typeface="+mn-cs"/>
-              </a:rPr>
-              <a:t>ListView</a:t>
-            </a:r>
-            <a:r>
-              <a:rPr lang="en-US" sz="1200" b="0" i="0" u="none" strike="noStrike" kern="1200" baseline="0" dirty="0">
-                <a:solidFill>
-                  <a:schemeClr val="tx1"/>
-                </a:solidFill>
-                <a:latin typeface="+mn-lt"/>
-                <a:ea typeface="+mn-ea"/>
-                <a:cs typeface="+mn-cs"/>
-              </a:rPr>
-              <a:t> supports grouping, headers, footers, jump lists, and pull-to-refresh.</a:t>
-            </a:r>
-          </a:p>
-          <a:p>
-            <a:pPr marL="171450" indent="-171450">
-              <a:buFont typeface="Arial"/>
-              <a:buChar char="•"/>
-            </a:pPr>
-            <a:r>
-              <a:rPr lang="en-US" sz="1200" b="0" i="0" u="none" strike="noStrike" kern="1200" baseline="0" dirty="0">
-                <a:solidFill>
-                  <a:schemeClr val="tx1"/>
-                </a:solidFill>
-                <a:latin typeface="+mn-lt"/>
-                <a:ea typeface="+mn-ea"/>
-                <a:cs typeface="+mn-cs"/>
-              </a:rPr>
-              <a:t>Deleting and applying operations to list rows are supported using Context Actions.</a:t>
-            </a:r>
-          </a:p>
-          <a:p>
-            <a:pPr marL="171450" indent="-171450">
-              <a:buFont typeface="Arial"/>
-              <a:buChar char="•"/>
-            </a:pPr>
-            <a:endParaRPr lang="en-US" sz="1200" b="0" i="0" u="none" strike="noStrike" kern="1200" baseline="0" dirty="0">
-              <a:solidFill>
-                <a:schemeClr val="tx1"/>
-              </a:solidFill>
-              <a:latin typeface="+mn-lt"/>
-              <a:ea typeface="+mn-ea"/>
-              <a:cs typeface="+mn-cs"/>
-            </a:endParaRPr>
-          </a:p>
-          <a:p>
-            <a:pPr marL="171450" indent="-171450">
-              <a:buFont typeface="Arial"/>
-              <a:buChar char="•"/>
-            </a:pPr>
-            <a:r>
-              <a:rPr lang="en-US" sz="1200" b="0" i="0" u="none" strike="noStrike" kern="1200" baseline="0" dirty="0">
-                <a:solidFill>
-                  <a:schemeClr val="tx1"/>
-                </a:solidFill>
-                <a:latin typeface="+mn-lt"/>
-                <a:ea typeface="+mn-ea"/>
-                <a:cs typeface="+mn-cs"/>
-              </a:rPr>
-              <a:t>Performance is key with list views. Performance techniques outside the scope of this lesson. Cell reuse is automatic in </a:t>
-            </a:r>
-            <a:r>
-              <a:rPr lang="en-US" sz="1200" b="0" i="0" u="none" strike="noStrike" kern="1200" baseline="0" dirty="0" err="1">
-                <a:solidFill>
-                  <a:schemeClr val="tx1"/>
-                </a:solidFill>
-                <a:latin typeface="+mn-lt"/>
-                <a:ea typeface="+mn-ea"/>
-                <a:cs typeface="+mn-cs"/>
-              </a:rPr>
-              <a:t>Xamarin.Forms</a:t>
-            </a:r>
-            <a:r>
-              <a:rPr lang="en-US" sz="1200" b="0" i="0" u="none" strike="noStrike" kern="1200" baseline="0" dirty="0" smtClean="0">
-                <a:solidFill>
-                  <a:schemeClr val="tx1"/>
-                </a:solidFill>
-                <a:latin typeface="+mn-lt"/>
-                <a:ea typeface="+mn-ea"/>
-                <a:cs typeface="+mn-cs"/>
-              </a:rPr>
-              <a:t>.</a:t>
-            </a:r>
-          </a:p>
-          <a:p>
-            <a:endParaRPr lang="en-US" sz="1200" b="0" i="0" u="none" strike="noStrike" kern="1200" baseline="0" dirty="0" smtClean="0">
-              <a:solidFill>
-                <a:schemeClr val="tx1"/>
-              </a:solidFill>
-              <a:latin typeface="+mn-lt"/>
-              <a:ea typeface="+mn-ea"/>
-              <a:cs typeface="+mn-cs"/>
-            </a:endParaRPr>
-          </a:p>
-          <a:p>
-            <a:r>
-              <a:rPr lang="en-US" sz="1200" b="1" i="0" u="none" strike="noStrike" kern="1200" baseline="0" dirty="0" smtClean="0">
-                <a:solidFill>
-                  <a:schemeClr val="tx1"/>
-                </a:solidFill>
-                <a:latin typeface="+mn-lt"/>
-                <a:ea typeface="+mn-ea"/>
-                <a:cs typeface="+mn-cs"/>
-              </a:rPr>
-              <a:t>References:</a:t>
-            </a:r>
-            <a:endParaRPr lang="en-US" sz="1200" b="1" i="0" u="none" strike="noStrike" kern="1200" baseline="0" dirty="0">
-              <a:solidFill>
-                <a:schemeClr val="tx1"/>
-              </a:solidFill>
-              <a:latin typeface="+mn-lt"/>
-              <a:ea typeface="+mn-ea"/>
-              <a:cs typeface="+mn-cs"/>
-            </a:endParaRPr>
-          </a:p>
-          <a:p>
-            <a:pPr marL="171450" indent="-171450">
-              <a:buFont typeface="Arial"/>
-              <a:buChar char="•"/>
-            </a:pPr>
             <a:r>
               <a:rPr lang="en-US" dirty="0"/>
-              <a:t>https://developer.xamarin.com/guides/xamarin-forms/user-interface/listview/performance/</a:t>
-            </a:r>
-          </a:p>
-          <a:p>
-            <a:endParaRPr lang="en-US" dirty="0"/>
-          </a:p>
-          <a:p>
-            <a:endParaRPr lang="en-US" dirty="0"/>
-          </a:p>
-          <a:p>
-            <a:endParaRPr lang="en-US" dirty="0"/>
+              <a:t>Instantiate the Image control first.</a:t>
+            </a:r>
           </a:p>
         </p:txBody>
       </p:sp>
@@ -1391,15 +1284,9 @@
           <a:bodyPr/>
           <a:lstStyle/>
           <a:p>
-            <a:pPr>
-              <a:defRPr/>
-            </a:pPr>
-            <a:fld id="{BA98A86F-EB23-4656-9EE3-F488F6F23FB7}" type="slidenum">
+            <a:fld id="{01283FAC-A721-45A3-BBDE-EAF2B09B7CD9}" type="slidenum">
               <a:rPr lang="en-US" smtClean="0"/>
-              <a:pPr>
-                <a:defRPr/>
-              </a:pPr>
-              <a:t>18</a:t>
+              <a:t>17</a:t>
             </a:fld>
             <a:endParaRPr lang="en-US"/>
           </a:p>
@@ -1408,7 +1295,7 @@
     </p:spTree>
     <p:extLst>
       <p:ext uri="{BB962C8B-B14F-4D97-AF65-F5344CB8AC3E}">
-        <p14:creationId xmlns:p14="http://schemas.microsoft.com/office/powerpoint/2010/main" val="1718699420"/>
+        <p14:creationId xmlns:p14="http://schemas.microsoft.com/office/powerpoint/2010/main" val="1764205992"/>
       </p:ext>
     </p:extLst>
   </p:cSld>
@@ -1462,28 +1349,26 @@
           <a:bodyPr/>
           <a:lstStyle/>
           <a:p>
-            <a:r>
-              <a:rPr lang="en-US" sz="1200" b="1" dirty="0" smtClean="0"/>
-              <a:t>References:</a:t>
-            </a:r>
-          </a:p>
-          <a:p>
-            <a:pPr marL="171450" marR="0" lvl="0" indent="-171450" algn="l" defTabSz="914400" rtl="0" eaLnBrk="1" fontAlgn="auto" latinLnBrk="0" hangingPunct="1">
-              <a:lnSpc>
-                <a:spcPct val="100000"/>
-              </a:lnSpc>
-              <a:spcBef>
-                <a:spcPts val="0"/>
-              </a:spcBef>
-              <a:spcAft>
-                <a:spcPts val="0"/>
-              </a:spcAft>
-              <a:buClrTx/>
-              <a:buSzTx/>
+            <a:pPr marL="0" indent="0">
+              <a:buFont typeface="Arial"/>
+              <a:buNone/>
+            </a:pPr>
+            <a:r>
+              <a:rPr lang="en-US" sz="1200" b="1" i="0" u="none" strike="noStrike" kern="1200" baseline="0" dirty="0" smtClean="0">
+                <a:solidFill>
+                  <a:schemeClr val="tx1"/>
+                </a:solidFill>
+                <a:latin typeface="+mn-lt"/>
+                <a:ea typeface="+mn-ea"/>
+                <a:cs typeface="+mn-cs"/>
+              </a:rPr>
+              <a:t>Notes:</a:t>
+            </a:r>
+          </a:p>
+          <a:p>
+            <a:pPr marL="171450" indent="-171450">
               <a:buFont typeface="Arial"/>
               <a:buChar char="•"/>
-              <a:tabLst/>
-              <a:defRPr/>
             </a:pPr>
             <a:r>
               <a:rPr lang="en-US" sz="1200" b="0" i="0" u="none" strike="noStrike" kern="1200" baseline="0" dirty="0" smtClean="0">
@@ -1494,29 +1379,110 @@
                 <a:ea typeface="+mn-ea"/>
                 <a:cs typeface="+mn-cs"/>
               </a:rPr>
-              <a:t>Images from </a:t>
-            </a:r>
-            <a:r>
-              <a:rPr lang="en-US" sz="1200" b="0" i="1" u="none" strike="noStrike" kern="1200" baseline="0" dirty="0" err="1" smtClean="0">
-                <a:solidFill>
-                  <a:schemeClr val="tx1"/>
-                </a:solidFill>
-                <a:latin typeface="+mn-lt"/>
-                <a:ea typeface="+mn-ea"/>
-                <a:cs typeface="+mn-cs"/>
-              </a:rPr>
-              <a:t>Xamarin</a:t>
-            </a:r>
-            <a:r>
-              <a:rPr lang="en-US" sz="1200" b="0" i="1" u="none" strike="noStrike" kern="1200" baseline="0" dirty="0" smtClean="0">
-                <a:solidFill>
-                  <a:schemeClr val="tx1"/>
-                </a:solidFill>
-                <a:latin typeface="+mn-lt"/>
-                <a:ea typeface="+mn-ea"/>
-                <a:cs typeface="+mn-cs"/>
-              </a:rPr>
-              <a:t> Mobile Application Development </a:t>
+              <a:t>Limited </a:t>
+            </a:r>
+            <a:r>
+              <a:rPr lang="en-US" sz="1200" b="0" i="0" u="none" strike="noStrike" kern="1200" baseline="0" dirty="0">
+                <a:solidFill>
+                  <a:schemeClr val="tx1"/>
+                </a:solidFill>
+                <a:latin typeface="+mn-lt"/>
+                <a:ea typeface="+mn-ea"/>
+                <a:cs typeface="+mn-cs"/>
+              </a:rPr>
+              <a:t>real estate on mobile screens encourages the use of list views instead of the usual multi-column grid views.</a:t>
+            </a:r>
+          </a:p>
+          <a:p>
+            <a:pPr marL="171450" indent="-171450">
+              <a:buFont typeface="Arial"/>
+              <a:buChar char="•"/>
+            </a:pPr>
+            <a:endParaRPr lang="en-US" sz="1200" b="0" i="0" u="none" strike="noStrike" kern="1200" baseline="0" dirty="0">
+              <a:solidFill>
+                <a:schemeClr val="tx1"/>
+              </a:solidFill>
+              <a:latin typeface="+mn-lt"/>
+              <a:ea typeface="+mn-ea"/>
+              <a:cs typeface="+mn-cs"/>
+            </a:endParaRPr>
+          </a:p>
+          <a:p>
+            <a:pPr marL="171450" indent="-171450">
+              <a:buFont typeface="Arial"/>
+              <a:buChar char="•"/>
+            </a:pPr>
+            <a:r>
+              <a:rPr lang="en-US" sz="1200" b="0" i="0" u="none" strike="noStrike" kern="1200" baseline="0" dirty="0">
+                <a:solidFill>
+                  <a:schemeClr val="tx1"/>
+                </a:solidFill>
+                <a:latin typeface="+mn-lt"/>
+                <a:ea typeface="+mn-ea"/>
+                <a:cs typeface="+mn-cs"/>
+              </a:rPr>
+              <a:t>Lists in Xamarin.Forms are created using the </a:t>
+            </a:r>
+            <a:r>
+              <a:rPr lang="en-US" sz="1200" b="0" i="0" u="none" strike="noStrike" kern="1200" baseline="0" dirty="0" err="1">
+                <a:solidFill>
+                  <a:schemeClr val="tx1"/>
+                </a:solidFill>
+                <a:latin typeface="+mn-lt"/>
+                <a:ea typeface="+mn-ea"/>
+                <a:cs typeface="+mn-cs"/>
+              </a:rPr>
+              <a:t>ListView</a:t>
+            </a:r>
+            <a:r>
+              <a:rPr lang="en-US" sz="1200" b="0" i="0" u="none" strike="noStrike" kern="1200" baseline="0" dirty="0">
+                <a:solidFill>
+                  <a:schemeClr val="tx1"/>
+                </a:solidFill>
+                <a:latin typeface="+mn-lt"/>
+                <a:ea typeface="+mn-ea"/>
+                <a:cs typeface="+mn-cs"/>
+              </a:rPr>
+              <a:t> control bound to an array or data model. The Xamarin.</a:t>
+            </a:r>
+          </a:p>
+          <a:p>
+            <a:pPr marL="171450" indent="-171450">
+              <a:buFont typeface="Arial"/>
+              <a:buChar char="•"/>
+            </a:pPr>
+            <a:r>
+              <a:rPr lang="en-US" sz="1200" b="0" i="0" u="none" strike="noStrike" kern="1200" baseline="0" dirty="0">
+                <a:solidFill>
+                  <a:schemeClr val="tx1"/>
+                </a:solidFill>
+                <a:latin typeface="+mn-lt"/>
+                <a:ea typeface="+mn-ea"/>
+                <a:cs typeface="+mn-cs"/>
+              </a:rPr>
+              <a:t>Forms </a:t>
+            </a:r>
+            <a:r>
+              <a:rPr lang="en-US" sz="1200" b="0" i="0" u="none" strike="noStrike" kern="1200" baseline="0" dirty="0" err="1">
+                <a:solidFill>
+                  <a:schemeClr val="tx1"/>
+                </a:solidFill>
+                <a:latin typeface="+mn-lt"/>
+                <a:ea typeface="+mn-ea"/>
+                <a:cs typeface="+mn-cs"/>
+              </a:rPr>
+              <a:t>ListView</a:t>
+            </a:r>
+            <a:r>
+              <a:rPr lang="en-US" sz="1200" b="0" i="0" u="none" strike="noStrike" kern="1200" baseline="0" dirty="0">
+                <a:solidFill>
+                  <a:schemeClr val="tx1"/>
+                </a:solidFill>
+                <a:latin typeface="+mn-lt"/>
+                <a:ea typeface="+mn-ea"/>
+                <a:cs typeface="+mn-cs"/>
+              </a:rPr>
+              <a:t> class provides a scrollable, selectable list. List rows are customizable using layouts, images</a:t>
             </a:r>
             <a:r>
               <a:rPr lang="en-US" sz="1200" b="0" i="0" u="none" strike="noStrike" kern="1200" baseline="0" dirty="0" smtClean="0">
@@ -1527,18 +1493,99 @@
                 <a:ea typeface="+mn-ea"/>
                 <a:cs typeface="+mn-cs"/>
               </a:rPr>
-              <a:t>by Dan Hermes  http://</a:t>
-            </a:r>
-            <a:r>
-              <a:rPr lang="en-US" sz="1200" b="0" i="0" u="none" strike="noStrike" kern="1200" baseline="0" dirty="0" err="1" smtClean="0">
-                <a:solidFill>
-                  <a:schemeClr val="tx1"/>
-                </a:solidFill>
-                <a:latin typeface="+mn-lt"/>
-                <a:ea typeface="+mn-ea"/>
-                <a:cs typeface="+mn-cs"/>
-              </a:rPr>
-              <a:t>amzn.to</a:t>
+              <a:t>, and </a:t>
+            </a:r>
+            <a:r>
+              <a:rPr lang="en-US" sz="1200" b="0" i="0" u="none" strike="noStrike" kern="1200" baseline="0" dirty="0">
+                <a:solidFill>
+                  <a:schemeClr val="tx1"/>
+                </a:solidFill>
+                <a:latin typeface="+mn-lt"/>
+                <a:ea typeface="+mn-ea"/>
+                <a:cs typeface="+mn-cs"/>
+              </a:rPr>
+              <a:t>views such as buttons. </a:t>
+            </a:r>
+            <a:r>
+              <a:rPr lang="en-US" sz="1200" b="0" i="0" u="none" strike="noStrike" kern="1200" baseline="0" dirty="0" err="1">
+                <a:solidFill>
+                  <a:schemeClr val="tx1"/>
+                </a:solidFill>
+                <a:latin typeface="+mn-lt"/>
+                <a:ea typeface="+mn-ea"/>
+                <a:cs typeface="+mn-cs"/>
+              </a:rPr>
+              <a:t>ListView</a:t>
+            </a:r>
+            <a:r>
+              <a:rPr lang="en-US" sz="1200" b="0" i="0" u="none" strike="noStrike" kern="1200" baseline="0" dirty="0">
+                <a:solidFill>
+                  <a:schemeClr val="tx1"/>
+                </a:solidFill>
+                <a:latin typeface="+mn-lt"/>
+                <a:ea typeface="+mn-ea"/>
+                <a:cs typeface="+mn-cs"/>
+              </a:rPr>
+              <a:t> supports grouping, headers, footers, jump lists, and pull-to-refresh.</a:t>
+            </a:r>
+          </a:p>
+          <a:p>
+            <a:pPr marL="171450" indent="-171450">
+              <a:buFont typeface="Arial"/>
+              <a:buChar char="•"/>
+            </a:pPr>
+            <a:r>
+              <a:rPr lang="en-US" sz="1200" b="0" i="0" u="none" strike="noStrike" kern="1200" baseline="0" dirty="0">
+                <a:solidFill>
+                  <a:schemeClr val="tx1"/>
+                </a:solidFill>
+                <a:latin typeface="+mn-lt"/>
+                <a:ea typeface="+mn-ea"/>
+                <a:cs typeface="+mn-cs"/>
+              </a:rPr>
+              <a:t>Deleting and applying operations to list rows are supported using Context Actions.</a:t>
+            </a:r>
+          </a:p>
+          <a:p>
+            <a:pPr marL="171450" indent="-171450">
+              <a:buFont typeface="Arial"/>
+              <a:buChar char="•"/>
+            </a:pPr>
+            <a:endParaRPr lang="en-US" sz="1200" b="0" i="0" u="none" strike="noStrike" kern="1200" baseline="0" dirty="0">
+              <a:solidFill>
+                <a:schemeClr val="tx1"/>
+              </a:solidFill>
+              <a:latin typeface="+mn-lt"/>
+              <a:ea typeface="+mn-ea"/>
+              <a:cs typeface="+mn-cs"/>
+            </a:endParaRPr>
+          </a:p>
+          <a:p>
+            <a:pPr marL="171450" indent="-171450">
+              <a:buFont typeface="Arial"/>
+              <a:buChar char="•"/>
+            </a:pPr>
+            <a:r>
+              <a:rPr lang="en-US" sz="1200" b="0" i="0" u="none" strike="noStrike" kern="1200" baseline="0" dirty="0">
+                <a:solidFill>
+                  <a:schemeClr val="tx1"/>
+                </a:solidFill>
+                <a:latin typeface="+mn-lt"/>
+                <a:ea typeface="+mn-ea"/>
+                <a:cs typeface="+mn-cs"/>
+              </a:rPr>
+              <a:t>Performance is key with list views. Performance techniques outside the scope of this lesson. Cell reuse is automatic in </a:t>
+            </a:r>
+            <a:r>
+              <a:rPr lang="en-US" sz="1200" b="0" i="0" u="none" strike="noStrike" kern="1200" baseline="0" dirty="0" err="1">
+                <a:solidFill>
+                  <a:schemeClr val="tx1"/>
+                </a:solidFill>
+                <a:latin typeface="+mn-lt"/>
+                <a:ea typeface="+mn-ea"/>
+                <a:cs typeface="+mn-cs"/>
+              </a:rPr>
+              <a:t>Xamarin.Forms</a:t>
             </a:r>
             <a:r>
               <a:rPr lang="en-US" sz="1200" b="0" i="0" u="none" strike="noStrike" kern="1200" baseline="0" dirty="0" smtClean="0">
@@ -1549,8 +1596,55 @@
                 <a:ea typeface="+mn-ea"/>
                 <a:cs typeface="+mn-cs"/>
               </a:rPr>
-              <a:t>/1rowG7K</a:t>
-            </a:r>
+              <a:t>.</a:t>
+            </a:r>
+          </a:p>
+          <a:p>
+            <a:endParaRPr lang="en-US" sz="1200" b="0" i="0" u="none" strike="noStrike" kern="1200" baseline="0" dirty="0" smtClean="0">
+              <a:solidFill>
+                <a:schemeClr val="tx1"/>
+              </a:solidFill>
+              <a:latin typeface="+mn-lt"/>
+              <a:ea typeface="+mn-ea"/>
+              <a:cs typeface="+mn-cs"/>
+            </a:endParaRPr>
+          </a:p>
+          <a:p>
+            <a:r>
+              <a:rPr lang="en-US" sz="1200" b="1" i="0" u="none" strike="noStrike" kern="1200" baseline="0" dirty="0" smtClean="0">
+                <a:solidFill>
+                  <a:schemeClr val="tx1"/>
+                </a:solidFill>
+                <a:latin typeface="+mn-lt"/>
+                <a:ea typeface="+mn-ea"/>
+                <a:cs typeface="+mn-cs"/>
+              </a:rPr>
+              <a:t>References:</a:t>
+            </a:r>
+            <a:endParaRPr lang="en-US" sz="1200" b="1" i="0" u="none" strike="noStrike" kern="1200" baseline="0" dirty="0">
+              <a:solidFill>
+                <a:schemeClr val="tx1"/>
+              </a:solidFill>
+              <a:latin typeface="+mn-lt"/>
+              <a:ea typeface="+mn-ea"/>
+              <a:cs typeface="+mn-cs"/>
+            </a:endParaRPr>
+          </a:p>
+          <a:p>
+            <a:pPr marL="171450" indent="-171450">
+              <a:buFont typeface="Arial"/>
+              <a:buChar char="•"/>
+            </a:pPr>
+            <a:r>
+              <a:rPr lang="en-US" dirty="0"/>
+              <a:t>https://developer.xamarin.com/guides/xamarin-forms/user-interface/listview/performance/</a:t>
+            </a:r>
+          </a:p>
+          <a:p>
+            <a:endParaRPr lang="en-US" dirty="0"/>
+          </a:p>
+          <a:p>
+            <a:endParaRPr lang="en-US" dirty="0"/>
           </a:p>
           <a:p>
             <a:endParaRPr lang="en-US" dirty="0"/>
@@ -1572,9 +1666,15 @@
           <a:bodyPr/>
           <a:lstStyle/>
           <a:p>
-            <a:fld id="{01283FAC-A721-45A3-BBDE-EAF2B09B7CD9}" type="slidenum">
+            <a:pPr>
+              <a:defRPr/>
+            </a:pPr>
+            <a:fld id="{BA98A86F-EB23-4656-9EE3-F488F6F23FB7}" type="slidenum">
               <a:rPr lang="en-US" smtClean="0"/>
-              <a:t>19</a:t>
+              <a:pPr>
+                <a:defRPr/>
+              </a:pPr>
+              <a:t>18</a:t>
             </a:fld>
             <a:endParaRPr lang="en-US"/>
           </a:p>
@@ -1583,7 +1683,7 @@
     </p:spTree>
     <p:extLst>
       <p:ext uri="{BB962C8B-B14F-4D97-AF65-F5344CB8AC3E}">
-        <p14:creationId xmlns:p14="http://schemas.microsoft.com/office/powerpoint/2010/main" val="3001535964"/>
+        <p14:creationId xmlns:p14="http://schemas.microsoft.com/office/powerpoint/2010/main" val="1718699420"/>
       </p:ext>
     </p:extLst>
   </p:cSld>
@@ -1637,26 +1737,28 @@
           <a:bodyPr/>
           <a:lstStyle/>
           <a:p>
-            <a:pPr marL="0" indent="0">
-              <a:buFont typeface="Arial"/>
-              <a:buNone/>
-            </a:pPr>
-            <a:r>
-              <a:rPr lang="en-US" sz="1200" b="1" i="0" u="none" strike="noStrike" kern="1200" baseline="0" dirty="0" smtClean="0">
-                <a:solidFill>
-                  <a:schemeClr val="tx1"/>
-                </a:solidFill>
-                <a:latin typeface="+mn-lt"/>
-                <a:ea typeface="+mn-ea"/>
-                <a:cs typeface="+mn-cs"/>
-              </a:rPr>
-              <a:t>Notes:</a:t>
-            </a:r>
-          </a:p>
-          <a:p>
-            <a:pPr marL="171450" indent="-171450">
+            <a:r>
+              <a:rPr lang="en-US" sz="1200" b="1" dirty="0" smtClean="0"/>
+              <a:t>References:</a:t>
+            </a:r>
+          </a:p>
+          <a:p>
+            <a:pPr marL="171450" marR="0" lvl="0" indent="-171450" algn="l" defTabSz="914400" rtl="0" eaLnBrk="1" fontAlgn="auto" latinLnBrk="0" hangingPunct="1">
+              <a:lnSpc>
+                <a:spcPct val="100000"/>
+              </a:lnSpc>
+              <a:spcBef>
+                <a:spcPts val="0"/>
+              </a:spcBef>
+              <a:spcAft>
+                <a:spcPts val="0"/>
+              </a:spcAft>
+              <a:buClrTx/>
+              <a:buSzTx/>
               <a:buFont typeface="Arial"/>
               <a:buChar char="•"/>
+              <a:tabLst/>
+              <a:defRPr/>
             </a:pPr>
             <a:r>
               <a:rPr lang="en-US" sz="1200" b="0" i="0" u="none" strike="noStrike" kern="1200" baseline="0" dirty="0" smtClean="0">
@@ -1667,101 +1769,29 @@
                 <a:ea typeface="+mn-ea"/>
                 <a:cs typeface="+mn-cs"/>
               </a:rPr>
-              <a:t>The </a:t>
-            </a:r>
-            <a:r>
-              <a:rPr lang="en-US" sz="1200" b="0" i="0" u="none" strike="noStrike" kern="1200" baseline="0" dirty="0">
-                <a:solidFill>
-                  <a:schemeClr val="tx1"/>
-                </a:solidFill>
-                <a:latin typeface="+mn-lt"/>
-                <a:ea typeface="+mn-ea"/>
-                <a:cs typeface="+mn-cs"/>
-              </a:rPr>
-              <a:t>simplest </a:t>
-            </a:r>
-            <a:r>
-              <a:rPr lang="en-US" sz="1200" b="0" i="0" u="none" strike="noStrike" kern="1200" baseline="0" dirty="0" err="1">
-                <a:solidFill>
-                  <a:schemeClr val="tx1"/>
-                </a:solidFill>
-                <a:latin typeface="+mn-lt"/>
-                <a:ea typeface="+mn-ea"/>
-                <a:cs typeface="+mn-cs"/>
-              </a:rPr>
-              <a:t>ListView</a:t>
-            </a:r>
-            <a:r>
-              <a:rPr lang="en-US" sz="1200" b="0" i="0" u="none" strike="noStrike" kern="1200" baseline="0" dirty="0">
-                <a:solidFill>
-                  <a:schemeClr val="tx1"/>
-                </a:solidFill>
-                <a:latin typeface="+mn-lt"/>
-                <a:ea typeface="+mn-ea"/>
-                <a:cs typeface="+mn-cs"/>
-              </a:rPr>
-              <a:t> implementation is binding to a List of Strings.</a:t>
-            </a:r>
-          </a:p>
-          <a:p>
-            <a:pPr marL="171450" indent="-171450">
-              <a:buFont typeface="Arial"/>
-              <a:buChar char="•"/>
-            </a:pPr>
-            <a:r>
-              <a:rPr lang="en-US" sz="1200" b="0" i="0" u="none" strike="noStrike" kern="1200" baseline="0" dirty="0">
-                <a:solidFill>
-                  <a:schemeClr val="tx1"/>
-                </a:solidFill>
-                <a:latin typeface="+mn-lt"/>
-                <a:ea typeface="+mn-ea"/>
-                <a:cs typeface="+mn-cs"/>
-              </a:rPr>
-              <a:t>Instantiate a </a:t>
-            </a:r>
-            <a:r>
-              <a:rPr lang="en-US" sz="1200" b="0" i="0" u="none" strike="noStrike" kern="1200" baseline="0" dirty="0" err="1">
-                <a:solidFill>
-                  <a:schemeClr val="tx1"/>
-                </a:solidFill>
-                <a:latin typeface="+mn-lt"/>
-                <a:ea typeface="+mn-ea"/>
-                <a:cs typeface="+mn-cs"/>
-              </a:rPr>
-              <a:t>ListView</a:t>
-            </a:r>
-            <a:r>
-              <a:rPr lang="en-US" sz="1200" b="0" i="0" u="none" strike="noStrike" kern="1200" baseline="0" dirty="0">
-                <a:solidFill>
-                  <a:schemeClr val="tx1"/>
-                </a:solidFill>
-                <a:latin typeface="+mn-lt"/>
-                <a:ea typeface="+mn-ea"/>
-                <a:cs typeface="+mn-cs"/>
-              </a:rPr>
-              <a:t> class on your page and point it to a data source using the </a:t>
-            </a:r>
-            <a:r>
-              <a:rPr lang="en-US" sz="1200" b="0" i="0" u="none" strike="noStrike" kern="1200" baseline="0" dirty="0" err="1">
-                <a:solidFill>
-                  <a:schemeClr val="tx1"/>
-                </a:solidFill>
-                <a:latin typeface="+mn-lt"/>
-                <a:ea typeface="+mn-ea"/>
-                <a:cs typeface="+mn-cs"/>
-              </a:rPr>
-              <a:t>ItemsSource</a:t>
-            </a:r>
-            <a:r>
-              <a:rPr lang="en-US" sz="1200" b="0" i="0" u="none" strike="noStrike" kern="1200" baseline="0" dirty="0">
-                <a:solidFill>
-                  <a:schemeClr val="tx1"/>
-                </a:solidFill>
-                <a:latin typeface="+mn-lt"/>
-                <a:ea typeface="+mn-ea"/>
-                <a:cs typeface="+mn-cs"/>
-              </a:rPr>
-              <a:t> property, </a:t>
+              <a:t>Images from </a:t>
+            </a:r>
+            <a:r>
+              <a:rPr lang="en-US" sz="1200" b="0" i="1" u="none" strike="noStrike" kern="1200" baseline="0" dirty="0" err="1" smtClean="0">
+                <a:solidFill>
+                  <a:schemeClr val="tx1"/>
+                </a:solidFill>
+                <a:latin typeface="+mn-lt"/>
+                <a:ea typeface="+mn-ea"/>
+                <a:cs typeface="+mn-cs"/>
+              </a:rPr>
+              <a:t>Xamarin</a:t>
+            </a:r>
+            <a:r>
+              <a:rPr lang="en-US" sz="1200" b="0" i="1" u="none" strike="noStrike" kern="1200" baseline="0" dirty="0" smtClean="0">
+                <a:solidFill>
+                  <a:schemeClr val="tx1"/>
+                </a:solidFill>
+                <a:latin typeface="+mn-lt"/>
+                <a:ea typeface="+mn-ea"/>
+                <a:cs typeface="+mn-cs"/>
+              </a:rPr>
+              <a:t> Mobile Application Development </a:t>
             </a:r>
             <a:r>
               <a:rPr lang="en-US" sz="1200" b="0" i="0" u="none" strike="noStrike" kern="1200" baseline="0" dirty="0" smtClean="0">
@@ -1772,40 +1802,18 @@
                 <a:ea typeface="+mn-ea"/>
                 <a:cs typeface="+mn-cs"/>
               </a:rPr>
-              <a:t>in this </a:t>
-            </a:r>
-            <a:r>
-              <a:rPr lang="en-US" sz="1200" b="0" i="0" u="none" strike="noStrike" kern="1200" baseline="0" dirty="0">
-                <a:solidFill>
-                  <a:schemeClr val="tx1"/>
-                </a:solidFill>
-                <a:latin typeface="+mn-lt"/>
-                <a:ea typeface="+mn-ea"/>
-                <a:cs typeface="+mn-cs"/>
-              </a:rPr>
-              <a:t>case a List of Strings. Using the default layout, each item in a </a:t>
-            </a:r>
-            <a:r>
-              <a:rPr lang="en-US" sz="1200" b="0" i="0" u="none" strike="noStrike" kern="1200" baseline="0" dirty="0" err="1">
-                <a:solidFill>
-                  <a:schemeClr val="tx1"/>
-                </a:solidFill>
-                <a:latin typeface="+mn-lt"/>
-                <a:ea typeface="+mn-ea"/>
-                <a:cs typeface="+mn-cs"/>
-              </a:rPr>
-              <a:t>ListView</a:t>
-            </a:r>
-            <a:r>
-              <a:rPr lang="en-US" sz="1200" b="0" i="0" u="none" strike="noStrike" kern="1200" baseline="0" dirty="0">
-                <a:solidFill>
-                  <a:schemeClr val="tx1"/>
-                </a:solidFill>
-                <a:latin typeface="+mn-lt"/>
-                <a:ea typeface="+mn-ea"/>
-                <a:cs typeface="+mn-cs"/>
-              </a:rPr>
-              <a:t> will be a single cell using </a:t>
+              <a:t>by Dan Hermes  http://</a:t>
+            </a:r>
+            <a:r>
+              <a:rPr lang="en-US" sz="1200" b="0" i="0" u="none" strike="noStrike" kern="1200" baseline="0" dirty="0" err="1" smtClean="0">
+                <a:solidFill>
+                  <a:schemeClr val="tx1"/>
+                </a:solidFill>
+                <a:latin typeface="+mn-lt"/>
+                <a:ea typeface="+mn-ea"/>
+                <a:cs typeface="+mn-cs"/>
+              </a:rPr>
+              <a:t>amzn.to</a:t>
             </a:r>
             <a:r>
               <a:rPr lang="en-US" sz="1200" b="0" i="0" u="none" strike="noStrike" kern="1200" baseline="0" dirty="0" smtClean="0">
@@ -1816,41 +1824,10 @@
                 <a:ea typeface="+mn-ea"/>
                 <a:cs typeface="+mn-cs"/>
               </a:rPr>
-              <a:t>the </a:t>
-            </a:r>
-            <a:r>
-              <a:rPr lang="en-US" sz="1200" b="0" i="0" u="none" strike="noStrike" kern="1200" baseline="0" dirty="0" err="1" smtClean="0">
-                <a:solidFill>
-                  <a:schemeClr val="tx1"/>
-                </a:solidFill>
-                <a:latin typeface="+mn-lt"/>
-                <a:ea typeface="+mn-ea"/>
-                <a:cs typeface="+mn-cs"/>
-              </a:rPr>
-              <a:t>TextCell</a:t>
-            </a:r>
-            <a:r>
-              <a:rPr lang="en-US" sz="1200" b="0" i="0" u="none" strike="noStrike" kern="1200" baseline="0" dirty="0" smtClean="0">
-                <a:solidFill>
-                  <a:schemeClr val="tx1"/>
-                </a:solidFill>
-                <a:latin typeface="+mn-lt"/>
-                <a:ea typeface="+mn-ea"/>
-                <a:cs typeface="+mn-cs"/>
-              </a:rPr>
-              <a:t> </a:t>
-            </a:r>
-            <a:r>
-              <a:rPr lang="en-US" sz="1200" b="0" i="0" u="none" strike="noStrike" kern="1200" baseline="0" dirty="0">
-                <a:solidFill>
-                  <a:schemeClr val="tx1"/>
-                </a:solidFill>
-                <a:latin typeface="+mn-lt"/>
-                <a:ea typeface="+mn-ea"/>
-                <a:cs typeface="+mn-cs"/>
-              </a:rPr>
-              <a:t>template displaying a single line of text.</a:t>
-            </a:r>
+              <a:t>/1rowG7K</a:t>
+            </a:r>
+          </a:p>
+          <a:p>
             <a:endParaRPr lang="en-US" dirty="0"/>
           </a:p>
         </p:txBody>
@@ -1872,7 +1849,7 @@
           <a:p>
             <a:fld id="{01283FAC-A721-45A3-BBDE-EAF2B09B7CD9}" type="slidenum">
               <a:rPr lang="en-US" smtClean="0"/>
-              <a:t>20</a:t>
+              <a:t>19</a:t>
             </a:fld>
             <a:endParaRPr lang="en-US"/>
           </a:p>
@@ -1881,7 +1858,7 @@
     </p:spTree>
     <p:extLst>
       <p:ext uri="{BB962C8B-B14F-4D97-AF65-F5344CB8AC3E}">
-        <p14:creationId xmlns:p14="http://schemas.microsoft.com/office/powerpoint/2010/main" val="344258920"/>
+        <p14:creationId xmlns:p14="http://schemas.microsoft.com/office/powerpoint/2010/main" val="3001535964"/>
       </p:ext>
     </p:extLst>
   </p:cSld>
@@ -1965,7 +1942,7 @@
                 <a:ea typeface="+mn-ea"/>
                 <a:cs typeface="+mn-cs"/>
               </a:rPr>
-              <a:t>There </a:t>
+              <a:t>The </a:t>
             </a:r>
             <a:r>
               <a:rPr lang="en-US" sz="1200" b="0" i="0" u="none" strike="noStrike" kern="1200" baseline="0" dirty="0">
@@ -1976,7 +1953,7 @@
                 <a:ea typeface="+mn-ea"/>
                 <a:cs typeface="+mn-cs"/>
               </a:rPr>
-              <a:t>are two events for use in item selection: </a:t>
+              <a:t>simplest </a:t>
             </a:r>
             <a:r>
               <a:rPr lang="en-US" sz="1200" b="0" i="0" u="none" strike="noStrike" kern="1200" baseline="0" dirty="0" err="1">
@@ -1987,7 +1964,7 @@
                 <a:ea typeface="+mn-ea"/>
                 <a:cs typeface="+mn-cs"/>
               </a:rPr>
-              <a:t>ItemTapped</a:t>
+              <a:t>ListView</a:t>
             </a:r>
             <a:r>
               <a:rPr lang="en-US" sz="1200" b="0" i="0" u="none" strike="noStrike" kern="1200" baseline="0" dirty="0">
@@ -1998,115 +1975,8 @@
                 <a:ea typeface="+mn-ea"/>
                 <a:cs typeface="+mn-cs"/>
               </a:rPr>
-              <a:t> and </a:t>
-            </a:r>
-            <a:r>
-              <a:rPr lang="en-US" sz="1200" b="0" i="0" u="none" strike="noStrike" kern="1200" baseline="0" dirty="0" err="1">
-                <a:solidFill>
-                  <a:schemeClr val="tx1"/>
-                </a:solidFill>
-                <a:latin typeface="+mn-lt"/>
-                <a:ea typeface="+mn-ea"/>
-                <a:cs typeface="+mn-cs"/>
-              </a:rPr>
-              <a:t>ItemSelected</a:t>
-            </a:r>
-            <a:r>
-              <a:rPr lang="en-US" sz="1200" b="0" i="0" u="none" strike="noStrike" kern="1200" baseline="0" dirty="0">
-                <a:solidFill>
-                  <a:schemeClr val="tx1"/>
-                </a:solidFill>
-                <a:latin typeface="+mn-lt"/>
-                <a:ea typeface="+mn-ea"/>
-                <a:cs typeface="+mn-cs"/>
-              </a:rPr>
-              <a:t>. Both can happen when a user taps a cell in the </a:t>
-            </a:r>
-            <a:r>
-              <a:rPr lang="en-US" sz="1200" b="0" i="0" u="none" strike="noStrike" kern="1200" baseline="0" dirty="0" err="1">
-                <a:solidFill>
-                  <a:schemeClr val="tx1"/>
-                </a:solidFill>
-                <a:latin typeface="+mn-lt"/>
-                <a:ea typeface="+mn-ea"/>
-                <a:cs typeface="+mn-cs"/>
-              </a:rPr>
-              <a:t>ListView</a:t>
-            </a:r>
-            <a:r>
-              <a:rPr lang="en-US" sz="1200" b="0" i="0" u="none" strike="noStrike" kern="1200" baseline="0" dirty="0">
-                <a:solidFill>
-                  <a:schemeClr val="tx1"/>
-                </a:solidFill>
-                <a:latin typeface="+mn-lt"/>
-                <a:ea typeface="+mn-ea"/>
-                <a:cs typeface="+mn-cs"/>
-              </a:rPr>
-              <a:t>. The difference between them is apparent when a list permits more than </a:t>
-            </a:r>
-            <a:r>
-              <a:rPr lang="en-US" sz="1200" b="0" i="0" u="none" strike="noStrike" kern="1200" baseline="0" dirty="0" smtClean="0">
-                <a:solidFill>
-                  <a:schemeClr val="tx1"/>
-                </a:solidFill>
-                <a:latin typeface="+mn-lt"/>
-                <a:ea typeface="+mn-ea"/>
-                <a:cs typeface="+mn-cs"/>
-              </a:rPr>
-              <a:t>just tapping </a:t>
-            </a:r>
-            <a:r>
-              <a:rPr lang="en-US" sz="1200" b="0" i="0" u="none" strike="noStrike" kern="1200" baseline="0" dirty="0">
-                <a:solidFill>
-                  <a:schemeClr val="tx1"/>
-                </a:solidFill>
-                <a:latin typeface="+mn-lt"/>
-                <a:ea typeface="+mn-ea"/>
-                <a:cs typeface="+mn-cs"/>
-              </a:rPr>
-              <a:t>and items can be selected and unselected. In simple lists where there is no </a:t>
-            </a:r>
-            <a:r>
-              <a:rPr lang="en-US" sz="1200" b="0" i="0" u="none" strike="noStrike" kern="1200" baseline="0" dirty="0" err="1">
-                <a:solidFill>
-                  <a:schemeClr val="tx1"/>
-                </a:solidFill>
-                <a:latin typeface="+mn-lt"/>
-                <a:ea typeface="+mn-ea"/>
-                <a:cs typeface="+mn-cs"/>
-              </a:rPr>
-              <a:t>unselection</a:t>
-            </a:r>
-            <a:r>
-              <a:rPr lang="en-US" sz="1200" b="0" i="0" u="none" strike="noStrike" kern="1200" baseline="0" dirty="0">
-                <a:solidFill>
-                  <a:schemeClr val="tx1"/>
-                </a:solidFill>
-                <a:latin typeface="+mn-lt"/>
-                <a:ea typeface="+mn-ea"/>
-                <a:cs typeface="+mn-cs"/>
-              </a:rPr>
-              <a:t> of rows (like the example here), there is little difference between them</a:t>
-            </a:r>
-            <a:r>
-              <a:rPr lang="en-US" sz="1200" b="0" i="0" u="none" strike="noStrike" kern="1200" baseline="0" dirty="0" smtClean="0">
-                <a:solidFill>
-                  <a:schemeClr val="tx1"/>
-                </a:solidFill>
-                <a:latin typeface="+mn-lt"/>
-                <a:ea typeface="+mn-ea"/>
-                <a:cs typeface="+mn-cs"/>
-              </a:rPr>
-              <a:t>.</a:t>
-            </a:r>
-            <a:endParaRPr lang="en-US" sz="1200" b="0" i="0" u="none" strike="noStrike" kern="1200" baseline="0" dirty="0">
-              <a:solidFill>
-                <a:schemeClr val="tx1"/>
-              </a:solidFill>
-              <a:latin typeface="+mn-lt"/>
-              <a:ea typeface="+mn-ea"/>
-              <a:cs typeface="+mn-cs"/>
-            </a:endParaRPr>
+              <a:t> implementation is binding to a List of Strings.</a:t>
+            </a:r>
           </a:p>
           <a:p>
             <a:pPr marL="171450" indent="-171450">
@@ -2114,53 +1984,6 @@
               <a:buChar char="•"/>
             </a:pPr>
             <a:r>
-              <a:rPr lang="en-US" sz="1200" b="0" i="0" u="none" strike="noStrike" kern="1200" baseline="0" dirty="0" err="1">
-                <a:solidFill>
-                  <a:schemeClr val="tx1"/>
-                </a:solidFill>
-                <a:latin typeface="+mn-lt"/>
-                <a:ea typeface="+mn-ea"/>
-                <a:cs typeface="+mn-cs"/>
-              </a:rPr>
-              <a:t>ItemTapped</a:t>
-            </a:r>
-            <a:r>
-              <a:rPr lang="en-US" sz="1200" b="0" i="0" u="none" strike="noStrike" kern="1200" baseline="0" dirty="0">
-                <a:solidFill>
-                  <a:schemeClr val="tx1"/>
-                </a:solidFill>
-                <a:latin typeface="+mn-lt"/>
-                <a:ea typeface="+mn-ea"/>
-                <a:cs typeface="+mn-cs"/>
-              </a:rPr>
-              <a:t> is the simplest. It fires as a motion event when a list row is clicked</a:t>
-            </a:r>
-            <a:r>
-              <a:rPr lang="en-US" sz="1200" b="0" i="0" u="none" strike="noStrike" kern="1200" baseline="0" dirty="0" smtClean="0">
-                <a:solidFill>
-                  <a:schemeClr val="tx1"/>
-                </a:solidFill>
-                <a:latin typeface="+mn-lt"/>
-                <a:ea typeface="+mn-ea"/>
-                <a:cs typeface="+mn-cs"/>
-              </a:rPr>
-              <a:t>.</a:t>
-            </a:r>
-            <a:endParaRPr lang="en-US" sz="1200" b="0" i="0" u="none" strike="noStrike" kern="1200" baseline="0" dirty="0">
-              <a:solidFill>
-                <a:schemeClr val="tx1"/>
-              </a:solidFill>
-              <a:latin typeface="+mn-lt"/>
-              <a:ea typeface="+mn-ea"/>
-              <a:cs typeface="+mn-cs"/>
-            </a:endParaRPr>
-          </a:p>
-          <a:p>
-            <a:pPr marL="171450" indent="-171450">
-              <a:buFont typeface="Arial"/>
-              <a:buChar char="•"/>
-            </a:pPr>
-            <a:r>
               <a:rPr lang="en-US" sz="1200" b="0" i="0" u="none" strike="noStrike" kern="1200" baseline="0" dirty="0">
                 <a:solidFill>
                   <a:schemeClr val="tx1"/>
@@ -2324,7 +2147,7 @@
           <a:p>
             <a:fld id="{01283FAC-A721-45A3-BBDE-EAF2B09B7CD9}" type="slidenum">
               <a:rPr lang="en-US" smtClean="0"/>
-              <a:t>21</a:t>
+              <a:t>20</a:t>
             </a:fld>
             <a:endParaRPr lang="en-US"/>
           </a:p>
@@ -2333,7 +2156,7 @@
     </p:spTree>
     <p:extLst>
       <p:ext uri="{BB962C8B-B14F-4D97-AF65-F5344CB8AC3E}">
-        <p14:creationId xmlns:p14="http://schemas.microsoft.com/office/powerpoint/2010/main" val="2673140401"/>
+        <p14:creationId xmlns:p14="http://schemas.microsoft.com/office/powerpoint/2010/main" val="344258920"/>
       </p:ext>
     </p:extLst>
   </p:cSld>
@@ -2417,7 +2240,18 @@
                 <a:ea typeface="+mn-ea"/>
                 <a:cs typeface="+mn-cs"/>
               </a:rPr>
-              <a:t>Binding </a:t>
+              <a:t>There </a:t>
+            </a:r>
+            <a:r>
+              <a:rPr lang="en-US" sz="1200" b="0" i="0" u="none" strike="noStrike" kern="1200" baseline="0" dirty="0">
+                <a:solidFill>
+                  <a:schemeClr val="tx1"/>
+                </a:solidFill>
+                <a:latin typeface="+mn-lt"/>
+                <a:ea typeface="+mn-ea"/>
+                <a:cs typeface="+mn-cs"/>
+              </a:rPr>
+              <a:t>are two events for use in item selection: </a:t>
             </a:r>
             <a:r>
               <a:rPr lang="en-US" sz="1200" b="0" i="0" u="none" strike="noStrike" kern="1200" baseline="0" dirty="0" err="1">
@@ -2428,6 +2262,50 @@
                 <a:ea typeface="+mn-ea"/>
                 <a:cs typeface="+mn-cs"/>
               </a:rPr>
+              <a:t>ItemTapped</a:t>
+            </a:r>
+            <a:r>
+              <a:rPr lang="en-US" sz="1200" b="0" i="0" u="none" strike="noStrike" kern="1200" baseline="0" dirty="0">
+                <a:solidFill>
+                  <a:schemeClr val="tx1"/>
+                </a:solidFill>
+                <a:latin typeface="+mn-lt"/>
+                <a:ea typeface="+mn-ea"/>
+                <a:cs typeface="+mn-cs"/>
+              </a:rPr>
+              <a:t> and </a:t>
+            </a:r>
+            <a:r>
+              <a:rPr lang="en-US" sz="1200" b="0" i="0" u="none" strike="noStrike" kern="1200" baseline="0" dirty="0" err="1">
+                <a:solidFill>
+                  <a:schemeClr val="tx1"/>
+                </a:solidFill>
+                <a:latin typeface="+mn-lt"/>
+                <a:ea typeface="+mn-ea"/>
+                <a:cs typeface="+mn-cs"/>
+              </a:rPr>
+              <a:t>ItemSelected</a:t>
+            </a:r>
+            <a:r>
+              <a:rPr lang="en-US" sz="1200" b="0" i="0" u="none" strike="noStrike" kern="1200" baseline="0" dirty="0">
+                <a:solidFill>
+                  <a:schemeClr val="tx1"/>
+                </a:solidFill>
+                <a:latin typeface="+mn-lt"/>
+                <a:ea typeface="+mn-ea"/>
+                <a:cs typeface="+mn-cs"/>
+              </a:rPr>
+              <a:t>. Both can happen when a user taps a cell in the </a:t>
+            </a:r>
+            <a:r>
+              <a:rPr lang="en-US" sz="1200" b="0" i="0" u="none" strike="noStrike" kern="1200" baseline="0" dirty="0" err="1">
+                <a:solidFill>
+                  <a:schemeClr val="tx1"/>
+                </a:solidFill>
+                <a:latin typeface="+mn-lt"/>
+                <a:ea typeface="+mn-ea"/>
+                <a:cs typeface="+mn-cs"/>
+              </a:rPr>
               <a:t>ListView</a:t>
             </a:r>
             <a:r>
@@ -2439,7 +2317,29 @@
                 <a:ea typeface="+mn-ea"/>
                 <a:cs typeface="+mn-cs"/>
               </a:rPr>
-              <a:t> to a data model is made easy in Xamarin.Forms through the use of </a:t>
+              <a:t>. The difference between them is apparent when a list permits more than </a:t>
+            </a:r>
+            <a:r>
+              <a:rPr lang="en-US" sz="1200" b="0" i="0" u="none" strike="noStrike" kern="1200" baseline="0" dirty="0" smtClean="0">
+                <a:solidFill>
+                  <a:schemeClr val="tx1"/>
+                </a:solidFill>
+                <a:latin typeface="+mn-lt"/>
+                <a:ea typeface="+mn-ea"/>
+                <a:cs typeface="+mn-cs"/>
+              </a:rPr>
+              <a:t>just tapping </a:t>
+            </a:r>
+            <a:r>
+              <a:rPr lang="en-US" sz="1200" b="0" i="0" u="none" strike="noStrike" kern="1200" baseline="0" dirty="0">
+                <a:solidFill>
+                  <a:schemeClr val="tx1"/>
+                </a:solidFill>
+                <a:latin typeface="+mn-lt"/>
+                <a:ea typeface="+mn-ea"/>
+                <a:cs typeface="+mn-cs"/>
+              </a:rPr>
+              <a:t>and items can be selected and unselected. In simple lists where there is no </a:t>
             </a:r>
             <a:r>
               <a:rPr lang="en-US" sz="1200" b="0" i="0" u="none" strike="noStrike" kern="1200" baseline="0" dirty="0" err="1">
@@ -2450,7 +2350,7 @@
                 <a:ea typeface="+mn-ea"/>
                 <a:cs typeface="+mn-cs"/>
               </a:rPr>
-              <a:t>ListView's</a:t>
+              <a:t>unselection</a:t>
             </a:r>
             <a:r>
               <a:rPr lang="en-US" sz="1200" b="0" i="0" u="none" strike="noStrike" kern="1200" baseline="0" dirty="0">
@@ -2461,178 +2361,7 @@
                 <a:ea typeface="+mn-ea"/>
                 <a:cs typeface="+mn-cs"/>
               </a:rPr>
-              <a:t> built-</a:t>
-            </a:r>
-            <a:r>
-              <a:rPr lang="en-US" sz="1200" b="0" i="0" u="none" strike="noStrike" kern="1200" baseline="0" dirty="0" smtClean="0">
-                <a:solidFill>
-                  <a:schemeClr val="tx1"/>
-                </a:solidFill>
-                <a:latin typeface="+mn-lt"/>
-                <a:ea typeface="+mn-ea"/>
-                <a:cs typeface="+mn-cs"/>
-              </a:rPr>
-              <a:t>in adapter </a:t>
-            </a:r>
-            <a:r>
-              <a:rPr lang="en-US" sz="1200" b="0" i="0" u="none" strike="noStrike" kern="1200" baseline="0" dirty="0">
-                <a:solidFill>
-                  <a:schemeClr val="tx1"/>
-                </a:solidFill>
-                <a:latin typeface="+mn-lt"/>
-                <a:ea typeface="+mn-ea"/>
-                <a:cs typeface="+mn-cs"/>
-              </a:rPr>
-              <a:t>called </a:t>
-            </a:r>
-            <a:r>
-              <a:rPr lang="en-US" sz="1200" b="0" i="0" u="none" strike="noStrike" kern="1200" baseline="0" dirty="0" err="1">
-                <a:solidFill>
-                  <a:schemeClr val="tx1"/>
-                </a:solidFill>
-                <a:latin typeface="+mn-lt"/>
-                <a:ea typeface="+mn-ea"/>
-                <a:cs typeface="+mn-cs"/>
-              </a:rPr>
-              <a:t>ItemTemplate</a:t>
-            </a:r>
-            <a:r>
-              <a:rPr lang="en-US" sz="1200" b="0" i="0" u="none" strike="noStrike" kern="1200" baseline="0" dirty="0">
-                <a:solidFill>
-                  <a:schemeClr val="tx1"/>
-                </a:solidFill>
-                <a:latin typeface="+mn-lt"/>
-                <a:ea typeface="+mn-ea"/>
-                <a:cs typeface="+mn-cs"/>
-              </a:rPr>
-              <a:t>. </a:t>
-            </a:r>
-            <a:endParaRPr lang="en-US" sz="1200" b="0" i="0" u="none" strike="noStrike" kern="1200" baseline="0" dirty="0" smtClean="0">
-              <a:solidFill>
-                <a:schemeClr val="tx1"/>
-              </a:solidFill>
-              <a:latin typeface="+mn-lt"/>
-              <a:ea typeface="+mn-ea"/>
-              <a:cs typeface="+mn-cs"/>
-            </a:endParaRPr>
-          </a:p>
-          <a:p>
-            <a:pPr marL="171450" indent="-171450">
-              <a:buFont typeface="Arial"/>
-              <a:buChar char="•"/>
-            </a:pPr>
-            <a:r>
-              <a:rPr lang="en-US" sz="1200" b="0" i="0" u="none" strike="noStrike" kern="1200" baseline="0" dirty="0" smtClean="0">
-                <a:solidFill>
-                  <a:schemeClr val="tx1"/>
-                </a:solidFill>
-                <a:latin typeface="+mn-lt"/>
-                <a:ea typeface="+mn-ea"/>
-                <a:cs typeface="+mn-cs"/>
-              </a:rPr>
-              <a:t>Prepare </a:t>
-            </a:r>
-            <a:r>
-              <a:rPr lang="en-US" sz="1200" b="0" i="0" u="none" strike="noStrike" kern="1200" baseline="0" dirty="0">
-                <a:solidFill>
-                  <a:schemeClr val="tx1"/>
-                </a:solidFill>
-                <a:latin typeface="+mn-lt"/>
-                <a:ea typeface="+mn-ea"/>
-                <a:cs typeface="+mn-cs"/>
-              </a:rPr>
-              <a:t>your data model class and assign it to the </a:t>
-            </a:r>
-            <a:r>
-              <a:rPr lang="en-US" sz="1200" b="0" i="0" u="none" strike="noStrike" kern="1200" baseline="0" dirty="0" err="1" smtClean="0">
-                <a:solidFill>
-                  <a:schemeClr val="tx1"/>
-                </a:solidFill>
-                <a:latin typeface="+mn-lt"/>
-                <a:ea typeface="+mn-ea"/>
-                <a:cs typeface="+mn-cs"/>
-              </a:rPr>
-              <a:t>ListView.ItemsSource</a:t>
-            </a:r>
-            <a:r>
-              <a:rPr lang="en-US" sz="1200" b="0" i="0" u="none" strike="noStrike" kern="1200" baseline="0" dirty="0" smtClean="0">
-                <a:solidFill>
-                  <a:schemeClr val="tx1"/>
-                </a:solidFill>
-                <a:latin typeface="+mn-lt"/>
-                <a:ea typeface="+mn-ea"/>
-                <a:cs typeface="+mn-cs"/>
-              </a:rPr>
-              <a:t> property</a:t>
-            </a:r>
-            <a:r>
-              <a:rPr lang="en-US" sz="1200" b="0" i="0" u="none" strike="noStrike" kern="1200" baseline="0" dirty="0">
-                <a:solidFill>
-                  <a:schemeClr val="tx1"/>
-                </a:solidFill>
-                <a:latin typeface="+mn-lt"/>
-                <a:ea typeface="+mn-ea"/>
-                <a:cs typeface="+mn-cs"/>
-              </a:rPr>
-              <a:t>. </a:t>
-            </a:r>
-            <a:endParaRPr lang="en-US" sz="1200" b="0" i="0" u="none" strike="noStrike" kern="1200" baseline="0" dirty="0" smtClean="0">
-              <a:solidFill>
-                <a:schemeClr val="tx1"/>
-              </a:solidFill>
-              <a:latin typeface="+mn-lt"/>
-              <a:ea typeface="+mn-ea"/>
-              <a:cs typeface="+mn-cs"/>
-            </a:endParaRPr>
-          </a:p>
-          <a:p>
-            <a:pPr marL="628650" lvl="1" indent="-171450">
-              <a:buFont typeface="Arial"/>
-              <a:buChar char="•"/>
-            </a:pPr>
-            <a:r>
-              <a:rPr lang="en-US" sz="1200" b="0" i="0" u="none" strike="noStrike" kern="1200" baseline="0" dirty="0" smtClean="0">
-                <a:solidFill>
-                  <a:schemeClr val="tx1"/>
-                </a:solidFill>
-                <a:latin typeface="+mn-lt"/>
-                <a:ea typeface="+mn-ea"/>
-                <a:cs typeface="+mn-cs"/>
-              </a:rPr>
-              <a:t>Then </a:t>
-            </a:r>
-            <a:r>
-              <a:rPr lang="en-US" sz="1200" b="0" i="0" u="none" strike="noStrike" kern="1200" baseline="0" dirty="0">
-                <a:solidFill>
-                  <a:schemeClr val="tx1"/>
-                </a:solidFill>
-                <a:latin typeface="+mn-lt"/>
-                <a:ea typeface="+mn-ea"/>
-                <a:cs typeface="+mn-cs"/>
-              </a:rPr>
-              <a:t>bind each property of your model to the list using the </a:t>
-            </a:r>
-            <a:r>
-              <a:rPr lang="en-US" sz="1200" b="0" i="0" u="none" strike="noStrike" kern="1200" baseline="0" dirty="0" err="1">
-                <a:solidFill>
-                  <a:schemeClr val="tx1"/>
-                </a:solidFill>
-                <a:latin typeface="+mn-lt"/>
-                <a:ea typeface="+mn-ea"/>
-                <a:cs typeface="+mn-cs"/>
-              </a:rPr>
-              <a:t>ItemTemplate.SetBinding</a:t>
-            </a:r>
-            <a:r>
-              <a:rPr lang="en-US" sz="1200" b="0" i="0" u="none" strike="noStrike" kern="1200" baseline="0" dirty="0">
-                <a:solidFill>
-                  <a:schemeClr val="tx1"/>
-                </a:solidFill>
-                <a:latin typeface="+mn-lt"/>
-                <a:ea typeface="+mn-ea"/>
-                <a:cs typeface="+mn-cs"/>
-              </a:rPr>
-              <a:t> method</a:t>
+              <a:t> of rows (like the example here), there is little difference between them</a:t>
             </a:r>
             <a:r>
               <a:rPr lang="en-US" sz="1200" b="0" i="0" u="none" strike="noStrike" kern="1200" baseline="0" dirty="0" smtClean="0">
@@ -2660,6 +2389,17 @@
               <a:buChar char="•"/>
             </a:pPr>
             <a:r>
+              <a:rPr lang="en-US" sz="1200" b="0" i="0" u="none" strike="noStrike" kern="1200" baseline="0" dirty="0" err="1">
+                <a:solidFill>
+                  <a:schemeClr val="tx1"/>
+                </a:solidFill>
+                <a:latin typeface="+mn-lt"/>
+                <a:ea typeface="+mn-ea"/>
+                <a:cs typeface="+mn-cs"/>
+              </a:rPr>
+              <a:t>ItemTapped</a:t>
+            </a:r>
+            <a:r>
               <a:rPr lang="en-US" sz="1200" b="0" i="0" u="none" strike="noStrike" kern="1200" baseline="0" dirty="0">
                 <a:solidFill>
                   <a:schemeClr val="tx1"/>
@@ -2668,7 +2408,43 @@
                 <a:ea typeface="+mn-ea"/>
                 <a:cs typeface="+mn-cs"/>
               </a:rPr>
-              <a:t>Create a data model, or custom class, containing the list items. Call it </a:t>
+              <a:t> is the simplest. It fires as a motion event when a list row is clicked</a:t>
+            </a:r>
+            <a:r>
+              <a:rPr lang="en-US" sz="1200" b="0" i="0" u="none" strike="noStrike" kern="1200" baseline="0" dirty="0" smtClean="0">
+                <a:solidFill>
+                  <a:schemeClr val="tx1"/>
+                </a:solidFill>
+                <a:latin typeface="+mn-lt"/>
+                <a:ea typeface="+mn-ea"/>
+                <a:cs typeface="+mn-cs"/>
+              </a:rPr>
+              <a:t>.</a:t>
+            </a:r>
+            <a:endParaRPr lang="en-US" sz="1200" b="0" i="0" u="none" strike="noStrike" kern="1200" baseline="0" dirty="0">
+              <a:solidFill>
+                <a:schemeClr val="tx1"/>
+              </a:solidFill>
+              <a:latin typeface="+mn-lt"/>
+              <a:ea typeface="+mn-ea"/>
+              <a:cs typeface="+mn-cs"/>
+            </a:endParaRPr>
+          </a:p>
+          <a:p>
+            <a:pPr marL="171450" indent="-171450">
+              <a:buFont typeface="Arial"/>
+              <a:buChar char="•"/>
+            </a:pPr>
+            <a:r>
+              <a:rPr lang="en-US" sz="1200" b="0" i="0" u="none" strike="noStrike" kern="1200" baseline="0" dirty="0">
+                <a:solidFill>
+                  <a:schemeClr val="tx1"/>
+                </a:solidFill>
+                <a:latin typeface="+mn-lt"/>
+                <a:ea typeface="+mn-ea"/>
+                <a:cs typeface="+mn-cs"/>
+              </a:rPr>
+              <a:t>Instantiate a </a:t>
             </a:r>
             <a:r>
               <a:rPr lang="en-US" sz="1200" b="0" i="0" u="none" strike="noStrike" kern="1200" baseline="0" dirty="0" err="1">
@@ -2679,7 +2455,7 @@
                 <a:ea typeface="+mn-ea"/>
                 <a:cs typeface="+mn-cs"/>
               </a:rPr>
-              <a:t>ListItem</a:t>
+              <a:t>ListView</a:t>
             </a:r>
             <a:r>
               <a:rPr lang="en-US" sz="1200" b="0" i="0" u="none" strike="noStrike" kern="1200" baseline="0" dirty="0">
@@ -2690,7 +2466,117 @@
                 <a:ea typeface="+mn-ea"/>
                 <a:cs typeface="+mn-cs"/>
               </a:rPr>
-              <a:t>.</a:t>
+              <a:t> class on your page and point it to a data source using the </a:t>
+            </a:r>
+            <a:r>
+              <a:rPr lang="en-US" sz="1200" b="0" i="0" u="none" strike="noStrike" kern="1200" baseline="0" dirty="0" err="1">
+                <a:solidFill>
+                  <a:schemeClr val="tx1"/>
+                </a:solidFill>
+                <a:latin typeface="+mn-lt"/>
+                <a:ea typeface="+mn-ea"/>
+                <a:cs typeface="+mn-cs"/>
+              </a:rPr>
+              <a:t>ItemsSource</a:t>
+            </a:r>
+            <a:r>
+              <a:rPr lang="en-US" sz="1200" b="0" i="0" u="none" strike="noStrike" kern="1200" baseline="0" dirty="0">
+                <a:solidFill>
+                  <a:schemeClr val="tx1"/>
+                </a:solidFill>
+                <a:latin typeface="+mn-lt"/>
+                <a:ea typeface="+mn-ea"/>
+                <a:cs typeface="+mn-cs"/>
+              </a:rPr>
+              <a:t> property, </a:t>
+            </a:r>
+            <a:r>
+              <a:rPr lang="en-US" sz="1200" b="0" i="0" u="none" strike="noStrike" kern="1200" baseline="0" dirty="0" smtClean="0">
+                <a:solidFill>
+                  <a:schemeClr val="tx1"/>
+                </a:solidFill>
+                <a:latin typeface="+mn-lt"/>
+                <a:ea typeface="+mn-ea"/>
+                <a:cs typeface="+mn-cs"/>
+              </a:rPr>
+              <a:t>in this </a:t>
+            </a:r>
+            <a:r>
+              <a:rPr lang="en-US" sz="1200" b="0" i="0" u="none" strike="noStrike" kern="1200" baseline="0" dirty="0">
+                <a:solidFill>
+                  <a:schemeClr val="tx1"/>
+                </a:solidFill>
+                <a:latin typeface="+mn-lt"/>
+                <a:ea typeface="+mn-ea"/>
+                <a:cs typeface="+mn-cs"/>
+              </a:rPr>
+              <a:t>case a List of Strings. Using the default layout, each item in a </a:t>
+            </a:r>
+            <a:r>
+              <a:rPr lang="en-US" sz="1200" b="0" i="0" u="none" strike="noStrike" kern="1200" baseline="0" dirty="0" err="1">
+                <a:solidFill>
+                  <a:schemeClr val="tx1"/>
+                </a:solidFill>
+                <a:latin typeface="+mn-lt"/>
+                <a:ea typeface="+mn-ea"/>
+                <a:cs typeface="+mn-cs"/>
+              </a:rPr>
+              <a:t>ListView</a:t>
+            </a:r>
+            <a:r>
+              <a:rPr lang="en-US" sz="1200" b="0" i="0" u="none" strike="noStrike" kern="1200" baseline="0" dirty="0">
+                <a:solidFill>
+                  <a:schemeClr val="tx1"/>
+                </a:solidFill>
+                <a:latin typeface="+mn-lt"/>
+                <a:ea typeface="+mn-ea"/>
+                <a:cs typeface="+mn-cs"/>
+              </a:rPr>
+              <a:t> will be a single cell using </a:t>
+            </a:r>
+            <a:r>
+              <a:rPr lang="en-US" sz="1200" b="0" i="0" u="none" strike="noStrike" kern="1200" baseline="0" dirty="0" smtClean="0">
+                <a:solidFill>
+                  <a:schemeClr val="tx1"/>
+                </a:solidFill>
+                <a:latin typeface="+mn-lt"/>
+                <a:ea typeface="+mn-ea"/>
+                <a:cs typeface="+mn-cs"/>
+              </a:rPr>
+              <a:t>the </a:t>
+            </a:r>
+            <a:r>
+              <a:rPr lang="en-US" sz="1200" b="0" i="0" u="none" strike="noStrike" kern="1200" baseline="0" dirty="0" err="1" smtClean="0">
+                <a:solidFill>
+                  <a:schemeClr val="tx1"/>
+                </a:solidFill>
+                <a:latin typeface="+mn-lt"/>
+                <a:ea typeface="+mn-ea"/>
+                <a:cs typeface="+mn-cs"/>
+              </a:rPr>
+              <a:t>TextCell</a:t>
+            </a:r>
+            <a:r>
+              <a:rPr lang="en-US" sz="1200" b="0" i="0" u="none" strike="noStrike" kern="1200" baseline="0" dirty="0" smtClean="0">
+                <a:solidFill>
+                  <a:schemeClr val="tx1"/>
+                </a:solidFill>
+                <a:latin typeface="+mn-lt"/>
+                <a:ea typeface="+mn-ea"/>
+                <a:cs typeface="+mn-cs"/>
+              </a:rPr>
+              <a:t> </a:t>
+            </a:r>
+            <a:r>
+              <a:rPr lang="en-US" sz="1200" b="0" i="0" u="none" strike="noStrike" kern="1200" baseline="0" dirty="0">
+                <a:solidFill>
+                  <a:schemeClr val="tx1"/>
+                </a:solidFill>
+                <a:latin typeface="+mn-lt"/>
+                <a:ea typeface="+mn-ea"/>
+                <a:cs typeface="+mn-cs"/>
+              </a:rPr>
+              <a:t>template displaying a single line of text.</a:t>
             </a:r>
             <a:endParaRPr lang="en-US" dirty="0"/>
           </a:p>
@@ -2713,7 +2599,7 @@
           <a:p>
             <a:fld id="{01283FAC-A721-45A3-BBDE-EAF2B09B7CD9}" type="slidenum">
               <a:rPr lang="en-US" smtClean="0"/>
-              <a:t>22</a:t>
+              <a:t>21</a:t>
             </a:fld>
             <a:endParaRPr lang="en-US"/>
           </a:p>
@@ -2722,7 +2608,7 @@
     </p:spTree>
     <p:extLst>
       <p:ext uri="{BB962C8B-B14F-4D97-AF65-F5344CB8AC3E}">
-        <p14:creationId xmlns:p14="http://schemas.microsoft.com/office/powerpoint/2010/main" val="2331595630"/>
+        <p14:creationId xmlns:p14="http://schemas.microsoft.com/office/powerpoint/2010/main" val="2673140401"/>
       </p:ext>
     </p:extLst>
   </p:cSld>
@@ -2806,7 +2692,18 @@
                 <a:ea typeface="+mn-ea"/>
                 <a:cs typeface="+mn-cs"/>
               </a:rPr>
-              <a:t>The </a:t>
+              <a:t>Binding </a:t>
+            </a:r>
+            <a:r>
+              <a:rPr lang="en-US" sz="1200" b="0" i="0" u="none" strike="noStrike" kern="1200" baseline="0" dirty="0" err="1">
+                <a:solidFill>
+                  <a:schemeClr val="tx1"/>
+                </a:solidFill>
+                <a:latin typeface="+mn-lt"/>
+                <a:ea typeface="+mn-ea"/>
+                <a:cs typeface="+mn-cs"/>
+              </a:rPr>
+              <a:t>ListView</a:t>
             </a:r>
             <a:r>
               <a:rPr lang="en-US" sz="1200" b="0" i="0" u="none" strike="noStrike" kern="1200" baseline="0" dirty="0">
@@ -2817,7 +2714,7 @@
                 <a:ea typeface="+mn-ea"/>
                 <a:cs typeface="+mn-cs"/>
               </a:rPr>
-              <a:t>simplest </a:t>
+              <a:t> to a data model is made easy in Xamarin.Forms through the use of </a:t>
             </a:r>
             <a:r>
               <a:rPr lang="en-US" sz="1200" b="0" i="0" u="none" strike="noStrike" kern="1200" baseline="0" dirty="0" err="1">
@@ -2828,7 +2725,7 @@
                 <a:ea typeface="+mn-ea"/>
                 <a:cs typeface="+mn-cs"/>
               </a:rPr>
-              <a:t>ListView</a:t>
+              <a:t>ListView's</a:t>
             </a:r>
             <a:r>
               <a:rPr lang="en-US" sz="1200" b="0" i="0" u="none" strike="noStrike" kern="1200" baseline="0" dirty="0">
@@ -2839,14 +2736,19 @@
                 <a:ea typeface="+mn-ea"/>
                 <a:cs typeface="+mn-cs"/>
               </a:rPr>
-              <a:t> implementation is binding to a List of Strings.</a:t>
-            </a:r>
-          </a:p>
-          <a:p>
-            <a:pPr marL="171450" indent="-171450">
-              <a:buFont typeface="Arial"/>
-              <a:buChar char="•"/>
-            </a:pPr>
+              <a:t> built-</a:t>
+            </a:r>
+            <a:r>
+              <a:rPr lang="en-US" sz="1200" b="0" i="0" u="none" strike="noStrike" kern="1200" baseline="0" dirty="0" smtClean="0">
+                <a:solidFill>
+                  <a:schemeClr val="tx1"/>
+                </a:solidFill>
+                <a:latin typeface="+mn-lt"/>
+                <a:ea typeface="+mn-ea"/>
+                <a:cs typeface="+mn-cs"/>
+              </a:rPr>
+              <a:t>in adapter </a:t>
+            </a:r>
             <a:r>
               <a:rPr lang="en-US" sz="1200" b="0" i="0" u="none" strike="noStrike" kern="1200" baseline="0" dirty="0">
                 <a:solidFill>
@@ -2856,7 +2758,7 @@
                 <a:ea typeface="+mn-ea"/>
                 <a:cs typeface="+mn-cs"/>
               </a:rPr>
-              <a:t>Instantiate a </a:t>
+              <a:t>called </a:t>
             </a:r>
             <a:r>
               <a:rPr lang="en-US" sz="1200" b="0" i="0" u="none" strike="noStrike" kern="1200" baseline="0" dirty="0" err="1">
@@ -2867,7 +2769,7 @@
                 <a:ea typeface="+mn-ea"/>
                 <a:cs typeface="+mn-cs"/>
               </a:rPr>
-              <a:t>ListView</a:t>
+              <a:t>ItemTemplate</a:t>
             </a:r>
             <a:r>
               <a:rPr lang="en-US" sz="1200" b="0" i="0" u="none" strike="noStrike" kern="1200" baseline="0" dirty="0">
@@ -2878,51 +2780,7 @@
                 <a:ea typeface="+mn-ea"/>
                 <a:cs typeface="+mn-cs"/>
               </a:rPr>
-              <a:t> class on your page and point it to a data source using the </a:t>
-            </a:r>
-            <a:r>
-              <a:rPr lang="en-US" sz="1200" b="0" i="0" u="none" strike="noStrike" kern="1200" baseline="0" dirty="0" err="1">
-                <a:solidFill>
-                  <a:schemeClr val="tx1"/>
-                </a:solidFill>
-                <a:latin typeface="+mn-lt"/>
-                <a:ea typeface="+mn-ea"/>
-                <a:cs typeface="+mn-cs"/>
-              </a:rPr>
-              <a:t>ItemsSource</a:t>
-            </a:r>
-            <a:r>
-              <a:rPr lang="en-US" sz="1200" b="0" i="0" u="none" strike="noStrike" kern="1200" baseline="0" dirty="0">
-                <a:solidFill>
-                  <a:schemeClr val="tx1"/>
-                </a:solidFill>
-                <a:latin typeface="+mn-lt"/>
-                <a:ea typeface="+mn-ea"/>
-                <a:cs typeface="+mn-cs"/>
-              </a:rPr>
-              <a:t> property, </a:t>
-            </a:r>
-            <a:r>
-              <a:rPr lang="en-US" sz="1200" b="0" i="0" u="none" strike="noStrike" kern="1200" baseline="0" dirty="0" smtClean="0">
-                <a:solidFill>
-                  <a:schemeClr val="tx1"/>
-                </a:solidFill>
-                <a:latin typeface="+mn-lt"/>
-                <a:ea typeface="+mn-ea"/>
-                <a:cs typeface="+mn-cs"/>
-              </a:rPr>
-              <a:t>in this </a:t>
-            </a:r>
-            <a:r>
-              <a:rPr lang="en-US" sz="1200" b="0" i="0" u="none" strike="noStrike" kern="1200" baseline="0" dirty="0">
-                <a:solidFill>
-                  <a:schemeClr val="tx1"/>
-                </a:solidFill>
-                <a:latin typeface="+mn-lt"/>
-                <a:ea typeface="+mn-ea"/>
-                <a:cs typeface="+mn-cs"/>
-              </a:rPr>
-              <a:t>case a List of Strings. </a:t>
+              <a:t>. </a:t>
             </a:r>
             <a:endParaRPr lang="en-US" sz="1200" b="0" i="0" u="none" strike="noStrike" kern="1200" baseline="0" dirty="0" smtClean="0">
               <a:solidFill>
@@ -2947,7 +2805,7 @@
                 <a:ea typeface="+mn-ea"/>
                 <a:cs typeface="+mn-cs"/>
               </a:rPr>
-              <a:t>Using </a:t>
+              <a:t>Prepare </a:t>
             </a:r>
             <a:r>
               <a:rPr lang="en-US" sz="1200" b="0" i="0" u="none" strike="noStrike" kern="1200" baseline="0" dirty="0">
@@ -2958,7 +2816,76 @@
                 <a:ea typeface="+mn-ea"/>
                 <a:cs typeface="+mn-cs"/>
               </a:rPr>
-              <a:t>the default layout, each item in a </a:t>
+              <a:t>your data model class and assign it to the </a:t>
+            </a:r>
+            <a:r>
+              <a:rPr lang="en-US" sz="1200" b="0" i="0" u="none" strike="noStrike" kern="1200" baseline="0" dirty="0" err="1" smtClean="0">
+                <a:solidFill>
+                  <a:schemeClr val="tx1"/>
+                </a:solidFill>
+                <a:latin typeface="+mn-lt"/>
+                <a:ea typeface="+mn-ea"/>
+                <a:cs typeface="+mn-cs"/>
+              </a:rPr>
+              <a:t>ListView.ItemsSource</a:t>
+            </a:r>
+            <a:r>
+              <a:rPr lang="en-US" sz="1200" b="0" i="0" u="none" strike="noStrike" kern="1200" baseline="0" dirty="0" smtClean="0">
+                <a:solidFill>
+                  <a:schemeClr val="tx1"/>
+                </a:solidFill>
+                <a:latin typeface="+mn-lt"/>
+                <a:ea typeface="+mn-ea"/>
+                <a:cs typeface="+mn-cs"/>
+              </a:rPr>
+              <a:t> property</a:t>
+            </a:r>
+            <a:r>
+              <a:rPr lang="en-US" sz="1200" b="0" i="0" u="none" strike="noStrike" kern="1200" baseline="0" dirty="0">
+                <a:solidFill>
+                  <a:schemeClr val="tx1"/>
+                </a:solidFill>
+                <a:latin typeface="+mn-lt"/>
+                <a:ea typeface="+mn-ea"/>
+                <a:cs typeface="+mn-cs"/>
+              </a:rPr>
+              <a:t>. </a:t>
+            </a:r>
+            <a:endParaRPr lang="en-US" sz="1200" b="0" i="0" u="none" strike="noStrike" kern="1200" baseline="0" dirty="0" smtClean="0">
+              <a:solidFill>
+                <a:schemeClr val="tx1"/>
+              </a:solidFill>
+              <a:latin typeface="+mn-lt"/>
+              <a:ea typeface="+mn-ea"/>
+              <a:cs typeface="+mn-cs"/>
+            </a:endParaRPr>
+          </a:p>
+          <a:p>
+            <a:pPr marL="628650" lvl="1" indent="-171450">
+              <a:buFont typeface="Arial"/>
+              <a:buChar char="•"/>
+            </a:pPr>
+            <a:r>
+              <a:rPr lang="en-US" sz="1200" b="0" i="0" u="none" strike="noStrike" kern="1200" baseline="0" dirty="0" smtClean="0">
+                <a:solidFill>
+                  <a:schemeClr val="tx1"/>
+                </a:solidFill>
+                <a:latin typeface="+mn-lt"/>
+                <a:ea typeface="+mn-ea"/>
+                <a:cs typeface="+mn-cs"/>
+              </a:rPr>
+              <a:t>Then </a:t>
+            </a:r>
+            <a:r>
+              <a:rPr lang="en-US" sz="1200" b="0" i="0" u="none" strike="noStrike" kern="1200" baseline="0" dirty="0">
+                <a:solidFill>
+                  <a:schemeClr val="tx1"/>
+                </a:solidFill>
+                <a:latin typeface="+mn-lt"/>
+                <a:ea typeface="+mn-ea"/>
+                <a:cs typeface="+mn-cs"/>
+              </a:rPr>
+              <a:t>bind each property of your model to the list using the </a:t>
             </a:r>
             <a:r>
               <a:rPr lang="en-US" sz="1200" b="0" i="0" u="none" strike="noStrike" kern="1200" baseline="0" dirty="0" err="1">
@@ -2969,7 +2896,7 @@
                 <a:ea typeface="+mn-ea"/>
                 <a:cs typeface="+mn-cs"/>
               </a:rPr>
-              <a:t>ListView</a:t>
+              <a:t>ItemTemplate.SetBinding</a:t>
             </a:r>
             <a:r>
               <a:rPr lang="en-US" sz="1200" b="0" i="0" u="none" strike="noStrike" kern="1200" baseline="0" dirty="0">
@@ -2980,7 +2907,7 @@
                 <a:ea typeface="+mn-ea"/>
                 <a:cs typeface="+mn-cs"/>
               </a:rPr>
-              <a:t> will be a single cell using </a:t>
+              <a:t> method</a:t>
             </a:r>
             <a:r>
               <a:rPr lang="en-US" sz="1200" b="0" i="0" u="none" strike="noStrike" kern="1200" baseline="0" dirty="0" smtClean="0">
@@ -2991,30 +2918,22 @@
                 <a:ea typeface="+mn-ea"/>
                 <a:cs typeface="+mn-cs"/>
               </a:rPr>
-              <a:t>the </a:t>
-            </a:r>
-            <a:r>
-              <a:rPr lang="en-US" sz="1200" b="0" i="0" u="none" strike="noStrike" kern="1200" baseline="0" dirty="0" err="1" smtClean="0">
-                <a:solidFill>
-                  <a:schemeClr val="tx1"/>
-                </a:solidFill>
-                <a:latin typeface="+mn-lt"/>
-                <a:ea typeface="+mn-ea"/>
-                <a:cs typeface="+mn-cs"/>
-              </a:rPr>
-              <a:t>TextCell</a:t>
-            </a:r>
-            <a:r>
-              <a:rPr lang="en-US" sz="1200" b="0" i="0" u="none" strike="noStrike" kern="1200" baseline="0" dirty="0" smtClean="0">
-                <a:solidFill>
-                  <a:schemeClr val="tx1"/>
-                </a:solidFill>
-                <a:latin typeface="+mn-lt"/>
-                <a:ea typeface="+mn-ea"/>
-                <a:cs typeface="+mn-cs"/>
-              </a:rPr>
-              <a:t> </a:t>
-            </a:r>
+              <a:t>.</a:t>
+            </a:r>
+            <a:endParaRPr lang="en-US" sz="1200" b="0" i="0" u="none" strike="noStrike" kern="1200" baseline="0" dirty="0">
+              <a:solidFill>
+                <a:schemeClr val="tx1"/>
+              </a:solidFill>
+              <a:latin typeface="+mn-lt"/>
+              <a:ea typeface="+mn-ea"/>
+              <a:cs typeface="+mn-cs"/>
+            </a:endParaRPr>
+          </a:p>
+          <a:p>
+            <a:pPr marL="171450" indent="-171450">
+              <a:buFont typeface="Arial"/>
+              <a:buChar char="•"/>
+            </a:pPr>
             <a:r>
               <a:rPr lang="en-US" sz="1200" b="0" i="0" u="none" strike="noStrike" kern="1200" baseline="0" dirty="0">
                 <a:solidFill>
@@ -3024,7 +2943,29 @@
                 <a:ea typeface="+mn-ea"/>
                 <a:cs typeface="+mn-cs"/>
               </a:rPr>
-              <a:t>template displaying a single line of text.</a:t>
+              <a:t>Create a data model, or custom class, containing the list items. Call it </a:t>
+            </a:r>
+            <a:r>
+              <a:rPr lang="en-US" sz="1200" b="0" i="0" u="none" strike="noStrike" kern="1200" baseline="0" dirty="0" err="1">
+                <a:solidFill>
+                  <a:schemeClr val="tx1"/>
+                </a:solidFill>
+                <a:latin typeface="+mn-lt"/>
+                <a:ea typeface="+mn-ea"/>
+                <a:cs typeface="+mn-cs"/>
+              </a:rPr>
+              <a:t>ListItem</a:t>
+            </a:r>
+            <a:r>
+              <a:rPr lang="en-US" sz="1200" b="0" i="0" u="none" strike="noStrike" kern="1200" baseline="0" dirty="0">
+                <a:solidFill>
+                  <a:schemeClr val="tx1"/>
+                </a:solidFill>
+                <a:latin typeface="+mn-lt"/>
+                <a:ea typeface="+mn-ea"/>
+                <a:cs typeface="+mn-cs"/>
+              </a:rPr>
+              <a:t>.</a:t>
             </a:r>
             <a:endParaRPr lang="en-US" dirty="0"/>
           </a:p>
@@ -3047,7 +2988,7 @@
           <a:p>
             <a:fld id="{01283FAC-A721-45A3-BBDE-EAF2B09B7CD9}" type="slidenum">
               <a:rPr lang="en-US" smtClean="0"/>
-              <a:t>23</a:t>
+              <a:t>22</a:t>
             </a:fld>
             <a:endParaRPr lang="en-US"/>
           </a:p>
@@ -3056,7 +2997,7 @@
     </p:spTree>
     <p:extLst>
       <p:ext uri="{BB962C8B-B14F-4D97-AF65-F5344CB8AC3E}">
-        <p14:creationId xmlns:p14="http://schemas.microsoft.com/office/powerpoint/2010/main" val="2017476797"/>
+        <p14:creationId xmlns:p14="http://schemas.microsoft.com/office/powerpoint/2010/main" val="2331595630"/>
       </p:ext>
     </p:extLst>
   </p:cSld>
@@ -3140,7 +3081,7 @@
                 <a:ea typeface="+mn-ea"/>
                 <a:cs typeface="+mn-cs"/>
               </a:rPr>
-              <a:t>Lists </a:t>
+              <a:t>The </a:t>
             </a:r>
             <a:r>
               <a:rPr lang="en-US" sz="1200" b="0" i="0" u="none" strike="noStrike" kern="1200" baseline="0" dirty="0">
@@ -3151,7 +3092,7 @@
                 <a:ea typeface="+mn-ea"/>
                 <a:cs typeface="+mn-cs"/>
               </a:rPr>
-              <a:t>in Xamarin.Forms are created using the </a:t>
+              <a:t>simplest </a:t>
             </a:r>
             <a:r>
               <a:rPr lang="en-US" sz="1200" b="0" i="0" u="none" strike="noStrike" kern="1200" baseline="0" dirty="0" err="1">
@@ -3173,7 +3114,7 @@
                 <a:ea typeface="+mn-ea"/>
                 <a:cs typeface="+mn-cs"/>
               </a:rPr>
-              <a:t> control bound to an array or data model. The Xamarin.</a:t>
+              <a:t> implementation is binding to a List of Strings.</a:t>
             </a:r>
           </a:p>
           <a:p>
@@ -3190,7 +3131,7 @@
                 <a:ea typeface="+mn-ea"/>
                 <a:cs typeface="+mn-cs"/>
               </a:rPr>
-              <a:t>Forms </a:t>
+              <a:t>Instantiate a </a:t>
             </a:r>
             <a:r>
               <a:rPr lang="en-US" sz="1200" b="0" i="0" u="none" strike="noStrike" kern="1200" baseline="0" dirty="0" err="1">
@@ -3212,7 +3153,29 @@
                 <a:ea typeface="+mn-ea"/>
                 <a:cs typeface="+mn-cs"/>
               </a:rPr>
-              <a:t> class provides a scrollable, selectable list. List rows are customizable using layouts, images</a:t>
+              <a:t> class on your page and point it to a data source using the </a:t>
+            </a:r>
+            <a:r>
+              <a:rPr lang="en-US" sz="1200" b="0" i="0" u="none" strike="noStrike" kern="1200" baseline="0" dirty="0" err="1">
+                <a:solidFill>
+                  <a:schemeClr val="tx1"/>
+                </a:solidFill>
+                <a:latin typeface="+mn-lt"/>
+                <a:ea typeface="+mn-ea"/>
+                <a:cs typeface="+mn-cs"/>
+              </a:rPr>
+              <a:t>ItemsSource</a:t>
+            </a:r>
+            <a:r>
+              <a:rPr lang="en-US" sz="1200" b="0" i="0" u="none" strike="noStrike" kern="1200" baseline="0" dirty="0">
+                <a:solidFill>
+                  <a:schemeClr val="tx1"/>
+                </a:solidFill>
+                <a:latin typeface="+mn-lt"/>
+                <a:ea typeface="+mn-ea"/>
+                <a:cs typeface="+mn-cs"/>
+              </a:rPr>
+              <a:t> property, </a:t>
             </a:r>
             <a:r>
               <a:rPr lang="en-US" sz="1200" b="0" i="0" u="none" strike="noStrike" kern="1200" baseline="0" dirty="0" smtClean="0">
@@ -3223,7 +3186,7 @@
                 <a:ea typeface="+mn-ea"/>
                 <a:cs typeface="+mn-cs"/>
               </a:rPr>
-              <a:t>, and </a:t>
+              <a:t>in this </a:t>
             </a:r>
             <a:r>
               <a:rPr lang="en-US" sz="1200" b="0" i="0" u="none" strike="noStrike" kern="1200" baseline="0" dirty="0">
@@ -3234,64 +3197,8 @@
                 <a:ea typeface="+mn-ea"/>
                 <a:cs typeface="+mn-cs"/>
               </a:rPr>
-              <a:t>views such as buttons. </a:t>
-            </a:r>
-            <a:r>
-              <a:rPr lang="en-US" sz="1200" b="0" i="0" u="none" strike="noStrike" kern="1200" baseline="0" dirty="0" err="1">
-                <a:solidFill>
-                  <a:schemeClr val="tx1"/>
-                </a:solidFill>
-                <a:latin typeface="+mn-lt"/>
-                <a:ea typeface="+mn-ea"/>
-                <a:cs typeface="+mn-cs"/>
-              </a:rPr>
-              <a:t>ListView</a:t>
-            </a:r>
-            <a:r>
-              <a:rPr lang="en-US" sz="1200" b="0" i="0" u="none" strike="noStrike" kern="1200" baseline="0" dirty="0">
-                <a:solidFill>
-                  <a:schemeClr val="tx1"/>
-                </a:solidFill>
-                <a:latin typeface="+mn-lt"/>
-                <a:ea typeface="+mn-ea"/>
-                <a:cs typeface="+mn-cs"/>
-              </a:rPr>
-              <a:t> supports grouping, headers, footers, jump lists, and pull-to-refresh.</a:t>
-            </a:r>
-          </a:p>
-          <a:p>
-            <a:pPr marL="171450" indent="-171450">
-              <a:buFont typeface="Arial"/>
-              <a:buChar char="•"/>
-            </a:pPr>
-            <a:r>
-              <a:rPr lang="en-US" sz="1200" b="0" i="0" u="none" strike="noStrike" kern="1200" baseline="0" dirty="0">
-                <a:solidFill>
-                  <a:schemeClr val="tx1"/>
-                </a:solidFill>
-                <a:latin typeface="+mn-lt"/>
-                <a:ea typeface="+mn-ea"/>
-                <a:cs typeface="+mn-cs"/>
-              </a:rPr>
-              <a:t>Deleting and applying operations to list rows are supported using Context Actions</a:t>
-            </a:r>
-            <a:r>
-              <a:rPr lang="en-US" sz="1200" b="0" i="0" u="none" strike="noStrike" kern="1200" baseline="0" dirty="0" smtClean="0">
-                <a:solidFill>
-                  <a:schemeClr val="tx1"/>
-                </a:solidFill>
-                <a:latin typeface="+mn-lt"/>
-                <a:ea typeface="+mn-ea"/>
-                <a:cs typeface="+mn-cs"/>
-              </a:rPr>
-              <a:t>.</a:t>
-            </a:r>
-          </a:p>
-          <a:p>
-            <a:pPr marL="171450" indent="-171450">
-              <a:buFont typeface="Arial"/>
-              <a:buChar char="•"/>
-            </a:pPr>
+              <a:t>case a List of Strings. </a:t>
+            </a:r>
             <a:endParaRPr lang="en-US" sz="1200" b="0" i="0" u="none" strike="noStrike" kern="1200" baseline="0" dirty="0" smtClean="0">
               <a:solidFill>
                 <a:schemeClr val="tx1"/>
@@ -3302,28 +3209,9 @@
             </a:endParaRPr>
           </a:p>
           <a:p>
-            <a:r>
-              <a:rPr lang="en-US" sz="1200" b="1" dirty="0" smtClean="0"/>
-              <a:t>References:</a:t>
-            </a:r>
-          </a:p>
-          <a:p>
-            <a:pPr marL="171450" marR="0" lvl="0" indent="-171450" algn="l" defTabSz="914400" rtl="0" eaLnBrk="1" fontAlgn="auto" latinLnBrk="0" hangingPunct="1">
-              <a:lnSpc>
-                <a:spcPct val="100000"/>
-              </a:lnSpc>
-              <a:spcBef>
-                <a:spcPts val="0"/>
-              </a:spcBef>
-              <a:spcAft>
-                <a:spcPts val="0"/>
-              </a:spcAft>
-              <a:buClrTx/>
-              <a:buSzTx/>
+            <a:pPr marL="171450" indent="-171450">
               <a:buFont typeface="Arial"/>
               <a:buChar char="•"/>
-              <a:tabLst/>
-              <a:defRPr/>
             </a:pPr>
             <a:r>
               <a:rPr lang="en-US" sz="1200" b="0" i="0" u="none" strike="noStrike" kern="1200" baseline="0" dirty="0" smtClean="0">
@@ -3334,29 +3222,40 @@
                 <a:ea typeface="+mn-ea"/>
                 <a:cs typeface="+mn-cs"/>
               </a:rPr>
-              <a:t>Images from </a:t>
-            </a:r>
-            <a:r>
-              <a:rPr lang="en-US" sz="1200" b="0" i="1" u="none" strike="noStrike" kern="1200" baseline="0" dirty="0" err="1" smtClean="0">
-                <a:solidFill>
-                  <a:schemeClr val="tx1"/>
-                </a:solidFill>
-                <a:latin typeface="+mn-lt"/>
-                <a:ea typeface="+mn-ea"/>
-                <a:cs typeface="+mn-cs"/>
-              </a:rPr>
-              <a:t>Xamarin</a:t>
-            </a:r>
-            <a:r>
-              <a:rPr lang="en-US" sz="1200" b="0" i="1" u="none" strike="noStrike" kern="1200" baseline="0" dirty="0" smtClean="0">
-                <a:solidFill>
-                  <a:schemeClr val="tx1"/>
-                </a:solidFill>
-                <a:latin typeface="+mn-lt"/>
-                <a:ea typeface="+mn-ea"/>
-                <a:cs typeface="+mn-cs"/>
-              </a:rPr>
-              <a:t> Mobile Application Development </a:t>
+              <a:t>Using </a:t>
+            </a:r>
+            <a:r>
+              <a:rPr lang="en-US" sz="1200" b="0" i="0" u="none" strike="noStrike" kern="1200" baseline="0" dirty="0">
+                <a:solidFill>
+                  <a:schemeClr val="tx1"/>
+                </a:solidFill>
+                <a:latin typeface="+mn-lt"/>
+                <a:ea typeface="+mn-ea"/>
+                <a:cs typeface="+mn-cs"/>
+              </a:rPr>
+              <a:t>the default layout, each item in a </a:t>
+            </a:r>
+            <a:r>
+              <a:rPr lang="en-US" sz="1200" b="0" i="0" u="none" strike="noStrike" kern="1200" baseline="0" dirty="0" err="1">
+                <a:solidFill>
+                  <a:schemeClr val="tx1"/>
+                </a:solidFill>
+                <a:latin typeface="+mn-lt"/>
+                <a:ea typeface="+mn-ea"/>
+                <a:cs typeface="+mn-cs"/>
+              </a:rPr>
+              <a:t>ListView</a:t>
+            </a:r>
+            <a:r>
+              <a:rPr lang="en-US" sz="1200" b="0" i="0" u="none" strike="noStrike" kern="1200" baseline="0" dirty="0">
+                <a:solidFill>
+                  <a:schemeClr val="tx1"/>
+                </a:solidFill>
+                <a:latin typeface="+mn-lt"/>
+                <a:ea typeface="+mn-ea"/>
+                <a:cs typeface="+mn-cs"/>
+              </a:rPr>
+              <a:t> will be a single cell using </a:t>
             </a:r>
             <a:r>
               <a:rPr lang="en-US" sz="1200" b="0" i="0" u="none" strike="noStrike" kern="1200" baseline="0" dirty="0" smtClean="0">
@@ -3367,7 +3266,7 @@
                 <a:ea typeface="+mn-ea"/>
                 <a:cs typeface="+mn-cs"/>
               </a:rPr>
-              <a:t>by Dan Hermes  http://</a:t>
+              <a:t>the </a:t>
             </a:r>
             <a:r>
               <a:rPr lang="en-US" sz="1200" b="0" i="0" u="none" strike="noStrike" kern="1200" baseline="0" dirty="0" err="1" smtClean="0">
@@ -3378,19 +3277,31 @@
                 <a:ea typeface="+mn-ea"/>
                 <a:cs typeface="+mn-cs"/>
               </a:rPr>
-              <a:t>amzn.to</a:t>
-            </a:r>
-            <a:r>
-              <a:rPr lang="en-US" sz="1200" b="0" i="0" u="none" strike="noStrike" kern="1200" baseline="0" smtClean="0">
-                <a:solidFill>
-                  <a:schemeClr val="tx1"/>
-                </a:solidFill>
-                <a:latin typeface="+mn-lt"/>
-                <a:ea typeface="+mn-ea"/>
-                <a:cs typeface="+mn-cs"/>
-              </a:rPr>
-              <a:t>/1rowG7K</a:t>
-            </a:r>
+              <a:t>TextCell</a:t>
+            </a:r>
+            <a:r>
+              <a:rPr lang="en-US" sz="1200" b="0" i="0" u="none" strike="noStrike" kern="1200" baseline="0" dirty="0" smtClean="0">
+                <a:solidFill>
+                  <a:schemeClr val="tx1"/>
+                </a:solidFill>
+                <a:latin typeface="+mn-lt"/>
+                <a:ea typeface="+mn-ea"/>
+                <a:cs typeface="+mn-cs"/>
+              </a:rPr>
+              <a:t> </a:t>
+            </a:r>
+            <a:r>
+              <a:rPr lang="en-US" sz="1200" b="0" i="0" u="none" strike="noStrike" kern="1200" baseline="0" dirty="0">
+                <a:solidFill>
+                  <a:schemeClr val="tx1"/>
+                </a:solidFill>
+                <a:latin typeface="+mn-lt"/>
+                <a:ea typeface="+mn-ea"/>
+                <a:cs typeface="+mn-cs"/>
+              </a:rPr>
+              <a:t>template displaying a single line of text.</a:t>
+            </a:r>
+            <a:endParaRPr lang="en-US" dirty="0"/>
           </a:p>
         </p:txBody>
       </p:sp>
@@ -3411,7 +3322,7 @@
           <a:p>
             <a:fld id="{01283FAC-A721-45A3-BBDE-EAF2B09B7CD9}" type="slidenum">
               <a:rPr lang="en-US" smtClean="0"/>
-              <a:t>24</a:t>
+              <a:t>23</a:t>
             </a:fld>
             <a:endParaRPr lang="en-US"/>
           </a:p>
@@ -3420,7 +3331,7 @@
     </p:spTree>
     <p:extLst>
       <p:ext uri="{BB962C8B-B14F-4D97-AF65-F5344CB8AC3E}">
-        <p14:creationId xmlns:p14="http://schemas.microsoft.com/office/powerpoint/2010/main" val="2382834341"/>
+        <p14:creationId xmlns:p14="http://schemas.microsoft.com/office/powerpoint/2010/main" val="2017476797"/>
       </p:ext>
     </p:extLst>
   </p:cSld>
@@ -3474,127 +3385,7 @@
           <a:bodyPr/>
           <a:lstStyle/>
           <a:p>
-            <a:pPr marL="0" indent="0">
-              <a:buFont typeface="Arial" panose="020B0604020202020204" pitchFamily="34" charset="0"/>
-              <a:buNone/>
-            </a:pPr>
-            <a:r>
-              <a:rPr lang="en-US" b="1" baseline="0" dirty="0"/>
-              <a:t>Notes:</a:t>
-            </a:r>
-          </a:p>
-          <a:p>
-            <a:pPr marL="171450" indent="-171450">
-              <a:buFont typeface="Arial" panose="020B0604020202020204" pitchFamily="34" charset="0"/>
-              <a:buChar char="•"/>
-            </a:pPr>
-            <a:r>
-              <a:rPr lang="en-US" baseline="0" dirty="0"/>
-              <a:t>Navigation object has other methods, like </a:t>
-            </a:r>
-            <a:r>
-              <a:rPr lang="en-US" baseline="0" dirty="0" err="1"/>
-              <a:t>PopToRootAsync</a:t>
-            </a:r>
-            <a:r>
-              <a:rPr lang="en-US" baseline="0" dirty="0"/>
-              <a:t>, which will wipe the navigation stack and return to the original Page</a:t>
-            </a:r>
-          </a:p>
-          <a:p>
-            <a:pPr marL="171450" indent="-171450">
-              <a:buFont typeface="Arial" panose="020B0604020202020204" pitchFamily="34" charset="0"/>
-              <a:buChar char="•"/>
-            </a:pPr>
-            <a:r>
-              <a:rPr lang="en-US" baseline="0" dirty="0"/>
-              <a:t>There are other methods to manipulate the stack, like </a:t>
-            </a:r>
-            <a:r>
-              <a:rPr lang="en-US" baseline="0" dirty="0" err="1"/>
-              <a:t>RemovePage</a:t>
-            </a:r>
-            <a:r>
-              <a:rPr lang="en-US" baseline="0" dirty="0"/>
-              <a:t>, which will remove a Page from the navigation stack, or </a:t>
-            </a:r>
-            <a:r>
-              <a:rPr lang="en-US" baseline="0" dirty="0" err="1"/>
-              <a:t>InsertPageBefore</a:t>
-            </a:r>
-            <a:r>
-              <a:rPr lang="en-US" baseline="0" dirty="0"/>
-              <a:t>, which will place a Page into the navigation stack</a:t>
-            </a:r>
-          </a:p>
-          <a:p>
-            <a:pPr marL="171450" indent="-171450">
-              <a:buFont typeface="Arial" panose="020B0604020202020204" pitchFamily="34" charset="0"/>
-              <a:buChar char="•"/>
-            </a:pPr>
-            <a:r>
-              <a:rPr lang="en-US" baseline="0" dirty="0"/>
-              <a:t>There are also properties on the Navigation object. Two to note are </a:t>
-            </a:r>
-            <a:r>
-              <a:rPr lang="en-US" baseline="0" dirty="0" err="1"/>
-              <a:t>ModalStack</a:t>
-            </a:r>
-            <a:r>
-              <a:rPr lang="en-US" baseline="0" dirty="0"/>
-              <a:t> and </a:t>
-            </a:r>
-            <a:r>
-              <a:rPr lang="en-US" baseline="0" dirty="0" err="1"/>
-              <a:t>NavigationStack</a:t>
-            </a:r>
-            <a:r>
-              <a:rPr lang="en-US" baseline="0" dirty="0"/>
-              <a:t>. These two properties return a collection of modal dialog Pages that have been added to the Navigation’s modal stack via </a:t>
-            </a:r>
-            <a:r>
-              <a:rPr lang="en-US" baseline="0" dirty="0" err="1"/>
-              <a:t>PushModalAsync</a:t>
-            </a:r>
-            <a:r>
-              <a:rPr lang="en-US" baseline="0" dirty="0"/>
-              <a:t> and a collection of Pages that have been added to the Navigation’s Page stack via </a:t>
-            </a:r>
-            <a:r>
-              <a:rPr lang="en-US" baseline="0" dirty="0" err="1"/>
-              <a:t>PushAsync</a:t>
-            </a:r>
-            <a:r>
-              <a:rPr lang="en-US" baseline="0" dirty="0"/>
-              <a:t>, respectively</a:t>
-            </a:r>
-          </a:p>
-          <a:p>
-            <a:pPr marL="171450" indent="-171450">
-              <a:buFont typeface="Arial" panose="020B0604020202020204" pitchFamily="34" charset="0"/>
-              <a:buChar char="•"/>
-            </a:pPr>
-            <a:endParaRPr lang="en-US" baseline="0" dirty="0"/>
-          </a:p>
-          <a:p>
-            <a:pPr marL="0" indent="0">
-              <a:buFont typeface="Arial" panose="020B0604020202020204" pitchFamily="34" charset="0"/>
-              <a:buNone/>
-            </a:pPr>
-            <a:r>
-              <a:rPr lang="en-US" b="1" baseline="0" dirty="0"/>
-              <a:t>References:</a:t>
-            </a:r>
-          </a:p>
-          <a:p>
-            <a:pPr marL="171450" indent="-171450">
-              <a:buFont typeface="Arial" panose="020B0604020202020204" pitchFamily="34" charset="0"/>
-              <a:buChar char="•"/>
-            </a:pPr>
-            <a:r>
-              <a:rPr lang="en-US" baseline="0" dirty="0"/>
-              <a:t>More information on Navigation: https://developer.xamarin.com/guides/xamarin-forms/getting-started/introduction-to-xamarin-forms/#Navigation</a:t>
-            </a:r>
+            <a:endParaRPr lang="en-US" dirty="0"/>
           </a:p>
         </p:txBody>
       </p:sp>
@@ -3614,17 +3405,28 @@
           <a:lstStyle/>
           <a:p>
             <a:fld id="{01283FAC-A721-45A3-BBDE-EAF2B09B7CD9}" type="slidenum">
-              <a:rPr lang="en-US" smtClean="0"/>
-              <a:t>5</a:t>
+              <a:rPr lang="en-US" smtClean="0">
+                <a:solidFill>
+                  <a:prstClr val="black"/>
+                </a:solidFill>
+                <a:latin typeface="Calibri"/>
+              </a:rPr>
+              <a:pPr/>
+              <a:t>3</a:t>
             </a:fld>
-            <a:endParaRPr lang="en-US"/>
+            <a:endParaRPr lang="en-US">
+              <a:solidFill>
+                <a:prstClr val="black"/>
+              </a:solidFill>
+              <a:latin typeface="Calibri"/>
+            </a:endParaRPr>
           </a:p>
         </p:txBody>
       </p:sp>
     </p:spTree>
     <p:extLst>
       <p:ext uri="{BB962C8B-B14F-4D97-AF65-F5344CB8AC3E}">
-        <p14:creationId xmlns:p14="http://schemas.microsoft.com/office/powerpoint/2010/main" val="2742082707"/>
+        <p14:creationId xmlns:p14="http://schemas.microsoft.com/office/powerpoint/2010/main" val="2183638330"/>
       </p:ext>
     </p:extLst>
   </p:cSld>
@@ -3708,7 +3510,7 @@
                 <a:ea typeface="+mn-ea"/>
                 <a:cs typeface="+mn-cs"/>
               </a:rPr>
-              <a:t>When </a:t>
+              <a:t>Lists </a:t>
             </a:r>
             <a:r>
               <a:rPr lang="en-US" sz="1200" b="0" i="0" u="none" strike="noStrike" kern="1200" baseline="0" dirty="0">
@@ -3719,9 +3521,246 @@
                 <a:ea typeface="+mn-ea"/>
                 <a:cs typeface="+mn-cs"/>
               </a:rPr>
-              <a:t>handling the item selection, remember to use the data model.</a:t>
-            </a:r>
-            <a:endParaRPr lang="en-US" dirty="0"/>
+              <a:t>in Xamarin.Forms are created using the </a:t>
+            </a:r>
+            <a:r>
+              <a:rPr lang="en-US" sz="1200" b="0" i="0" u="none" strike="noStrike" kern="1200" baseline="0" dirty="0" err="1">
+                <a:solidFill>
+                  <a:schemeClr val="tx1"/>
+                </a:solidFill>
+                <a:latin typeface="+mn-lt"/>
+                <a:ea typeface="+mn-ea"/>
+                <a:cs typeface="+mn-cs"/>
+              </a:rPr>
+              <a:t>ListView</a:t>
+            </a:r>
+            <a:r>
+              <a:rPr lang="en-US" sz="1200" b="0" i="0" u="none" strike="noStrike" kern="1200" baseline="0" dirty="0">
+                <a:solidFill>
+                  <a:schemeClr val="tx1"/>
+                </a:solidFill>
+                <a:latin typeface="+mn-lt"/>
+                <a:ea typeface="+mn-ea"/>
+                <a:cs typeface="+mn-cs"/>
+              </a:rPr>
+              <a:t> control bound to an array or data model. The Xamarin.</a:t>
+            </a:r>
+          </a:p>
+          <a:p>
+            <a:pPr marL="171450" indent="-171450">
+              <a:buFont typeface="Arial"/>
+              <a:buChar char="•"/>
+            </a:pPr>
+            <a:r>
+              <a:rPr lang="en-US" sz="1200" b="0" i="0" u="none" strike="noStrike" kern="1200" baseline="0" dirty="0">
+                <a:solidFill>
+                  <a:schemeClr val="tx1"/>
+                </a:solidFill>
+                <a:latin typeface="+mn-lt"/>
+                <a:ea typeface="+mn-ea"/>
+                <a:cs typeface="+mn-cs"/>
+              </a:rPr>
+              <a:t>Forms </a:t>
+            </a:r>
+            <a:r>
+              <a:rPr lang="en-US" sz="1200" b="0" i="0" u="none" strike="noStrike" kern="1200" baseline="0" dirty="0" err="1">
+                <a:solidFill>
+                  <a:schemeClr val="tx1"/>
+                </a:solidFill>
+                <a:latin typeface="+mn-lt"/>
+                <a:ea typeface="+mn-ea"/>
+                <a:cs typeface="+mn-cs"/>
+              </a:rPr>
+              <a:t>ListView</a:t>
+            </a:r>
+            <a:r>
+              <a:rPr lang="en-US" sz="1200" b="0" i="0" u="none" strike="noStrike" kern="1200" baseline="0" dirty="0">
+                <a:solidFill>
+                  <a:schemeClr val="tx1"/>
+                </a:solidFill>
+                <a:latin typeface="+mn-lt"/>
+                <a:ea typeface="+mn-ea"/>
+                <a:cs typeface="+mn-cs"/>
+              </a:rPr>
+              <a:t> class provides a scrollable, selectable list. List rows are customizable using layouts, images</a:t>
+            </a:r>
+            <a:r>
+              <a:rPr lang="en-US" sz="1200" b="0" i="0" u="none" strike="noStrike" kern="1200" baseline="0" dirty="0" smtClean="0">
+                <a:solidFill>
+                  <a:schemeClr val="tx1"/>
+                </a:solidFill>
+                <a:latin typeface="+mn-lt"/>
+                <a:ea typeface="+mn-ea"/>
+                <a:cs typeface="+mn-cs"/>
+              </a:rPr>
+              <a:t>, and </a:t>
+            </a:r>
+            <a:r>
+              <a:rPr lang="en-US" sz="1200" b="0" i="0" u="none" strike="noStrike" kern="1200" baseline="0" dirty="0">
+                <a:solidFill>
+                  <a:schemeClr val="tx1"/>
+                </a:solidFill>
+                <a:latin typeface="+mn-lt"/>
+                <a:ea typeface="+mn-ea"/>
+                <a:cs typeface="+mn-cs"/>
+              </a:rPr>
+              <a:t>views such as buttons. </a:t>
+            </a:r>
+            <a:r>
+              <a:rPr lang="en-US" sz="1200" b="0" i="0" u="none" strike="noStrike" kern="1200" baseline="0" dirty="0" err="1">
+                <a:solidFill>
+                  <a:schemeClr val="tx1"/>
+                </a:solidFill>
+                <a:latin typeface="+mn-lt"/>
+                <a:ea typeface="+mn-ea"/>
+                <a:cs typeface="+mn-cs"/>
+              </a:rPr>
+              <a:t>ListView</a:t>
+            </a:r>
+            <a:r>
+              <a:rPr lang="en-US" sz="1200" b="0" i="0" u="none" strike="noStrike" kern="1200" baseline="0" dirty="0">
+                <a:solidFill>
+                  <a:schemeClr val="tx1"/>
+                </a:solidFill>
+                <a:latin typeface="+mn-lt"/>
+                <a:ea typeface="+mn-ea"/>
+                <a:cs typeface="+mn-cs"/>
+              </a:rPr>
+              <a:t> supports grouping, headers, footers, jump lists, and pull-to-refresh.</a:t>
+            </a:r>
+          </a:p>
+          <a:p>
+            <a:pPr marL="171450" indent="-171450">
+              <a:buFont typeface="Arial"/>
+              <a:buChar char="•"/>
+            </a:pPr>
+            <a:r>
+              <a:rPr lang="en-US" sz="1200" b="0" i="0" u="none" strike="noStrike" kern="1200" baseline="0" dirty="0">
+                <a:solidFill>
+                  <a:schemeClr val="tx1"/>
+                </a:solidFill>
+                <a:latin typeface="+mn-lt"/>
+                <a:ea typeface="+mn-ea"/>
+                <a:cs typeface="+mn-cs"/>
+              </a:rPr>
+              <a:t>Deleting and applying operations to list rows are supported using Context Actions</a:t>
+            </a:r>
+            <a:r>
+              <a:rPr lang="en-US" sz="1200" b="0" i="0" u="none" strike="noStrike" kern="1200" baseline="0" dirty="0" smtClean="0">
+                <a:solidFill>
+                  <a:schemeClr val="tx1"/>
+                </a:solidFill>
+                <a:latin typeface="+mn-lt"/>
+                <a:ea typeface="+mn-ea"/>
+                <a:cs typeface="+mn-cs"/>
+              </a:rPr>
+              <a:t>.</a:t>
+            </a:r>
+          </a:p>
+          <a:p>
+            <a:pPr marL="171450" indent="-171450">
+              <a:buFont typeface="Arial"/>
+              <a:buChar char="•"/>
+            </a:pPr>
+            <a:endParaRPr lang="en-US" sz="1200" b="0" i="0" u="none" strike="noStrike" kern="1200" baseline="0" dirty="0" smtClean="0">
+              <a:solidFill>
+                <a:schemeClr val="tx1"/>
+              </a:solidFill>
+              <a:latin typeface="+mn-lt"/>
+              <a:ea typeface="+mn-ea"/>
+              <a:cs typeface="+mn-cs"/>
+            </a:endParaRPr>
+          </a:p>
+          <a:p>
+            <a:r>
+              <a:rPr lang="en-US" sz="1200" b="1" dirty="0" smtClean="0"/>
+              <a:t>References:</a:t>
+            </a:r>
+          </a:p>
+          <a:p>
+            <a:pPr marL="171450" marR="0" lvl="0" indent="-171450" algn="l" defTabSz="914400" rtl="0" eaLnBrk="1" fontAlgn="auto" latinLnBrk="0" hangingPunct="1">
+              <a:lnSpc>
+                <a:spcPct val="100000"/>
+              </a:lnSpc>
+              <a:spcBef>
+                <a:spcPts val="0"/>
+              </a:spcBef>
+              <a:spcAft>
+                <a:spcPts val="0"/>
+              </a:spcAft>
+              <a:buClrTx/>
+              <a:buSzTx/>
+              <a:buFont typeface="Arial"/>
+              <a:buChar char="•"/>
+              <a:tabLst/>
+              <a:defRPr/>
+            </a:pPr>
+            <a:r>
+              <a:rPr lang="en-US" sz="1200" b="0" i="0" u="none" strike="noStrike" kern="1200" baseline="0" dirty="0" smtClean="0">
+                <a:solidFill>
+                  <a:schemeClr val="tx1"/>
+                </a:solidFill>
+                <a:latin typeface="+mn-lt"/>
+                <a:ea typeface="+mn-ea"/>
+                <a:cs typeface="+mn-cs"/>
+              </a:rPr>
+              <a:t>Images from </a:t>
+            </a:r>
+            <a:r>
+              <a:rPr lang="en-US" sz="1200" b="0" i="1" u="none" strike="noStrike" kern="1200" baseline="0" dirty="0" err="1" smtClean="0">
+                <a:solidFill>
+                  <a:schemeClr val="tx1"/>
+                </a:solidFill>
+                <a:latin typeface="+mn-lt"/>
+                <a:ea typeface="+mn-ea"/>
+                <a:cs typeface="+mn-cs"/>
+              </a:rPr>
+              <a:t>Xamarin</a:t>
+            </a:r>
+            <a:r>
+              <a:rPr lang="en-US" sz="1200" b="0" i="1" u="none" strike="noStrike" kern="1200" baseline="0" dirty="0" smtClean="0">
+                <a:solidFill>
+                  <a:schemeClr val="tx1"/>
+                </a:solidFill>
+                <a:latin typeface="+mn-lt"/>
+                <a:ea typeface="+mn-ea"/>
+                <a:cs typeface="+mn-cs"/>
+              </a:rPr>
+              <a:t> Mobile Application Development </a:t>
+            </a:r>
+            <a:r>
+              <a:rPr lang="en-US" sz="1200" b="0" i="0" u="none" strike="noStrike" kern="1200" baseline="0" dirty="0" smtClean="0">
+                <a:solidFill>
+                  <a:schemeClr val="tx1"/>
+                </a:solidFill>
+                <a:latin typeface="+mn-lt"/>
+                <a:ea typeface="+mn-ea"/>
+                <a:cs typeface="+mn-cs"/>
+              </a:rPr>
+              <a:t>by Dan Hermes  http://</a:t>
+            </a:r>
+            <a:r>
+              <a:rPr lang="en-US" sz="1200" b="0" i="0" u="none" strike="noStrike" kern="1200" baseline="0" dirty="0" err="1" smtClean="0">
+                <a:solidFill>
+                  <a:schemeClr val="tx1"/>
+                </a:solidFill>
+                <a:latin typeface="+mn-lt"/>
+                <a:ea typeface="+mn-ea"/>
+                <a:cs typeface="+mn-cs"/>
+              </a:rPr>
+              <a:t>amzn.to</a:t>
+            </a:r>
+            <a:r>
+              <a:rPr lang="en-US" sz="1200" b="0" i="0" u="none" strike="noStrike" kern="1200" baseline="0" smtClean="0">
+                <a:solidFill>
+                  <a:schemeClr val="tx1"/>
+                </a:solidFill>
+                <a:latin typeface="+mn-lt"/>
+                <a:ea typeface="+mn-ea"/>
+                <a:cs typeface="+mn-cs"/>
+              </a:rPr>
+              <a:t>/1rowG7K</a:t>
+            </a:r>
           </a:p>
         </p:txBody>
       </p:sp>
@@ -3742,7 +3781,7 @@
           <a:p>
             <a:fld id="{01283FAC-A721-45A3-BBDE-EAF2B09B7CD9}" type="slidenum">
               <a:rPr lang="en-US" smtClean="0"/>
-              <a:t>25</a:t>
+              <a:t>24</a:t>
             </a:fld>
             <a:endParaRPr lang="en-US"/>
           </a:p>
@@ -3751,7 +3790,7 @@
     </p:spTree>
     <p:extLst>
       <p:ext uri="{BB962C8B-B14F-4D97-AF65-F5344CB8AC3E}">
-        <p14:creationId xmlns:p14="http://schemas.microsoft.com/office/powerpoint/2010/main" val="2963975731"/>
+        <p14:creationId xmlns:p14="http://schemas.microsoft.com/office/powerpoint/2010/main" val="2382834341"/>
       </p:ext>
     </p:extLst>
   </p:cSld>
@@ -3806,11 +3845,18 @@
           <a:lstStyle/>
           <a:p>
             <a:pPr marL="0" indent="0">
-              <a:buFont typeface="Arial" panose="020B0604020202020204" pitchFamily="34" charset="0"/>
+              <a:buFont typeface="Arial"/>
               <a:buNone/>
             </a:pPr>
             <a:r>
-              <a:rPr lang="en-US" b="1" dirty="0"/>
+              <a:rPr lang="en-US" sz="1200" b="1" i="0" u="none" strike="noStrike" kern="1200" baseline="0" dirty="0" smtClean="0">
+                <a:solidFill>
+                  <a:schemeClr val="tx1"/>
+                </a:solidFill>
+                <a:latin typeface="+mn-lt"/>
+                <a:ea typeface="+mn-ea"/>
+                <a:cs typeface="+mn-cs"/>
+              </a:rPr>
               <a:t>Notes:</a:t>
             </a:r>
           </a:p>
@@ -3820,165 +3866,28 @@
               <a:buChar char="•"/>
             </a:pPr>
             <a:r>
-              <a:rPr lang="en-US" b="0" dirty="0"/>
-              <a:t>Cells are used</a:t>
-            </a:r>
-            <a:r>
-              <a:rPr lang="en-US" b="0" baseline="0" dirty="0"/>
-              <a:t> by </a:t>
-            </a:r>
-            <a:r>
-              <a:rPr lang="en-US" b="0" baseline="0" dirty="0" err="1"/>
-              <a:t>ListView</a:t>
-            </a:r>
-            <a:r>
-              <a:rPr lang="en-US" b="0" baseline="0" dirty="0"/>
-              <a:t> and </a:t>
-            </a:r>
-            <a:r>
-              <a:rPr lang="en-US" b="0" baseline="0" dirty="0" err="1"/>
-              <a:t>TableView</a:t>
-            </a:r>
-            <a:r>
-              <a:rPr lang="en-US" b="0" baseline="0" dirty="0"/>
-              <a:t> Controls</a:t>
-            </a:r>
-            <a:endParaRPr lang="en-US" b="0" dirty="0"/>
-          </a:p>
-          <a:p>
-            <a:pPr marL="171450" indent="-171450">
-              <a:buFont typeface="Arial" panose="020B0604020202020204" pitchFamily="34" charset="0"/>
-              <a:buChar char="•"/>
-            </a:pPr>
-            <a:r>
-              <a:rPr lang="en-US" dirty="0" err="1"/>
-              <a:t>ListViews</a:t>
-            </a:r>
-            <a:r>
-              <a:rPr lang="en-US" dirty="0"/>
-              <a:t> are used to</a:t>
-            </a:r>
-            <a:r>
-              <a:rPr lang="en-US" baseline="0" dirty="0"/>
-              <a:t> display lists of things. Maybe titles or names of items. They frequently are then clicked on to display a child page with all the fine details of the item displayed in a subpage</a:t>
-            </a:r>
-          </a:p>
-          <a:p>
-            <a:pPr marL="171450" indent="-171450">
-              <a:buFont typeface="Arial" panose="020B0604020202020204" pitchFamily="34" charset="0"/>
-              <a:buChar char="•"/>
-            </a:pPr>
-            <a:r>
-              <a:rPr lang="en-US" baseline="0" dirty="0" err="1"/>
-              <a:t>TableViews</a:t>
-            </a:r>
-            <a:r>
-              <a:rPr lang="en-US" baseline="0" dirty="0"/>
-              <a:t> are similar to </a:t>
-            </a:r>
-            <a:r>
-              <a:rPr lang="en-US" baseline="0" dirty="0" err="1"/>
-              <a:t>ListViews</a:t>
-            </a:r>
-            <a:r>
-              <a:rPr lang="en-US" baseline="0" dirty="0"/>
-              <a:t>, but frequently don’t have the same template for each item and have to have their child items added manually instead of just setting the </a:t>
-            </a:r>
-            <a:r>
-              <a:rPr lang="en-US" baseline="0" dirty="0" err="1"/>
-              <a:t>ItemsSource</a:t>
-            </a:r>
-            <a:r>
-              <a:rPr lang="en-US" baseline="0" dirty="0"/>
-              <a:t> property, as one can do in a </a:t>
-            </a:r>
-            <a:r>
-              <a:rPr lang="en-US" baseline="0" dirty="0" err="1"/>
-              <a:t>ListView</a:t>
-            </a:r>
-            <a:endParaRPr lang="en-US" baseline="0" dirty="0"/>
-          </a:p>
-          <a:p>
-            <a:pPr marL="171450" indent="-171450">
-              <a:buFont typeface="Arial" panose="020B0604020202020204" pitchFamily="34" charset="0"/>
-              <a:buChar char="•"/>
-            </a:pPr>
-            <a:endParaRPr lang="en-US" baseline="0" dirty="0"/>
-          </a:p>
-          <a:p>
-            <a:pPr marL="0" indent="0">
-              <a:buFont typeface="Arial" panose="020B0604020202020204" pitchFamily="34" charset="0"/>
-              <a:buNone/>
-            </a:pPr>
-            <a:r>
-              <a:rPr lang="en-US" b="1" baseline="0" dirty="0"/>
-              <a:t>References:</a:t>
-            </a:r>
-          </a:p>
-          <a:p>
-            <a:pPr marL="171450" marR="0" indent="-171450" algn="l" defTabSz="914400" rtl="0" eaLnBrk="1" fontAlgn="auto" latinLnBrk="0" hangingPunct="1">
-              <a:lnSpc>
-                <a:spcPct val="100000"/>
-              </a:lnSpc>
-              <a:spcBef>
-                <a:spcPts val="0"/>
-              </a:spcBef>
-              <a:spcAft>
-                <a:spcPts val="0"/>
-              </a:spcAft>
-              <a:buClrTx/>
-              <a:buSzTx/>
-              <a:buFont typeface="Arial" panose="020B0604020202020204" pitchFamily="34" charset="0"/>
-              <a:buChar char="•"/>
-              <a:tabLst/>
-              <a:defRPr/>
-            </a:pPr>
-            <a:r>
-              <a:rPr lang="en-US" baseline="0" dirty="0" err="1"/>
-              <a:t>ListView</a:t>
-            </a:r>
-            <a:r>
-              <a:rPr lang="en-US" baseline="0" dirty="0"/>
-              <a:t> reference: https://</a:t>
-            </a:r>
-            <a:r>
-              <a:rPr lang="en-US" baseline="0" dirty="0" err="1"/>
-              <a:t>developer.xamarin.com</a:t>
-            </a:r>
-            <a:r>
-              <a:rPr lang="en-US" baseline="0" dirty="0"/>
-              <a:t>/guides/</a:t>
-            </a:r>
-            <a:r>
-              <a:rPr lang="en-US" baseline="0" dirty="0" err="1"/>
-              <a:t>xamarin</a:t>
-            </a:r>
-            <a:r>
-              <a:rPr lang="en-US" baseline="0" dirty="0"/>
-              <a:t>-forms/user-interface/</a:t>
-            </a:r>
-            <a:r>
-              <a:rPr lang="en-US" baseline="0" dirty="0" err="1"/>
-              <a:t>listview</a:t>
-            </a:r>
-            <a:r>
-              <a:rPr lang="en-US" baseline="0" dirty="0"/>
-              <a:t>/</a:t>
-            </a:r>
-          </a:p>
-          <a:p>
-            <a:pPr marL="171450" indent="-171450">
-              <a:buFont typeface="Arial" panose="020B0604020202020204" pitchFamily="34" charset="0"/>
-              <a:buChar char="•"/>
-            </a:pPr>
-            <a:r>
-              <a:rPr lang="en-US" baseline="0" dirty="0" err="1"/>
-              <a:t>TableView</a:t>
-            </a:r>
-            <a:r>
-              <a:rPr lang="en-US" baseline="0" dirty="0"/>
-              <a:t> reference: https://developer.xamarin.com/guides/xamarin-forms/user-interface/tableview/</a:t>
-            </a:r>
+              <a:rPr lang="en-US" sz="1200" b="0" i="0" u="none" strike="noStrike" kern="1200" baseline="0" dirty="0" smtClean="0">
+                <a:solidFill>
+                  <a:schemeClr val="tx1"/>
+                </a:solidFill>
+                <a:latin typeface="+mn-lt"/>
+                <a:ea typeface="+mn-ea"/>
+                <a:cs typeface="+mn-cs"/>
+              </a:rPr>
+              <a:t>When </a:t>
+            </a:r>
+            <a:r>
+              <a:rPr lang="en-US" sz="1200" b="0" i="0" u="none" strike="noStrike" kern="1200" baseline="0" dirty="0">
+                <a:solidFill>
+                  <a:schemeClr val="tx1"/>
+                </a:solidFill>
+                <a:latin typeface="+mn-lt"/>
+                <a:ea typeface="+mn-ea"/>
+                <a:cs typeface="+mn-cs"/>
+              </a:rPr>
+              <a:t>handling the item selection, remember to use the data model.</a:t>
+            </a:r>
+            <a:endParaRPr lang="en-US" dirty="0"/>
           </a:p>
         </p:txBody>
       </p:sp>
@@ -3999,7 +3908,7 @@
           <a:p>
             <a:fld id="{01283FAC-A721-45A3-BBDE-EAF2B09B7CD9}" type="slidenum">
               <a:rPr lang="en-US" smtClean="0"/>
-              <a:t>26</a:t>
+              <a:t>25</a:t>
             </a:fld>
             <a:endParaRPr lang="en-US"/>
           </a:p>
@@ -4008,7 +3917,7 @@
     </p:spTree>
     <p:extLst>
       <p:ext uri="{BB962C8B-B14F-4D97-AF65-F5344CB8AC3E}">
-        <p14:creationId xmlns:p14="http://schemas.microsoft.com/office/powerpoint/2010/main" val="3997459711"/>
+        <p14:creationId xmlns:p14="http://schemas.microsoft.com/office/powerpoint/2010/main" val="2963975731"/>
       </p:ext>
     </p:extLst>
   </p:cSld>
@@ -4063,18 +3972,11 @@
           <a:lstStyle/>
           <a:p>
             <a:pPr marL="0" indent="0">
-              <a:buFont typeface="Arial"/>
+              <a:buFont typeface="Arial" panose="020B0604020202020204" pitchFamily="34" charset="0"/>
               <a:buNone/>
             </a:pPr>
             <a:r>
-              <a:rPr lang="en-US" sz="1200" b="1" i="0" u="none" strike="noStrike" kern="1200" baseline="0" dirty="0" smtClean="0">
-                <a:solidFill>
-                  <a:schemeClr val="tx1"/>
-                </a:solidFill>
-                <a:latin typeface="+mn-lt"/>
-                <a:ea typeface="+mn-ea"/>
-                <a:cs typeface="+mn-cs"/>
-              </a:rPr>
+              <a:rPr lang="en-US" b="1" dirty="0"/>
               <a:t>Notes:</a:t>
             </a:r>
           </a:p>
@@ -4084,341 +3986,165 @@
               <a:buChar char="•"/>
             </a:pPr>
             <a:r>
-              <a:rPr lang="en-US" sz="1200" b="0" i="0" u="none" strike="noStrike" kern="1200" baseline="0" dirty="0" smtClean="0">
-                <a:solidFill>
-                  <a:schemeClr val="tx1"/>
-                </a:solidFill>
-                <a:latin typeface="+mn-lt"/>
-                <a:ea typeface="+mn-ea"/>
-                <a:cs typeface="+mn-cs"/>
-              </a:rPr>
-              <a:t>State </a:t>
-            </a:r>
-            <a:r>
-              <a:rPr lang="en-US" sz="1200" b="0" i="0" u="none" strike="noStrike" kern="1200" baseline="0" dirty="0">
-                <a:solidFill>
-                  <a:schemeClr val="tx1"/>
-                </a:solidFill>
-                <a:latin typeface="+mn-lt"/>
-                <a:ea typeface="+mn-ea"/>
-                <a:cs typeface="+mn-cs"/>
-              </a:rPr>
-              <a:t>helps us maintain the illusion of consistency and continuity while the user navigates among screens</a:t>
-            </a:r>
-            <a:r>
-              <a:rPr lang="en-US" sz="1200" b="0" i="0" u="none" strike="noStrike" kern="1200" baseline="0" dirty="0" smtClean="0">
-                <a:solidFill>
-                  <a:schemeClr val="tx1"/>
-                </a:solidFill>
-                <a:latin typeface="+mn-lt"/>
-                <a:ea typeface="+mn-ea"/>
-                <a:cs typeface="+mn-cs"/>
-              </a:rPr>
-              <a:t>, through </a:t>
-            </a:r>
-            <a:r>
-              <a:rPr lang="en-US" sz="1200" b="0" i="0" u="none" strike="noStrike" kern="1200" baseline="0" dirty="0">
-                <a:solidFill>
-                  <a:schemeClr val="tx1"/>
-                </a:solidFill>
-                <a:latin typeface="+mn-lt"/>
-                <a:ea typeface="+mn-ea"/>
-                <a:cs typeface="+mn-cs"/>
-              </a:rPr>
-              <a:t>the sharing of data on those screens. We’re no longer in the world of query strings, cookies, </a:t>
-            </a:r>
-            <a:r>
-              <a:rPr lang="en-US" sz="1200" b="0" i="0" u="none" strike="noStrike" kern="1200" baseline="0" dirty="0" smtClean="0">
-                <a:solidFill>
-                  <a:schemeClr val="tx1"/>
-                </a:solidFill>
-                <a:latin typeface="+mn-lt"/>
-                <a:ea typeface="+mn-ea"/>
-                <a:cs typeface="+mn-cs"/>
-              </a:rPr>
-              <a:t>and Session </a:t>
-            </a:r>
-            <a:r>
-              <a:rPr lang="en-US" sz="1200" b="0" i="0" u="none" strike="noStrike" kern="1200" baseline="0" dirty="0">
-                <a:solidFill>
-                  <a:schemeClr val="tx1"/>
-                </a:solidFill>
-                <a:latin typeface="+mn-lt"/>
-                <a:ea typeface="+mn-ea"/>
-                <a:cs typeface="+mn-cs"/>
-              </a:rPr>
-              <a:t>variables, but we must still maintain state in mobile apps. </a:t>
-            </a:r>
-            <a:endParaRPr lang="en-US" sz="1200" b="0" i="0" u="none" strike="noStrike" kern="1200" baseline="0" dirty="0" smtClean="0">
-              <a:solidFill>
-                <a:schemeClr val="tx1"/>
-              </a:solidFill>
-              <a:latin typeface="+mn-lt"/>
-              <a:ea typeface="+mn-ea"/>
-              <a:cs typeface="+mn-cs"/>
-            </a:endParaRPr>
+              <a:rPr lang="en-US" b="0" dirty="0"/>
+              <a:t>Cells are used</a:t>
+            </a:r>
+            <a:r>
+              <a:rPr lang="en-US" b="0" baseline="0" dirty="0"/>
+              <a:t> by </a:t>
+            </a:r>
+            <a:r>
+              <a:rPr lang="en-US" b="0" baseline="0" dirty="0" err="1"/>
+              <a:t>ListView</a:t>
+            </a:r>
+            <a:r>
+              <a:rPr lang="en-US" b="0" baseline="0" dirty="0"/>
+              <a:t> and </a:t>
+            </a:r>
+            <a:r>
+              <a:rPr lang="en-US" b="0" baseline="0" dirty="0" err="1"/>
+              <a:t>TableView</a:t>
+            </a:r>
+            <a:r>
+              <a:rPr lang="en-US" b="0" baseline="0" dirty="0"/>
+              <a:t> Controls</a:t>
+            </a:r>
+            <a:endParaRPr lang="en-US" b="0" dirty="0"/>
           </a:p>
           <a:p>
             <a:pPr marL="171450" indent="-171450">
-              <a:buFont typeface="Arial"/>
+              <a:buFont typeface="Arial" panose="020B0604020202020204" pitchFamily="34" charset="0"/>
               <a:buChar char="•"/>
             </a:pPr>
             <a:r>
-              <a:rPr lang="en-US" sz="1200" b="0" i="0" u="none" strike="noStrike" kern="1200" baseline="0" dirty="0" smtClean="0">
-                <a:solidFill>
-                  <a:schemeClr val="tx1"/>
-                </a:solidFill>
-                <a:latin typeface="+mn-lt"/>
-                <a:ea typeface="+mn-ea"/>
-                <a:cs typeface="+mn-cs"/>
-              </a:rPr>
-              <a:t>Most </a:t>
-            </a:r>
-            <a:r>
-              <a:rPr lang="en-US" sz="1200" b="0" i="0" u="none" strike="noStrike" kern="1200" baseline="0" dirty="0">
-                <a:solidFill>
-                  <a:schemeClr val="tx1"/>
-                </a:solidFill>
-                <a:latin typeface="+mn-lt"/>
-                <a:ea typeface="+mn-ea"/>
-                <a:cs typeface="+mn-cs"/>
-              </a:rPr>
-              <a:t>variables are scoped to a </a:t>
-            </a:r>
-            <a:r>
-              <a:rPr lang="en-US" sz="1200" b="0" i="0" u="none" strike="noStrike" kern="1200" baseline="0" dirty="0" smtClean="0">
-                <a:solidFill>
-                  <a:schemeClr val="tx1"/>
-                </a:solidFill>
-                <a:latin typeface="+mn-lt"/>
-                <a:ea typeface="+mn-ea"/>
-                <a:cs typeface="+mn-cs"/>
-              </a:rPr>
-              <a:t>particular screen</a:t>
-            </a:r>
-            <a:r>
-              <a:rPr lang="en-US" sz="1200" b="0" i="0" u="none" strike="noStrike" kern="1200" baseline="0" dirty="0">
-                <a:solidFill>
-                  <a:schemeClr val="tx1"/>
-                </a:solidFill>
-                <a:latin typeface="+mn-lt"/>
-                <a:ea typeface="+mn-ea"/>
-                <a:cs typeface="+mn-cs"/>
-              </a:rPr>
-              <a:t>, so state management usually involves the explicit passing of data back and forth between screens.</a:t>
+              <a:rPr lang="en-US" dirty="0" err="1"/>
+              <a:t>ListViews</a:t>
+            </a:r>
+            <a:r>
+              <a:rPr lang="en-US" dirty="0"/>
+              <a:t> are used to</a:t>
+            </a:r>
+            <a:r>
+              <a:rPr lang="en-US" baseline="0" dirty="0"/>
+              <a:t> display lists of things. Maybe titles or names of items. They frequently are then clicked on to display a child page with all the fine details of the item displayed in a subpage</a:t>
             </a:r>
           </a:p>
           <a:p>
             <a:pPr marL="171450" indent="-171450">
-              <a:buFont typeface="Arial"/>
+              <a:buFont typeface="Arial" panose="020B0604020202020204" pitchFamily="34" charset="0"/>
               <a:buChar char="•"/>
             </a:pPr>
             <a:r>
-              <a:rPr lang="en-US" sz="1200" b="0" i="0" u="none" strike="noStrike" kern="1200" baseline="0" dirty="0">
-                <a:solidFill>
-                  <a:schemeClr val="tx1"/>
-                </a:solidFill>
-                <a:latin typeface="+mn-lt"/>
-                <a:ea typeface="+mn-ea"/>
-                <a:cs typeface="+mn-cs"/>
-              </a:rPr>
-              <a:t>Parameter passing between screens is the encouraged method of state management on all mobile platforms</a:t>
-            </a:r>
-            <a:r>
-              <a:rPr lang="en-US" sz="1200" b="0" i="0" u="none" strike="noStrike" kern="1200" baseline="0" dirty="0" smtClean="0">
-                <a:solidFill>
-                  <a:schemeClr val="tx1"/>
-                </a:solidFill>
-                <a:latin typeface="+mn-lt"/>
-                <a:ea typeface="+mn-ea"/>
-                <a:cs typeface="+mn-cs"/>
-              </a:rPr>
-              <a:t>, to </a:t>
-            </a:r>
-            <a:r>
-              <a:rPr lang="en-US" sz="1200" b="0" i="0" u="none" strike="noStrike" kern="1200" baseline="0" dirty="0">
-                <a:solidFill>
-                  <a:schemeClr val="tx1"/>
-                </a:solidFill>
-                <a:latin typeface="+mn-lt"/>
-                <a:ea typeface="+mn-ea"/>
-                <a:cs typeface="+mn-cs"/>
-              </a:rPr>
-              <a:t>minimize the risk of memory abuse and to maximize app performance.</a:t>
-            </a:r>
+              <a:rPr lang="en-US" baseline="0" dirty="0" err="1"/>
+              <a:t>TableViews</a:t>
+            </a:r>
+            <a:r>
+              <a:rPr lang="en-US" baseline="0" dirty="0"/>
+              <a:t> are similar to </a:t>
+            </a:r>
+            <a:r>
+              <a:rPr lang="en-US" baseline="0" dirty="0" err="1"/>
+              <a:t>ListViews</a:t>
+            </a:r>
+            <a:r>
+              <a:rPr lang="en-US" baseline="0" dirty="0"/>
+              <a:t>, but frequently don’t have the same template for each item and have to have their child items added manually instead of just setting the </a:t>
+            </a:r>
+            <a:r>
+              <a:rPr lang="en-US" baseline="0" dirty="0" err="1"/>
+              <a:t>ItemsSource</a:t>
+            </a:r>
+            <a:r>
+              <a:rPr lang="en-US" baseline="0" dirty="0"/>
+              <a:t> property, as one can do in a </a:t>
+            </a:r>
+            <a:r>
+              <a:rPr lang="en-US" baseline="0" dirty="0" err="1"/>
+              <a:t>ListView</a:t>
+            </a:r>
+            <a:endParaRPr lang="en-US" baseline="0" dirty="0"/>
           </a:p>
           <a:p>
             <a:pPr marL="171450" indent="-171450">
-              <a:buFont typeface="Arial"/>
+              <a:buFont typeface="Arial" panose="020B0604020202020204" pitchFamily="34" charset="0"/>
               <a:buChar char="•"/>
             </a:pPr>
-            <a:endParaRPr lang="en-US" sz="1200" b="0" i="0" u="none" strike="noStrike" kern="1200" baseline="0" dirty="0">
-              <a:solidFill>
-                <a:schemeClr val="tx1"/>
-              </a:solidFill>
-              <a:latin typeface="+mn-lt"/>
-              <a:ea typeface="+mn-ea"/>
-              <a:cs typeface="+mn-cs"/>
-            </a:endParaRPr>
+            <a:endParaRPr lang="en-US" baseline="0" dirty="0"/>
+          </a:p>
+          <a:p>
+            <a:pPr marL="0" indent="0">
+              <a:buFont typeface="Arial" panose="020B0604020202020204" pitchFamily="34" charset="0"/>
+              <a:buNone/>
+            </a:pPr>
+            <a:r>
+              <a:rPr lang="en-US" b="1" baseline="0" dirty="0"/>
+              <a:t>References:</a:t>
+            </a:r>
+          </a:p>
+          <a:p>
+            <a:pPr marL="171450" marR="0" indent="-171450" algn="l" defTabSz="914400" rtl="0" eaLnBrk="1" fontAlgn="auto" latinLnBrk="0" hangingPunct="1">
+              <a:lnSpc>
+                <a:spcPct val="100000"/>
+              </a:lnSpc>
+              <a:spcBef>
+                <a:spcPts val="0"/>
+              </a:spcBef>
+              <a:spcAft>
+                <a:spcPts val="0"/>
+              </a:spcAft>
+              <a:buClrTx/>
+              <a:buSzTx/>
+              <a:buFont typeface="Arial" panose="020B0604020202020204" pitchFamily="34" charset="0"/>
+              <a:buChar char="•"/>
+              <a:tabLst/>
+              <a:defRPr/>
+            </a:pPr>
+            <a:r>
+              <a:rPr lang="en-US" baseline="0" dirty="0" err="1"/>
+              <a:t>ListView</a:t>
+            </a:r>
+            <a:r>
+              <a:rPr lang="en-US" baseline="0" dirty="0"/>
+              <a:t> reference: https://</a:t>
+            </a:r>
+            <a:r>
+              <a:rPr lang="en-US" baseline="0" dirty="0" err="1"/>
+              <a:t>developer.xamarin.com</a:t>
+            </a:r>
+            <a:r>
+              <a:rPr lang="en-US" baseline="0" dirty="0"/>
+              <a:t>/guides/</a:t>
+            </a:r>
+            <a:r>
+              <a:rPr lang="en-US" baseline="0" dirty="0" err="1"/>
+              <a:t>xamarin</a:t>
+            </a:r>
+            <a:r>
+              <a:rPr lang="en-US" baseline="0" dirty="0"/>
+              <a:t>-forms/user-interface/</a:t>
+            </a:r>
+            <a:r>
+              <a:rPr lang="en-US" baseline="0" dirty="0" err="1"/>
+              <a:t>listview</a:t>
+            </a:r>
+            <a:r>
+              <a:rPr lang="en-US" baseline="0" dirty="0"/>
+              <a:t>/</a:t>
+            </a:r>
           </a:p>
           <a:p>
             <a:pPr marL="171450" indent="-171450">
-              <a:buFont typeface="Arial"/>
+              <a:buFont typeface="Arial" panose="020B0604020202020204" pitchFamily="34" charset="0"/>
               <a:buChar char="•"/>
             </a:pPr>
             <a:r>
-              <a:rPr lang="en-US" sz="1200" b="0" i="0" u="none" strike="noStrike" kern="1200" baseline="0" dirty="0">
-                <a:solidFill>
-                  <a:schemeClr val="tx1"/>
-                </a:solidFill>
-                <a:latin typeface="+mn-lt"/>
-                <a:ea typeface="+mn-ea"/>
-                <a:cs typeface="+mn-cs"/>
-              </a:rPr>
-              <a:t>Xamarin.Forms allows us to pass parameters into a </a:t>
-            </a:r>
-            <a:r>
-              <a:rPr lang="en-US" sz="1200" b="0" i="0" u="none" strike="noStrike" kern="1200" baseline="0" dirty="0" err="1">
-                <a:solidFill>
-                  <a:schemeClr val="tx1"/>
-                </a:solidFill>
-                <a:latin typeface="+mn-lt"/>
-                <a:ea typeface="+mn-ea"/>
-                <a:cs typeface="+mn-cs"/>
-              </a:rPr>
-              <a:t>ContentPage</a:t>
-            </a:r>
-            <a:r>
-              <a:rPr lang="en-US" sz="1200" b="0" i="0" u="none" strike="noStrike" kern="1200" baseline="0" dirty="0">
-                <a:solidFill>
-                  <a:schemeClr val="tx1"/>
-                </a:solidFill>
-                <a:latin typeface="+mn-lt"/>
-                <a:ea typeface="+mn-ea"/>
-                <a:cs typeface="+mn-cs"/>
-              </a:rPr>
-              <a:t> constructor. </a:t>
-            </a:r>
-          </a:p>
-          <a:p>
-            <a:pPr marL="171450" indent="-171450">
-              <a:buFont typeface="Arial"/>
-              <a:buChar char="•"/>
-            </a:pPr>
-            <a:endParaRPr lang="en-US" sz="1200" b="0" i="0" u="none" strike="noStrike" kern="1200" baseline="0" dirty="0">
-              <a:solidFill>
-                <a:schemeClr val="tx1"/>
-              </a:solidFill>
-              <a:latin typeface="+mn-lt"/>
-              <a:ea typeface="+mn-ea"/>
-              <a:cs typeface="+mn-cs"/>
-            </a:endParaRPr>
-          </a:p>
-          <a:p>
-            <a:pPr marL="171450" indent="-171450">
-              <a:buFont typeface="Arial"/>
-              <a:buChar char="•"/>
-            </a:pPr>
-            <a:r>
-              <a:rPr lang="en-US" sz="1200" b="0" i="0" u="none" strike="noStrike" kern="1200" baseline="0" dirty="0">
-                <a:solidFill>
-                  <a:schemeClr val="tx1"/>
-                </a:solidFill>
-                <a:latin typeface="+mn-lt"/>
-                <a:ea typeface="+mn-ea"/>
-                <a:cs typeface="+mn-cs"/>
-              </a:rPr>
-              <a:t>The static global class is a C# implementation of the Singleton pattern. It is available on all platforms </a:t>
-            </a:r>
-            <a:r>
-              <a:rPr lang="en-US" sz="1200" b="0" i="0" u="none" strike="noStrike" kern="1200" baseline="0" dirty="0" smtClean="0">
-                <a:solidFill>
-                  <a:schemeClr val="tx1"/>
-                </a:solidFill>
-                <a:latin typeface="+mn-lt"/>
-                <a:ea typeface="+mn-ea"/>
-                <a:cs typeface="+mn-cs"/>
-              </a:rPr>
-              <a:t>but must </a:t>
-            </a:r>
-            <a:r>
-              <a:rPr lang="en-US" sz="1200" b="0" i="0" u="none" strike="noStrike" kern="1200" baseline="0" dirty="0">
-                <a:solidFill>
-                  <a:schemeClr val="tx1"/>
-                </a:solidFill>
-                <a:latin typeface="+mn-lt"/>
-                <a:ea typeface="+mn-ea"/>
-                <a:cs typeface="+mn-cs"/>
-              </a:rPr>
-              <a:t>be used with caution; be mindful of mobile-device memory limitations. Disk </a:t>
-            </a:r>
-            <a:r>
-              <a:rPr lang="en-US" sz="1200" b="0" i="0" u="none" strike="noStrike" kern="1200" baseline="0" dirty="0" smtClean="0">
-                <a:solidFill>
-                  <a:schemeClr val="tx1"/>
-                </a:solidFill>
-                <a:latin typeface="+mn-lt"/>
-                <a:ea typeface="+mn-ea"/>
-                <a:cs typeface="+mn-cs"/>
-              </a:rPr>
-              <a:t>persistence </a:t>
-            </a:r>
-            <a:r>
-              <a:rPr lang="en-US" sz="1200" b="0" i="0" u="none" strike="noStrike" kern="1200" baseline="0" dirty="0">
-                <a:solidFill>
-                  <a:schemeClr val="tx1"/>
-                </a:solidFill>
-                <a:latin typeface="+mn-lt"/>
-                <a:ea typeface="+mn-ea"/>
-                <a:cs typeface="+mn-cs"/>
-              </a:rPr>
-              <a:t>is built </a:t>
-            </a:r>
-            <a:r>
-              <a:rPr lang="en-US" sz="1200" b="0" i="0" u="none" strike="noStrike" kern="1200" baseline="0" dirty="0" smtClean="0">
-                <a:solidFill>
-                  <a:schemeClr val="tx1"/>
-                </a:solidFill>
-                <a:latin typeface="+mn-lt"/>
-                <a:ea typeface="+mn-ea"/>
-                <a:cs typeface="+mn-cs"/>
-              </a:rPr>
-              <a:t>into </a:t>
-            </a:r>
-            <a:r>
-              <a:rPr lang="en-US" sz="1200" b="0" i="0" u="none" strike="noStrike" kern="1200" baseline="0" dirty="0" err="1" smtClean="0">
-                <a:solidFill>
-                  <a:schemeClr val="tx1"/>
-                </a:solidFill>
-                <a:latin typeface="+mn-lt"/>
-                <a:ea typeface="+mn-ea"/>
-                <a:cs typeface="+mn-cs"/>
-              </a:rPr>
-              <a:t>Xamarin.Forms</a:t>
-            </a:r>
-            <a:r>
-              <a:rPr lang="en-US" sz="1200" b="0" i="0" u="none" strike="noStrike" kern="1200" baseline="0" dirty="0" smtClean="0">
-                <a:solidFill>
-                  <a:schemeClr val="tx1"/>
-                </a:solidFill>
-                <a:latin typeface="+mn-lt"/>
-                <a:ea typeface="+mn-ea"/>
-                <a:cs typeface="+mn-cs"/>
-              </a:rPr>
-              <a:t> </a:t>
-            </a:r>
-            <a:r>
-              <a:rPr lang="en-US" sz="1200" b="0" i="0" u="none" strike="noStrike" kern="1200" baseline="0" dirty="0">
-                <a:solidFill>
-                  <a:schemeClr val="tx1"/>
-                </a:solidFill>
-                <a:latin typeface="+mn-lt"/>
-                <a:ea typeface="+mn-ea"/>
-                <a:cs typeface="+mn-cs"/>
-              </a:rPr>
-              <a:t>by using the Application objects’ Properties, a dictionary using ID/object pairs.</a:t>
-            </a:r>
-            <a:endParaRPr lang="en-US" dirty="0"/>
+              <a:rPr lang="en-US" baseline="0" dirty="0" err="1"/>
+              <a:t>TableView</a:t>
+            </a:r>
+            <a:r>
+              <a:rPr lang="en-US" baseline="0" dirty="0"/>
+              <a:t> reference: https://developer.xamarin.com/guides/xamarin-forms/user-interface/tableview/</a:t>
+            </a:r>
           </a:p>
         </p:txBody>
       </p:sp>
@@ -4439,7 +4165,7 @@
           <a:p>
             <a:fld id="{01283FAC-A721-45A3-BBDE-EAF2B09B7CD9}" type="slidenum">
               <a:rPr lang="en-US" smtClean="0"/>
-              <a:t>27</a:t>
+              <a:t>26</a:t>
             </a:fld>
             <a:endParaRPr lang="en-US"/>
           </a:p>
@@ -4448,7 +4174,7 @@
     </p:spTree>
     <p:extLst>
       <p:ext uri="{BB962C8B-B14F-4D97-AF65-F5344CB8AC3E}">
-        <p14:creationId xmlns:p14="http://schemas.microsoft.com/office/powerpoint/2010/main" val="894647267"/>
+        <p14:creationId xmlns:p14="http://schemas.microsoft.com/office/powerpoint/2010/main" val="3997459711"/>
       </p:ext>
     </p:extLst>
   </p:cSld>
@@ -4502,6 +4228,446 @@
           <a:bodyPr/>
           <a:lstStyle/>
           <a:p>
+            <a:pPr marL="0" indent="0">
+              <a:buFont typeface="Arial"/>
+              <a:buNone/>
+            </a:pPr>
+            <a:r>
+              <a:rPr lang="en-US" sz="1200" b="1" i="0" u="none" strike="noStrike" kern="1200" baseline="0" dirty="0" smtClean="0">
+                <a:solidFill>
+                  <a:schemeClr val="tx1"/>
+                </a:solidFill>
+                <a:latin typeface="+mn-lt"/>
+                <a:ea typeface="+mn-ea"/>
+                <a:cs typeface="+mn-cs"/>
+              </a:rPr>
+              <a:t>Notes:</a:t>
+            </a:r>
+          </a:p>
+          <a:p>
+            <a:pPr marL="171450" indent="-171450">
+              <a:buFont typeface="Arial"/>
+              <a:buChar char="•"/>
+            </a:pPr>
+            <a:r>
+              <a:rPr lang="en-US" sz="1200" b="0" i="0" u="none" strike="noStrike" kern="1200" baseline="0" dirty="0" smtClean="0">
+                <a:solidFill>
+                  <a:schemeClr val="tx1"/>
+                </a:solidFill>
+                <a:latin typeface="+mn-lt"/>
+                <a:ea typeface="+mn-ea"/>
+                <a:cs typeface="+mn-cs"/>
+              </a:rPr>
+              <a:t>State </a:t>
+            </a:r>
+            <a:r>
+              <a:rPr lang="en-US" sz="1200" b="0" i="0" u="none" strike="noStrike" kern="1200" baseline="0" dirty="0">
+                <a:solidFill>
+                  <a:schemeClr val="tx1"/>
+                </a:solidFill>
+                <a:latin typeface="+mn-lt"/>
+                <a:ea typeface="+mn-ea"/>
+                <a:cs typeface="+mn-cs"/>
+              </a:rPr>
+              <a:t>helps us maintain the illusion of consistency and continuity while the user navigates among screens</a:t>
+            </a:r>
+            <a:r>
+              <a:rPr lang="en-US" sz="1200" b="0" i="0" u="none" strike="noStrike" kern="1200" baseline="0" dirty="0" smtClean="0">
+                <a:solidFill>
+                  <a:schemeClr val="tx1"/>
+                </a:solidFill>
+                <a:latin typeface="+mn-lt"/>
+                <a:ea typeface="+mn-ea"/>
+                <a:cs typeface="+mn-cs"/>
+              </a:rPr>
+              <a:t>, through </a:t>
+            </a:r>
+            <a:r>
+              <a:rPr lang="en-US" sz="1200" b="0" i="0" u="none" strike="noStrike" kern="1200" baseline="0" dirty="0">
+                <a:solidFill>
+                  <a:schemeClr val="tx1"/>
+                </a:solidFill>
+                <a:latin typeface="+mn-lt"/>
+                <a:ea typeface="+mn-ea"/>
+                <a:cs typeface="+mn-cs"/>
+              </a:rPr>
+              <a:t>the sharing of data on those screens. We’re no longer in the world of query strings, cookies, </a:t>
+            </a:r>
+            <a:r>
+              <a:rPr lang="en-US" sz="1200" b="0" i="0" u="none" strike="noStrike" kern="1200" baseline="0" dirty="0" smtClean="0">
+                <a:solidFill>
+                  <a:schemeClr val="tx1"/>
+                </a:solidFill>
+                <a:latin typeface="+mn-lt"/>
+                <a:ea typeface="+mn-ea"/>
+                <a:cs typeface="+mn-cs"/>
+              </a:rPr>
+              <a:t>and Session </a:t>
+            </a:r>
+            <a:r>
+              <a:rPr lang="en-US" sz="1200" b="0" i="0" u="none" strike="noStrike" kern="1200" baseline="0" dirty="0">
+                <a:solidFill>
+                  <a:schemeClr val="tx1"/>
+                </a:solidFill>
+                <a:latin typeface="+mn-lt"/>
+                <a:ea typeface="+mn-ea"/>
+                <a:cs typeface="+mn-cs"/>
+              </a:rPr>
+              <a:t>variables, but we must still maintain state in mobile apps. </a:t>
+            </a:r>
+            <a:endParaRPr lang="en-US" sz="1200" b="0" i="0" u="none" strike="noStrike" kern="1200" baseline="0" dirty="0" smtClean="0">
+              <a:solidFill>
+                <a:schemeClr val="tx1"/>
+              </a:solidFill>
+              <a:latin typeface="+mn-lt"/>
+              <a:ea typeface="+mn-ea"/>
+              <a:cs typeface="+mn-cs"/>
+            </a:endParaRPr>
+          </a:p>
+          <a:p>
+            <a:pPr marL="171450" indent="-171450">
+              <a:buFont typeface="Arial"/>
+              <a:buChar char="•"/>
+            </a:pPr>
+            <a:r>
+              <a:rPr lang="en-US" sz="1200" b="0" i="0" u="none" strike="noStrike" kern="1200" baseline="0" dirty="0" smtClean="0">
+                <a:solidFill>
+                  <a:schemeClr val="tx1"/>
+                </a:solidFill>
+                <a:latin typeface="+mn-lt"/>
+                <a:ea typeface="+mn-ea"/>
+                <a:cs typeface="+mn-cs"/>
+              </a:rPr>
+              <a:t>Most </a:t>
+            </a:r>
+            <a:r>
+              <a:rPr lang="en-US" sz="1200" b="0" i="0" u="none" strike="noStrike" kern="1200" baseline="0" dirty="0">
+                <a:solidFill>
+                  <a:schemeClr val="tx1"/>
+                </a:solidFill>
+                <a:latin typeface="+mn-lt"/>
+                <a:ea typeface="+mn-ea"/>
+                <a:cs typeface="+mn-cs"/>
+              </a:rPr>
+              <a:t>variables are scoped to a </a:t>
+            </a:r>
+            <a:r>
+              <a:rPr lang="en-US" sz="1200" b="0" i="0" u="none" strike="noStrike" kern="1200" baseline="0" dirty="0" smtClean="0">
+                <a:solidFill>
+                  <a:schemeClr val="tx1"/>
+                </a:solidFill>
+                <a:latin typeface="+mn-lt"/>
+                <a:ea typeface="+mn-ea"/>
+                <a:cs typeface="+mn-cs"/>
+              </a:rPr>
+              <a:t>particular screen</a:t>
+            </a:r>
+            <a:r>
+              <a:rPr lang="en-US" sz="1200" b="0" i="0" u="none" strike="noStrike" kern="1200" baseline="0" dirty="0">
+                <a:solidFill>
+                  <a:schemeClr val="tx1"/>
+                </a:solidFill>
+                <a:latin typeface="+mn-lt"/>
+                <a:ea typeface="+mn-ea"/>
+                <a:cs typeface="+mn-cs"/>
+              </a:rPr>
+              <a:t>, so state management usually involves the explicit passing of data back and forth between screens.</a:t>
+            </a:r>
+          </a:p>
+          <a:p>
+            <a:pPr marL="171450" indent="-171450">
+              <a:buFont typeface="Arial"/>
+              <a:buChar char="•"/>
+            </a:pPr>
+            <a:r>
+              <a:rPr lang="en-US" sz="1200" b="0" i="0" u="none" strike="noStrike" kern="1200" baseline="0" dirty="0">
+                <a:solidFill>
+                  <a:schemeClr val="tx1"/>
+                </a:solidFill>
+                <a:latin typeface="+mn-lt"/>
+                <a:ea typeface="+mn-ea"/>
+                <a:cs typeface="+mn-cs"/>
+              </a:rPr>
+              <a:t>Parameter passing between screens is the encouraged method of state management on all mobile platforms</a:t>
+            </a:r>
+            <a:r>
+              <a:rPr lang="en-US" sz="1200" b="0" i="0" u="none" strike="noStrike" kern="1200" baseline="0" dirty="0" smtClean="0">
+                <a:solidFill>
+                  <a:schemeClr val="tx1"/>
+                </a:solidFill>
+                <a:latin typeface="+mn-lt"/>
+                <a:ea typeface="+mn-ea"/>
+                <a:cs typeface="+mn-cs"/>
+              </a:rPr>
+              <a:t>, to </a:t>
+            </a:r>
+            <a:r>
+              <a:rPr lang="en-US" sz="1200" b="0" i="0" u="none" strike="noStrike" kern="1200" baseline="0" dirty="0">
+                <a:solidFill>
+                  <a:schemeClr val="tx1"/>
+                </a:solidFill>
+                <a:latin typeface="+mn-lt"/>
+                <a:ea typeface="+mn-ea"/>
+                <a:cs typeface="+mn-cs"/>
+              </a:rPr>
+              <a:t>minimize the risk of memory abuse and to maximize app performance.</a:t>
+            </a:r>
+          </a:p>
+          <a:p>
+            <a:pPr marL="171450" indent="-171450">
+              <a:buFont typeface="Arial"/>
+              <a:buChar char="•"/>
+            </a:pPr>
+            <a:endParaRPr lang="en-US" sz="1200" b="0" i="0" u="none" strike="noStrike" kern="1200" baseline="0" dirty="0">
+              <a:solidFill>
+                <a:schemeClr val="tx1"/>
+              </a:solidFill>
+              <a:latin typeface="+mn-lt"/>
+              <a:ea typeface="+mn-ea"/>
+              <a:cs typeface="+mn-cs"/>
+            </a:endParaRPr>
+          </a:p>
+          <a:p>
+            <a:pPr marL="171450" indent="-171450">
+              <a:buFont typeface="Arial"/>
+              <a:buChar char="•"/>
+            </a:pPr>
+            <a:r>
+              <a:rPr lang="en-US" sz="1200" b="0" i="0" u="none" strike="noStrike" kern="1200" baseline="0" dirty="0">
+                <a:solidFill>
+                  <a:schemeClr val="tx1"/>
+                </a:solidFill>
+                <a:latin typeface="+mn-lt"/>
+                <a:ea typeface="+mn-ea"/>
+                <a:cs typeface="+mn-cs"/>
+              </a:rPr>
+              <a:t>Xamarin.Forms allows us to pass parameters into a </a:t>
+            </a:r>
+            <a:r>
+              <a:rPr lang="en-US" sz="1200" b="0" i="0" u="none" strike="noStrike" kern="1200" baseline="0" dirty="0" err="1">
+                <a:solidFill>
+                  <a:schemeClr val="tx1"/>
+                </a:solidFill>
+                <a:latin typeface="+mn-lt"/>
+                <a:ea typeface="+mn-ea"/>
+                <a:cs typeface="+mn-cs"/>
+              </a:rPr>
+              <a:t>ContentPage</a:t>
+            </a:r>
+            <a:r>
+              <a:rPr lang="en-US" sz="1200" b="0" i="0" u="none" strike="noStrike" kern="1200" baseline="0" dirty="0">
+                <a:solidFill>
+                  <a:schemeClr val="tx1"/>
+                </a:solidFill>
+                <a:latin typeface="+mn-lt"/>
+                <a:ea typeface="+mn-ea"/>
+                <a:cs typeface="+mn-cs"/>
+              </a:rPr>
+              <a:t> constructor. </a:t>
+            </a:r>
+          </a:p>
+          <a:p>
+            <a:pPr marL="171450" indent="-171450">
+              <a:buFont typeface="Arial"/>
+              <a:buChar char="•"/>
+            </a:pPr>
+            <a:endParaRPr lang="en-US" sz="1200" b="0" i="0" u="none" strike="noStrike" kern="1200" baseline="0" dirty="0">
+              <a:solidFill>
+                <a:schemeClr val="tx1"/>
+              </a:solidFill>
+              <a:latin typeface="+mn-lt"/>
+              <a:ea typeface="+mn-ea"/>
+              <a:cs typeface="+mn-cs"/>
+            </a:endParaRPr>
+          </a:p>
+          <a:p>
+            <a:pPr marL="171450" indent="-171450">
+              <a:buFont typeface="Arial"/>
+              <a:buChar char="•"/>
+            </a:pPr>
+            <a:r>
+              <a:rPr lang="en-US" sz="1200" b="0" i="0" u="none" strike="noStrike" kern="1200" baseline="0" dirty="0">
+                <a:solidFill>
+                  <a:schemeClr val="tx1"/>
+                </a:solidFill>
+                <a:latin typeface="+mn-lt"/>
+                <a:ea typeface="+mn-ea"/>
+                <a:cs typeface="+mn-cs"/>
+              </a:rPr>
+              <a:t>The static global class is a C# implementation of the Singleton pattern. It is available on all platforms </a:t>
+            </a:r>
+            <a:r>
+              <a:rPr lang="en-US" sz="1200" b="0" i="0" u="none" strike="noStrike" kern="1200" baseline="0" dirty="0" smtClean="0">
+                <a:solidFill>
+                  <a:schemeClr val="tx1"/>
+                </a:solidFill>
+                <a:latin typeface="+mn-lt"/>
+                <a:ea typeface="+mn-ea"/>
+                <a:cs typeface="+mn-cs"/>
+              </a:rPr>
+              <a:t>but must </a:t>
+            </a:r>
+            <a:r>
+              <a:rPr lang="en-US" sz="1200" b="0" i="0" u="none" strike="noStrike" kern="1200" baseline="0" dirty="0">
+                <a:solidFill>
+                  <a:schemeClr val="tx1"/>
+                </a:solidFill>
+                <a:latin typeface="+mn-lt"/>
+                <a:ea typeface="+mn-ea"/>
+                <a:cs typeface="+mn-cs"/>
+              </a:rPr>
+              <a:t>be used with caution; be mindful of mobile-device memory limitations. Disk </a:t>
+            </a:r>
+            <a:r>
+              <a:rPr lang="en-US" sz="1200" b="0" i="0" u="none" strike="noStrike" kern="1200" baseline="0" dirty="0" smtClean="0">
+                <a:solidFill>
+                  <a:schemeClr val="tx1"/>
+                </a:solidFill>
+                <a:latin typeface="+mn-lt"/>
+                <a:ea typeface="+mn-ea"/>
+                <a:cs typeface="+mn-cs"/>
+              </a:rPr>
+              <a:t>persistence </a:t>
+            </a:r>
+            <a:r>
+              <a:rPr lang="en-US" sz="1200" b="0" i="0" u="none" strike="noStrike" kern="1200" baseline="0" dirty="0">
+                <a:solidFill>
+                  <a:schemeClr val="tx1"/>
+                </a:solidFill>
+                <a:latin typeface="+mn-lt"/>
+                <a:ea typeface="+mn-ea"/>
+                <a:cs typeface="+mn-cs"/>
+              </a:rPr>
+              <a:t>is built </a:t>
+            </a:r>
+            <a:r>
+              <a:rPr lang="en-US" sz="1200" b="0" i="0" u="none" strike="noStrike" kern="1200" baseline="0" dirty="0" smtClean="0">
+                <a:solidFill>
+                  <a:schemeClr val="tx1"/>
+                </a:solidFill>
+                <a:latin typeface="+mn-lt"/>
+                <a:ea typeface="+mn-ea"/>
+                <a:cs typeface="+mn-cs"/>
+              </a:rPr>
+              <a:t>into </a:t>
+            </a:r>
+            <a:r>
+              <a:rPr lang="en-US" sz="1200" b="0" i="0" u="none" strike="noStrike" kern="1200" baseline="0" dirty="0" err="1" smtClean="0">
+                <a:solidFill>
+                  <a:schemeClr val="tx1"/>
+                </a:solidFill>
+                <a:latin typeface="+mn-lt"/>
+                <a:ea typeface="+mn-ea"/>
+                <a:cs typeface="+mn-cs"/>
+              </a:rPr>
+              <a:t>Xamarin.Forms</a:t>
+            </a:r>
+            <a:r>
+              <a:rPr lang="en-US" sz="1200" b="0" i="0" u="none" strike="noStrike" kern="1200" baseline="0" dirty="0" smtClean="0">
+                <a:solidFill>
+                  <a:schemeClr val="tx1"/>
+                </a:solidFill>
+                <a:latin typeface="+mn-lt"/>
+                <a:ea typeface="+mn-ea"/>
+                <a:cs typeface="+mn-cs"/>
+              </a:rPr>
+              <a:t> </a:t>
+            </a:r>
+            <a:r>
+              <a:rPr lang="en-US" sz="1200" b="0" i="0" u="none" strike="noStrike" kern="1200" baseline="0" dirty="0">
+                <a:solidFill>
+                  <a:schemeClr val="tx1"/>
+                </a:solidFill>
+                <a:latin typeface="+mn-lt"/>
+                <a:ea typeface="+mn-ea"/>
+                <a:cs typeface="+mn-cs"/>
+              </a:rPr>
+              <a:t>by using the Application objects’ Properties, a dictionary using ID/object pairs.</a:t>
+            </a:r>
+            <a:endParaRPr lang="en-US" dirty="0"/>
+          </a:p>
+        </p:txBody>
+      </p:sp>
+      <p:sp>
+        <p:nvSpPr>
+          <p:cNvPr id="4" name="Slide Number Placeholder 3"/>
+          <p:cNvSpPr>
+            <a:spLocks noGrp="1"/>
+          </p:cNvSpPr>
+          <p:nvPr>
+            <p:ph type="sldNum" sz="quarter" idx="10"/>
+          </p:nvPr>
+        </p:nvSpPr>
+        <p:spPr/>
+        <p:txBody>
+          <a:bodyPr/>
+          <a:lstStyle/>
+          <a:p>
+            <a:fld id="{01283FAC-A721-45A3-BBDE-EAF2B09B7CD9}" type="slidenum">
+              <a:rPr lang="en-US" smtClean="0"/>
+              <a:t>27</a:t>
+            </a:fld>
+            <a:endParaRPr lang="en-US"/>
+          </a:p>
+        </p:txBody>
+      </p:sp>
+    </p:spTree>
+    <p:extLst>
+      <p:ext uri="{BB962C8B-B14F-4D97-AF65-F5344CB8AC3E}">
+        <p14:creationId xmlns:p14="http://schemas.microsoft.com/office/powerpoint/2010/main" val="894647267"/>
+      </p:ext>
+    </p:extLst>
+  </p:cSld>
+  <p:clrMapOvr>
+    <a:masterClrMapping/>
+  </p:clrMapOvr>
+</p:notes>
+</file>
+
+<file path=ppt/notesSlides/notesSlide24.xml><?xml version="1.0" encoding="utf-8"?>
+<p:notes xmlns:a="http://schemas.openxmlformats.org/drawingml/2006/main" xmlns:r="http://schemas.openxmlformats.org/officeDocument/2006/relationships" xmlns:p="http://schemas.openxmlformats.org/presentationml/2006/main">
+  <p:cSld>
+    <p:spTree>
+      <p:nvGrpSpPr>
+        <p:cNvPr id="1" name=""/>
+        <p:cNvGrpSpPr/>
+        <p:nvPr/>
+      </p:nvGrpSpPr>
+      <p:grpSpPr>
+        <a:xfrm>
+          <a:off x="0" y="0"/>
+          <a:ext cx="0" cy="0"/>
+          <a:chOff x="0" y="0"/>
+          <a:chExt cx="0" cy="0"/>
+        </a:xfrm>
+      </p:grpSpPr>
+      <p:sp>
+        <p:nvSpPr>
+          <p:cNvPr id="2" name="Slide Image Placeholder 1"/>
+          <p:cNvSpPr>
+            <a:spLocks noGrp="1" noRot="1" noChangeAspect="1"/>
+          </p:cNvSpPr>
+          <p:nvPr>
+            <p:ph type="sldImg"/>
+          </p:nvPr>
+        </p:nvSpPr>
+        <p:spPr/>
+      </p:sp>
+      <p:sp>
+        <p:nvSpPr>
+          <p:cNvPr id="3" name="Notes Placeholder 2"/>
+          <p:cNvSpPr>
+            <a:spLocks noGrp="1"/>
+          </p:cNvSpPr>
+          <p:nvPr>
+            <p:ph type="body" idx="1"/>
+          </p:nvPr>
+        </p:nvSpPr>
+        <p:spPr/>
+        <p:txBody>
+          <a:bodyPr/>
+          <a:lstStyle/>
+          <a:p>
             <a:pPr marL="171450" marR="0" lvl="0" indent="-171450" algn="l" defTabSz="914400" rtl="0" eaLnBrk="1" fontAlgn="auto" latinLnBrk="0" hangingPunct="1">
               <a:lnSpc>
                 <a:spcPct val="100000"/>
@@ -4602,7 +4768,7 @@
 </p:notes>
 </file>
 
-<file path=ppt/notesSlides/notesSlide24.xml><?xml version="1.0" encoding="utf-8"?>
+<file path=ppt/notesSlides/notesSlide25.xml><?xml version="1.0" encoding="utf-8"?>
 <p:notes xmlns:a="http://schemas.openxmlformats.org/drawingml/2006/main" xmlns:r="http://schemas.openxmlformats.org/officeDocument/2006/relationships" xmlns:p="http://schemas.openxmlformats.org/presentationml/2006/main">
   <p:cSld>
     <p:spTree>
@@ -4798,50 +4964,126 @@
           <a:lstStyle/>
           <a:p>
             <a:pPr marL="0" indent="0">
-              <a:buFont typeface="Arial"/>
+              <a:buFont typeface="Arial" panose="020B0604020202020204" pitchFamily="34" charset="0"/>
               <a:buNone/>
             </a:pPr>
             <a:r>
-              <a:rPr lang="en-US" b="1" dirty="0" smtClean="0"/>
+              <a:rPr lang="en-US" b="1" baseline="0" dirty="0"/>
               <a:t>Notes:</a:t>
             </a:r>
           </a:p>
           <a:p>
             <a:pPr marL="171450" indent="-171450">
-              <a:buFont typeface="Arial"/>
+              <a:buFont typeface="Arial" panose="020B0604020202020204" pitchFamily="34" charset="0"/>
               <a:buChar char="•"/>
             </a:pPr>
             <a:r>
-              <a:rPr lang="en-US" dirty="0" smtClean="0"/>
-              <a:t>Cross</a:t>
-            </a:r>
-            <a:r>
-              <a:rPr lang="en-US" dirty="0"/>
-              <a:t>-platform</a:t>
-            </a:r>
-            <a:r>
               <a:rPr lang="en-US" baseline="0" dirty="0"/>
-              <a:t> terms attributed in part to in part to Adam Kemp’s blog post, </a:t>
-            </a:r>
-            <a:r>
-              <a:rPr lang="en-US" b="0" dirty="0"/>
-              <a:t>Navigation in Xamarin.Forms , and Mobile Design Pattern</a:t>
-            </a:r>
-            <a:r>
-              <a:rPr lang="en-US" b="0" baseline="0" dirty="0"/>
-              <a:t> Gallery by Theresa Neil</a:t>
+              <a:t>Navigation object has other methods, like </a:t>
+            </a:r>
+            <a:r>
+              <a:rPr lang="en-US" baseline="0" dirty="0" err="1"/>
+              <a:t>PopToRootAsync</a:t>
+            </a:r>
+            <a:r>
+              <a:rPr lang="en-US" baseline="0" dirty="0"/>
+              <a:t>, which will wipe the navigation stack and return to the original Page</a:t>
             </a:r>
           </a:p>
           <a:p>
             <a:pPr marL="171450" indent="-171450">
-              <a:buFont typeface="Arial"/>
+              <a:buFont typeface="Arial" panose="020B0604020202020204" pitchFamily="34" charset="0"/>
               <a:buChar char="•"/>
             </a:pPr>
             <a:r>
-              <a:rPr lang="en-US" b="0" baseline="0" dirty="0"/>
-              <a:t>Navigation Drawer (a left-to-right sliding menu usually triggered by the hamburger icon in the upper left hand part of the screen) is a common pattern but not covered in this lesson.</a:t>
-            </a:r>
-            <a:endParaRPr lang="en-US" b="0" dirty="0"/>
+              <a:rPr lang="en-US" baseline="0" dirty="0"/>
+              <a:t>There are other methods to manipulate the stack, like </a:t>
+            </a:r>
+            <a:r>
+              <a:rPr lang="en-US" baseline="0" dirty="0" err="1"/>
+              <a:t>RemovePage</a:t>
+            </a:r>
+            <a:r>
+              <a:rPr lang="en-US" baseline="0" dirty="0"/>
+              <a:t>, which will remove a Page from the navigation stack, or </a:t>
+            </a:r>
+            <a:r>
+              <a:rPr lang="en-US" baseline="0" dirty="0" err="1"/>
+              <a:t>InsertPageBefore</a:t>
+            </a:r>
+            <a:r>
+              <a:rPr lang="en-US" baseline="0" dirty="0"/>
+              <a:t>, which will place a Page into the navigation stack</a:t>
+            </a:r>
+          </a:p>
+          <a:p>
+            <a:pPr marL="171450" indent="-171450">
+              <a:buFont typeface="Arial" panose="020B0604020202020204" pitchFamily="34" charset="0"/>
+              <a:buChar char="•"/>
+            </a:pPr>
+            <a:r>
+              <a:rPr lang="en-US" baseline="0" dirty="0"/>
+              <a:t>There are also properties on the Navigation object. Two to note are </a:t>
+            </a:r>
+            <a:r>
+              <a:rPr lang="en-US" baseline="0" dirty="0" err="1"/>
+              <a:t>ModalStack</a:t>
+            </a:r>
+            <a:r>
+              <a:rPr lang="en-US" baseline="0" dirty="0"/>
+              <a:t> and </a:t>
+            </a:r>
+            <a:r>
+              <a:rPr lang="en-US" baseline="0" dirty="0" err="1"/>
+              <a:t>NavigationStack</a:t>
+            </a:r>
+            <a:r>
+              <a:rPr lang="en-US" baseline="0" dirty="0"/>
+              <a:t>. These two properties return a collection of modal dialog Pages that have been added to the Navigation’s modal stack via </a:t>
+            </a:r>
+            <a:r>
+              <a:rPr lang="en-US" baseline="0" dirty="0" err="1"/>
+              <a:t>PushModalAsync</a:t>
+            </a:r>
+            <a:r>
+              <a:rPr lang="en-US" baseline="0" dirty="0"/>
+              <a:t> and a collection of Pages that have been added to the Navigation’s Page stack via </a:t>
+            </a:r>
+            <a:r>
+              <a:rPr lang="en-US" baseline="0" dirty="0" err="1"/>
+              <a:t>PushAsync</a:t>
+            </a:r>
+            <a:r>
+              <a:rPr lang="en-US" baseline="0" dirty="0"/>
+              <a:t>, respectively</a:t>
+            </a:r>
+          </a:p>
+          <a:p>
+            <a:pPr marL="171450" indent="-171450">
+              <a:buFont typeface="Arial" panose="020B0604020202020204" pitchFamily="34" charset="0"/>
+              <a:buChar char="•"/>
+            </a:pPr>
+            <a:endParaRPr lang="en-US" baseline="0" dirty="0"/>
+          </a:p>
+          <a:p>
+            <a:pPr marL="0" indent="0">
+              <a:buFont typeface="Arial" panose="020B0604020202020204" pitchFamily="34" charset="0"/>
+              <a:buNone/>
+            </a:pPr>
+            <a:r>
+              <a:rPr lang="en-US" b="1" baseline="0" dirty="0"/>
+              <a:t>References:</a:t>
+            </a:r>
+          </a:p>
+          <a:p>
+            <a:pPr marL="171450" indent="-171450">
+              <a:buFont typeface="Arial" panose="020B0604020202020204" pitchFamily="34" charset="0"/>
+              <a:buChar char="•"/>
+            </a:pPr>
+            <a:r>
+              <a:rPr lang="en-US" baseline="0" dirty="0"/>
+              <a:t>More information on Navigation: https://developer.xamarin.com/guides/xamarin-forms/getting-started/introduction-to-xamarin-forms/#Navigation</a:t>
+            </a:r>
           </a:p>
         </p:txBody>
       </p:sp>
@@ -4860,15 +5102,9 @@
           <a:bodyPr/>
           <a:lstStyle/>
           <a:p>
-            <a:pPr>
-              <a:defRPr/>
-            </a:pPr>
-            <a:fld id="{BA98A86F-EB23-4656-9EE3-F488F6F23FB7}" type="slidenum">
+            <a:fld id="{01283FAC-A721-45A3-BBDE-EAF2B09B7CD9}" type="slidenum">
               <a:rPr lang="en-US" smtClean="0"/>
-              <a:pPr>
-                <a:defRPr/>
-              </a:pPr>
-              <a:t>6</a:t>
+              <a:t>5</a:t>
             </a:fld>
             <a:endParaRPr lang="en-US"/>
           </a:p>
@@ -4877,7 +5113,7 @@
     </p:spTree>
     <p:extLst>
       <p:ext uri="{BB962C8B-B14F-4D97-AF65-F5344CB8AC3E}">
-        <p14:creationId xmlns:p14="http://schemas.microsoft.com/office/powerpoint/2010/main" val="4098683888"/>
+        <p14:creationId xmlns:p14="http://schemas.microsoft.com/office/powerpoint/2010/main" val="2742082707"/>
       </p:ext>
     </p:extLst>
   </p:cSld>
@@ -4931,102 +5167,51 @@
           <a:bodyPr/>
           <a:lstStyle/>
           <a:p>
-            <a:r>
-              <a:rPr lang="en-US" sz="1200" b="1" dirty="0" smtClean="0"/>
-              <a:t>References:</a:t>
-            </a:r>
-          </a:p>
-          <a:p>
-            <a:pPr marL="171450" marR="0" lvl="0" indent="-171450" algn="l" defTabSz="914400" rtl="0" eaLnBrk="1" fontAlgn="auto" latinLnBrk="0" hangingPunct="1">
-              <a:lnSpc>
-                <a:spcPct val="100000"/>
-              </a:lnSpc>
-              <a:spcBef>
-                <a:spcPts val="0"/>
-              </a:spcBef>
-              <a:spcAft>
-                <a:spcPts val="0"/>
-              </a:spcAft>
-              <a:buClrTx/>
-              <a:buSzTx/>
-              <a:buFont typeface="Arial"/>
-              <a:buChar char="•"/>
-              <a:tabLst/>
-              <a:defRPr/>
-            </a:pPr>
-            <a:r>
-              <a:rPr lang="en-US" sz="1200" b="0" i="0" u="none" strike="noStrike" kern="1200" baseline="0" dirty="0" smtClean="0">
-                <a:solidFill>
-                  <a:schemeClr val="tx1"/>
-                </a:solidFill>
-                <a:latin typeface="+mn-lt"/>
-                <a:ea typeface="+mn-ea"/>
-                <a:cs typeface="+mn-cs"/>
-              </a:rPr>
-              <a:t>Images from </a:t>
-            </a:r>
-            <a:r>
-              <a:rPr lang="en-US" sz="1200" b="0" i="1" u="none" strike="noStrike" kern="1200" baseline="0" dirty="0" err="1" smtClean="0">
-                <a:solidFill>
-                  <a:schemeClr val="tx1"/>
-                </a:solidFill>
-                <a:latin typeface="+mn-lt"/>
-                <a:ea typeface="+mn-ea"/>
-                <a:cs typeface="+mn-cs"/>
-              </a:rPr>
-              <a:t>Xamarin</a:t>
-            </a:r>
-            <a:r>
-              <a:rPr lang="en-US" sz="1200" b="0" i="1" u="none" strike="noStrike" kern="1200" baseline="0" dirty="0" smtClean="0">
-                <a:solidFill>
-                  <a:schemeClr val="tx1"/>
-                </a:solidFill>
-                <a:latin typeface="+mn-lt"/>
-                <a:ea typeface="+mn-ea"/>
-                <a:cs typeface="+mn-cs"/>
-              </a:rPr>
-              <a:t> Mobile Application Development </a:t>
-            </a:r>
-            <a:r>
-              <a:rPr lang="en-US" sz="1200" b="0" i="0" u="none" strike="noStrike" kern="1200" baseline="0" dirty="0" smtClean="0">
-                <a:solidFill>
-                  <a:schemeClr val="tx1"/>
-                </a:solidFill>
-                <a:latin typeface="+mn-lt"/>
-                <a:ea typeface="+mn-ea"/>
-                <a:cs typeface="+mn-cs"/>
-              </a:rPr>
-              <a:t>by Dan Hermes  http://</a:t>
-            </a:r>
-            <a:r>
-              <a:rPr lang="en-US" sz="1200" b="0" i="0" u="none" strike="noStrike" kern="1200" baseline="0" dirty="0" err="1" smtClean="0">
-                <a:solidFill>
-                  <a:schemeClr val="tx1"/>
-                </a:solidFill>
-                <a:latin typeface="+mn-lt"/>
-                <a:ea typeface="+mn-ea"/>
-                <a:cs typeface="+mn-cs"/>
-              </a:rPr>
-              <a:t>amzn.to</a:t>
-            </a:r>
-            <a:r>
-              <a:rPr lang="en-US" sz="1200" b="0" i="0" u="none" strike="noStrike" kern="1200" baseline="0" dirty="0" smtClean="0">
-                <a:solidFill>
-                  <a:schemeClr val="tx1"/>
-                </a:solidFill>
-                <a:latin typeface="+mn-lt"/>
-                <a:ea typeface="+mn-ea"/>
-                <a:cs typeface="+mn-cs"/>
-              </a:rPr>
-              <a:t>/1rowG7K</a:t>
-            </a:r>
-          </a:p>
-          <a:p>
             <a:pPr marL="0" indent="0">
               <a:buFont typeface="Arial"/>
               <a:buNone/>
             </a:pPr>
-            <a:endParaRPr lang="en-US" dirty="0"/>
+            <a:r>
+              <a:rPr lang="en-US" b="1" dirty="0" smtClean="0"/>
+              <a:t>Notes:</a:t>
+            </a:r>
+          </a:p>
+          <a:p>
+            <a:pPr marL="171450" indent="-171450">
+              <a:buFont typeface="Arial"/>
+              <a:buChar char="•"/>
+            </a:pPr>
+            <a:r>
+              <a:rPr lang="en-US" dirty="0" smtClean="0"/>
+              <a:t>Cross</a:t>
+            </a:r>
+            <a:r>
+              <a:rPr lang="en-US" dirty="0"/>
+              <a:t>-platform</a:t>
+            </a:r>
+            <a:r>
+              <a:rPr lang="en-US" baseline="0" dirty="0"/>
+              <a:t> terms attributed in part to in part to Adam Kemp’s blog post, </a:t>
+            </a:r>
+            <a:r>
+              <a:rPr lang="en-US" b="0" dirty="0"/>
+              <a:t>Navigation in Xamarin.Forms , and Mobile Design Pattern</a:t>
+            </a:r>
+            <a:r>
+              <a:rPr lang="en-US" b="0" baseline="0" dirty="0"/>
+              <a:t> Gallery by Theresa Neil</a:t>
+            </a:r>
+          </a:p>
+          <a:p>
+            <a:pPr marL="171450" indent="-171450">
+              <a:buFont typeface="Arial"/>
+              <a:buChar char="•"/>
+            </a:pPr>
+            <a:r>
+              <a:rPr lang="en-US" b="0" baseline="0" dirty="0"/>
+              <a:t>Navigation Drawer (a left-to-right sliding menu usually triggered by the hamburger icon in the upper left hand part of the screen) is a common pattern but not covered in this lesson.</a:t>
+            </a:r>
+            <a:endParaRPr lang="en-US" b="0" dirty="0"/>
           </a:p>
         </p:txBody>
       </p:sp>
@@ -5053,7 +5238,7 @@
               <a:pPr>
                 <a:defRPr/>
               </a:pPr>
-              <a:t>7</a:t>
+              <a:t>6</a:t>
             </a:fld>
             <a:endParaRPr lang="en-US"/>
           </a:p>
@@ -5062,7 +5247,7 @@
     </p:spTree>
     <p:extLst>
       <p:ext uri="{BB962C8B-B14F-4D97-AF65-F5344CB8AC3E}">
-        <p14:creationId xmlns:p14="http://schemas.microsoft.com/office/powerpoint/2010/main" val="3492182738"/>
+        <p14:creationId xmlns:p14="http://schemas.microsoft.com/office/powerpoint/2010/main" val="4098683888"/>
       </p:ext>
     </p:extLst>
   </p:cSld>
@@ -5116,62 +5301,101 @@
           <a:bodyPr/>
           <a:lstStyle/>
           <a:p>
+            <a:r>
+              <a:rPr lang="en-US" sz="1200" b="1" dirty="0" smtClean="0"/>
+              <a:t>References:</a:t>
+            </a:r>
+          </a:p>
+          <a:p>
+            <a:pPr marL="171450" marR="0" lvl="0" indent="-171450" algn="l" defTabSz="914400" rtl="0" eaLnBrk="1" fontAlgn="auto" latinLnBrk="0" hangingPunct="1">
+              <a:lnSpc>
+                <a:spcPct val="100000"/>
+              </a:lnSpc>
+              <a:spcBef>
+                <a:spcPts val="0"/>
+              </a:spcBef>
+              <a:spcAft>
+                <a:spcPts val="0"/>
+              </a:spcAft>
+              <a:buClrTx/>
+              <a:buSzTx/>
+              <a:buFont typeface="Arial"/>
+              <a:buChar char="•"/>
+              <a:tabLst/>
+              <a:defRPr/>
+            </a:pPr>
+            <a:r>
+              <a:rPr lang="en-US" sz="1200" b="0" i="0" u="none" strike="noStrike" kern="1200" baseline="0" dirty="0" smtClean="0">
+                <a:solidFill>
+                  <a:schemeClr val="tx1"/>
+                </a:solidFill>
+                <a:latin typeface="+mn-lt"/>
+                <a:ea typeface="+mn-ea"/>
+                <a:cs typeface="+mn-cs"/>
+              </a:rPr>
+              <a:t>Images from </a:t>
+            </a:r>
+            <a:r>
+              <a:rPr lang="en-US" sz="1200" b="0" i="1" u="none" strike="noStrike" kern="1200" baseline="0" dirty="0" err="1" smtClean="0">
+                <a:solidFill>
+                  <a:schemeClr val="tx1"/>
+                </a:solidFill>
+                <a:latin typeface="+mn-lt"/>
+                <a:ea typeface="+mn-ea"/>
+                <a:cs typeface="+mn-cs"/>
+              </a:rPr>
+              <a:t>Xamarin</a:t>
+            </a:r>
+            <a:r>
+              <a:rPr lang="en-US" sz="1200" b="0" i="1" u="none" strike="noStrike" kern="1200" baseline="0" dirty="0" smtClean="0">
+                <a:solidFill>
+                  <a:schemeClr val="tx1"/>
+                </a:solidFill>
+                <a:latin typeface="+mn-lt"/>
+                <a:ea typeface="+mn-ea"/>
+                <a:cs typeface="+mn-cs"/>
+              </a:rPr>
+              <a:t> Mobile Application Development </a:t>
+            </a:r>
+            <a:r>
+              <a:rPr lang="en-US" sz="1200" b="0" i="0" u="none" strike="noStrike" kern="1200" baseline="0" dirty="0" smtClean="0">
+                <a:solidFill>
+                  <a:schemeClr val="tx1"/>
+                </a:solidFill>
+                <a:latin typeface="+mn-lt"/>
+                <a:ea typeface="+mn-ea"/>
+                <a:cs typeface="+mn-cs"/>
+              </a:rPr>
+              <a:t>by Dan Hermes  http://</a:t>
+            </a:r>
+            <a:r>
+              <a:rPr lang="en-US" sz="1200" b="0" i="0" u="none" strike="noStrike" kern="1200" baseline="0" dirty="0" err="1" smtClean="0">
+                <a:solidFill>
+                  <a:schemeClr val="tx1"/>
+                </a:solidFill>
+                <a:latin typeface="+mn-lt"/>
+                <a:ea typeface="+mn-ea"/>
+                <a:cs typeface="+mn-cs"/>
+              </a:rPr>
+              <a:t>amzn.to</a:t>
+            </a:r>
+            <a:r>
+              <a:rPr lang="en-US" sz="1200" b="0" i="0" u="none" strike="noStrike" kern="1200" baseline="0" dirty="0" smtClean="0">
+                <a:solidFill>
+                  <a:schemeClr val="tx1"/>
+                </a:solidFill>
+                <a:latin typeface="+mn-lt"/>
+                <a:ea typeface="+mn-ea"/>
+                <a:cs typeface="+mn-cs"/>
+              </a:rPr>
+              <a:t>/1rowG7K</a:t>
+            </a:r>
+          </a:p>
+          <a:p>
             <a:pPr marL="0" indent="0">
               <a:buFont typeface="Arial"/>
               <a:buNone/>
             </a:pPr>
-            <a:r>
-              <a:rPr lang="en-US" b="1" dirty="0" smtClean="0"/>
-              <a:t>Notes:</a:t>
-            </a:r>
-          </a:p>
-          <a:p>
-            <a:pPr marL="171450" indent="-171450">
-              <a:buFont typeface="Arial"/>
-              <a:buChar char="•"/>
-            </a:pPr>
-            <a:r>
-              <a:rPr lang="en-US" dirty="0" err="1" smtClean="0"/>
-              <a:t>PushModalAsync</a:t>
-            </a:r>
-            <a:r>
-              <a:rPr lang="en-US" dirty="0" smtClean="0"/>
-              <a:t> </a:t>
-            </a:r>
-            <a:r>
-              <a:rPr lang="en-US" dirty="0"/>
-              <a:t>creates</a:t>
-            </a:r>
-            <a:r>
-              <a:rPr lang="en-US" baseline="0" dirty="0"/>
-              <a:t> an </a:t>
-            </a:r>
-            <a:r>
-              <a:rPr lang="en-US" dirty="0"/>
-              <a:t>interruptive full-screen page (</a:t>
-            </a:r>
-            <a:r>
-              <a:rPr lang="en-US" dirty="0" err="1"/>
-              <a:t>nextPage</a:t>
-            </a:r>
-            <a:r>
-              <a:rPr lang="en-US" dirty="0"/>
-              <a:t>) which overrides existing navigation stack.  </a:t>
-            </a:r>
-          </a:p>
-          <a:p>
-            <a:pPr marL="171450" indent="-171450">
-              <a:buFont typeface="Arial"/>
-              <a:buChar char="•"/>
-            </a:pPr>
-            <a:r>
-              <a:rPr lang="en-US" dirty="0" err="1"/>
-              <a:t>PopModalSync</a:t>
-            </a:r>
-            <a:r>
-              <a:rPr lang="en-US" baseline="0" dirty="0"/>
-              <a:t> will return to the previous stack.</a:t>
-            </a:r>
             <a:endParaRPr lang="en-US" dirty="0"/>
           </a:p>
         </p:txBody>
@@ -5191,9 +5415,15 @@
           <a:bodyPr/>
           <a:lstStyle/>
           <a:p>
-            <a:fld id="{01283FAC-A721-45A3-BBDE-EAF2B09B7CD9}" type="slidenum">
+            <a:pPr>
+              <a:defRPr/>
+            </a:pPr>
+            <a:fld id="{BA98A86F-EB23-4656-9EE3-F488F6F23FB7}" type="slidenum">
               <a:rPr lang="en-US" smtClean="0"/>
-              <a:t>10</a:t>
+              <a:pPr>
+                <a:defRPr/>
+              </a:pPr>
+              <a:t>7</a:t>
             </a:fld>
             <a:endParaRPr lang="en-US"/>
           </a:p>
@@ -5202,7 +5432,7 @@
     </p:spTree>
     <p:extLst>
       <p:ext uri="{BB962C8B-B14F-4D97-AF65-F5344CB8AC3E}">
-        <p14:creationId xmlns:p14="http://schemas.microsoft.com/office/powerpoint/2010/main" val="1531083041"/>
+        <p14:creationId xmlns:p14="http://schemas.microsoft.com/office/powerpoint/2010/main" val="3492182738"/>
       </p:ext>
     </p:extLst>
   </p:cSld>
@@ -5261,14 +5491,7 @@
               <a:buNone/>
             </a:pPr>
             <a:r>
-              <a:rPr lang="en-US" sz="1200" b="1" i="0" u="none" strike="noStrike" kern="1200" baseline="0" dirty="0" smtClean="0">
-                <a:solidFill>
-                  <a:schemeClr val="tx1"/>
-                </a:solidFill>
-                <a:latin typeface="+mn-lt"/>
-                <a:ea typeface="+mn-ea"/>
-                <a:cs typeface="+mn-cs"/>
-              </a:rPr>
+              <a:rPr lang="en-US" b="1" dirty="0" smtClean="0"/>
               <a:t>Notes:</a:t>
             </a:r>
           </a:p>
@@ -5278,59 +5501,32 @@
               <a:buChar char="•"/>
             </a:pPr>
             <a:r>
-              <a:rPr lang="en-US" sz="1200" b="0" i="0" u="none" strike="noStrike" kern="1200" baseline="0" dirty="0" smtClean="0">
-                <a:solidFill>
-                  <a:schemeClr val="tx1"/>
-                </a:solidFill>
-                <a:latin typeface="+mn-lt"/>
-                <a:ea typeface="+mn-ea"/>
-                <a:cs typeface="+mn-cs"/>
-              </a:rPr>
-              <a:t>The </a:t>
-            </a:r>
-            <a:r>
-              <a:rPr lang="en-US" sz="1200" b="0" i="0" u="none" strike="noStrike" kern="1200" baseline="0" dirty="0" err="1">
-                <a:solidFill>
-                  <a:schemeClr val="tx1"/>
-                </a:solidFill>
-                <a:latin typeface="+mn-lt"/>
-                <a:ea typeface="+mn-ea"/>
-                <a:cs typeface="+mn-cs"/>
-              </a:rPr>
-              <a:t>DisplayAlert</a:t>
-            </a:r>
-            <a:r>
-              <a:rPr lang="en-US" sz="1200" b="0" i="0" u="none" strike="noStrike" kern="1200" baseline="0" dirty="0">
-                <a:solidFill>
-                  <a:schemeClr val="tx1"/>
-                </a:solidFill>
-                <a:latin typeface="+mn-lt"/>
-                <a:ea typeface="+mn-ea"/>
-                <a:cs typeface="+mn-cs"/>
-              </a:rPr>
-              <a:t> method of the </a:t>
-            </a:r>
-            <a:r>
-              <a:rPr lang="en-US" sz="1200" b="0" i="0" u="none" strike="noStrike" kern="1200" baseline="0" dirty="0" err="1">
-                <a:solidFill>
-                  <a:schemeClr val="tx1"/>
-                </a:solidFill>
-                <a:latin typeface="+mn-lt"/>
-                <a:ea typeface="+mn-ea"/>
-                <a:cs typeface="+mn-cs"/>
-              </a:rPr>
-              <a:t>ContentPage</a:t>
-            </a:r>
-            <a:r>
-              <a:rPr lang="en-US" sz="1200" b="0" i="0" u="none" strike="noStrike" kern="1200" baseline="0" dirty="0">
-                <a:solidFill>
-                  <a:schemeClr val="tx1"/>
-                </a:solidFill>
-                <a:latin typeface="+mn-lt"/>
-                <a:ea typeface="+mn-ea"/>
-                <a:cs typeface="+mn-cs"/>
-              </a:rPr>
-              <a:t> displays a pop-up alert</a:t>
+              <a:rPr lang="en-US" dirty="0" err="1" smtClean="0"/>
+              <a:t>PushModalAsync</a:t>
+            </a:r>
+            <a:r>
+              <a:rPr lang="en-US" dirty="0" smtClean="0"/>
+              <a:t> </a:t>
+            </a:r>
+            <a:r>
+              <a:rPr lang="en-US" dirty="0"/>
+              <a:t>creates</a:t>
+            </a:r>
+            <a:r>
+              <a:rPr lang="en-US" baseline="0" dirty="0"/>
+              <a:t> an </a:t>
+            </a:r>
+            <a:r>
+              <a:rPr lang="en-US" dirty="0"/>
+              <a:t>interruptive full-screen page (</a:t>
+            </a:r>
+            <a:r>
+              <a:rPr lang="en-US" dirty="0" err="1"/>
+              <a:t>nextPage</a:t>
+            </a:r>
+            <a:r>
+              <a:rPr lang="en-US" dirty="0"/>
+              <a:t>) which overrides existing navigation stack.  </a:t>
             </a:r>
           </a:p>
           <a:p>
@@ -5339,154 +5535,14 @@
               <a:buChar char="•"/>
             </a:pPr>
             <a:r>
-              <a:rPr lang="en-US" sz="1200" b="0" i="0" u="none" strike="noStrike" kern="1200" baseline="0" dirty="0">
-                <a:solidFill>
-                  <a:schemeClr val="tx1"/>
-                </a:solidFill>
-                <a:latin typeface="+mn-lt"/>
-                <a:ea typeface="+mn-ea"/>
-                <a:cs typeface="+mn-cs"/>
-              </a:rPr>
-              <a:t>This is typically used with </a:t>
-            </a:r>
-            <a:r>
-              <a:rPr lang="en-US" sz="1200" b="0" i="0" u="none" strike="noStrike" kern="1200" baseline="0" dirty="0" err="1">
-                <a:solidFill>
-                  <a:schemeClr val="tx1"/>
-                </a:solidFill>
-                <a:latin typeface="+mn-lt"/>
-                <a:ea typeface="+mn-ea"/>
-                <a:cs typeface="+mn-cs"/>
-              </a:rPr>
-              <a:t>async</a:t>
-            </a:r>
-            <a:r>
-              <a:rPr lang="en-US" sz="1200" b="0" i="0" u="none" strike="noStrike" kern="1200" baseline="0" dirty="0">
-                <a:solidFill>
-                  <a:schemeClr val="tx1"/>
-                </a:solidFill>
-                <a:latin typeface="+mn-lt"/>
-                <a:ea typeface="+mn-ea"/>
-                <a:cs typeface="+mn-cs"/>
-              </a:rPr>
-              <a:t>/await so execution will halt until the pop-up is </a:t>
-            </a:r>
-            <a:r>
-              <a:rPr lang="en-US" sz="1200" b="0" i="0" u="none" strike="noStrike" kern="1200" baseline="0" dirty="0" smtClean="0">
-                <a:solidFill>
-                  <a:schemeClr val="tx1"/>
-                </a:solidFill>
-                <a:latin typeface="+mn-lt"/>
-                <a:ea typeface="+mn-ea"/>
-                <a:cs typeface="+mn-cs"/>
-              </a:rPr>
-              <a:t>cleared</a:t>
-            </a:r>
-          </a:p>
-          <a:p>
-            <a:pPr marL="171450" indent="-171450">
-              <a:buFont typeface="Arial"/>
-              <a:buChar char="•"/>
-            </a:pPr>
-            <a:endParaRPr lang="en-US" sz="1200" b="0" i="0" u="none" strike="noStrike" kern="1200" baseline="0" dirty="0" smtClean="0">
-              <a:solidFill>
-                <a:schemeClr val="tx1"/>
-              </a:solidFill>
-              <a:latin typeface="+mn-lt"/>
-              <a:ea typeface="+mn-ea"/>
-              <a:cs typeface="+mn-cs"/>
-            </a:endParaRPr>
-          </a:p>
-          <a:p>
-            <a:r>
-              <a:rPr lang="en-US" sz="1200" b="1" dirty="0" smtClean="0"/>
-              <a:t>References:</a:t>
-            </a:r>
-          </a:p>
-          <a:p>
-            <a:pPr marL="171450" marR="0" lvl="0" indent="-171450" algn="l" defTabSz="914400" rtl="0" eaLnBrk="1" fontAlgn="auto" latinLnBrk="0" hangingPunct="1">
-              <a:lnSpc>
-                <a:spcPct val="100000"/>
-              </a:lnSpc>
-              <a:spcBef>
-                <a:spcPts val="0"/>
-              </a:spcBef>
-              <a:spcAft>
-                <a:spcPts val="0"/>
-              </a:spcAft>
-              <a:buClrTx/>
-              <a:buSzTx/>
-              <a:buFont typeface="Arial"/>
-              <a:buChar char="•"/>
-              <a:tabLst/>
-              <a:defRPr/>
-            </a:pPr>
-            <a:r>
-              <a:rPr lang="en-US" sz="1200" b="0" i="0" u="none" strike="noStrike" kern="1200" baseline="0" dirty="0" smtClean="0">
-                <a:solidFill>
-                  <a:schemeClr val="tx1"/>
-                </a:solidFill>
-                <a:latin typeface="+mn-lt"/>
-                <a:ea typeface="+mn-ea"/>
-                <a:cs typeface="+mn-cs"/>
-              </a:rPr>
-              <a:t>Images from </a:t>
-            </a:r>
-            <a:r>
-              <a:rPr lang="en-US" sz="1200" b="0" i="1" u="none" strike="noStrike" kern="1200" baseline="0" dirty="0" err="1" smtClean="0">
-                <a:solidFill>
-                  <a:schemeClr val="tx1"/>
-                </a:solidFill>
-                <a:latin typeface="+mn-lt"/>
-                <a:ea typeface="+mn-ea"/>
-                <a:cs typeface="+mn-cs"/>
-              </a:rPr>
-              <a:t>Xamarin</a:t>
-            </a:r>
-            <a:r>
-              <a:rPr lang="en-US" sz="1200" b="0" i="1" u="none" strike="noStrike" kern="1200" baseline="0" dirty="0" smtClean="0">
-                <a:solidFill>
-                  <a:schemeClr val="tx1"/>
-                </a:solidFill>
-                <a:latin typeface="+mn-lt"/>
-                <a:ea typeface="+mn-ea"/>
-                <a:cs typeface="+mn-cs"/>
-              </a:rPr>
-              <a:t> Mobile Application Development </a:t>
-            </a:r>
-            <a:r>
-              <a:rPr lang="en-US" sz="1200" b="0" i="0" u="none" strike="noStrike" kern="1200" baseline="0" dirty="0" smtClean="0">
-                <a:solidFill>
-                  <a:schemeClr val="tx1"/>
-                </a:solidFill>
-                <a:latin typeface="+mn-lt"/>
-                <a:ea typeface="+mn-ea"/>
-                <a:cs typeface="+mn-cs"/>
-              </a:rPr>
-              <a:t>by Dan Hermes  http://</a:t>
-            </a:r>
-            <a:r>
-              <a:rPr lang="en-US" sz="1200" b="0" i="0" u="none" strike="noStrike" kern="1200" baseline="0" dirty="0" err="1" smtClean="0">
-                <a:solidFill>
-                  <a:schemeClr val="tx1"/>
-                </a:solidFill>
-                <a:latin typeface="+mn-lt"/>
-                <a:ea typeface="+mn-ea"/>
-                <a:cs typeface="+mn-cs"/>
-              </a:rPr>
-              <a:t>amzn.to</a:t>
-            </a:r>
-            <a:r>
-              <a:rPr lang="en-US" sz="1200" b="0" i="0" u="none" strike="noStrike" kern="1200" baseline="0" dirty="0" smtClean="0">
-                <a:solidFill>
-                  <a:schemeClr val="tx1"/>
-                </a:solidFill>
-                <a:latin typeface="+mn-lt"/>
-                <a:ea typeface="+mn-ea"/>
-                <a:cs typeface="+mn-cs"/>
-              </a:rPr>
-              <a:t>/1rowG7K</a:t>
-            </a:r>
+              <a:rPr lang="en-US" dirty="0" err="1"/>
+              <a:t>PopModalSync</a:t>
+            </a:r>
+            <a:r>
+              <a:rPr lang="en-US" baseline="0" dirty="0"/>
+              <a:t> will return to the previous stack.</a:t>
+            </a:r>
+            <a:endParaRPr lang="en-US" dirty="0"/>
           </a:p>
         </p:txBody>
       </p:sp>
@@ -5507,7 +5563,7 @@
           <a:p>
             <a:fld id="{01283FAC-A721-45A3-BBDE-EAF2B09B7CD9}" type="slidenum">
               <a:rPr lang="en-US" smtClean="0"/>
-              <a:t>11</a:t>
+              <a:t>10</a:t>
             </a:fld>
             <a:endParaRPr lang="en-US"/>
           </a:p>
@@ -5516,7 +5572,7 @@
     </p:spTree>
     <p:extLst>
       <p:ext uri="{BB962C8B-B14F-4D97-AF65-F5344CB8AC3E}">
-        <p14:creationId xmlns:p14="http://schemas.microsoft.com/office/powerpoint/2010/main" val="753456212"/>
+        <p14:creationId xmlns:p14="http://schemas.microsoft.com/office/powerpoint/2010/main" val="1531083041"/>
       </p:ext>
     </p:extLst>
   </p:cSld>
@@ -5570,6 +5626,148 @@
           <a:bodyPr/>
           <a:lstStyle/>
           <a:p>
+            <a:pPr marL="0" indent="0">
+              <a:buFont typeface="Arial"/>
+              <a:buNone/>
+            </a:pPr>
+            <a:r>
+              <a:rPr lang="en-US" sz="1200" b="1" i="0" u="none" strike="noStrike" kern="1200" baseline="0" dirty="0" smtClean="0">
+                <a:solidFill>
+                  <a:schemeClr val="tx1"/>
+                </a:solidFill>
+                <a:latin typeface="+mn-lt"/>
+                <a:ea typeface="+mn-ea"/>
+                <a:cs typeface="+mn-cs"/>
+              </a:rPr>
+              <a:t>Notes:</a:t>
+            </a:r>
+          </a:p>
+          <a:p>
+            <a:pPr marL="171450" indent="-171450">
+              <a:buFont typeface="Arial"/>
+              <a:buChar char="•"/>
+            </a:pPr>
+            <a:r>
+              <a:rPr lang="en-US" sz="1200" b="0" i="0" u="none" strike="noStrike" kern="1200" baseline="0" dirty="0" smtClean="0">
+                <a:solidFill>
+                  <a:schemeClr val="tx1"/>
+                </a:solidFill>
+                <a:latin typeface="+mn-lt"/>
+                <a:ea typeface="+mn-ea"/>
+                <a:cs typeface="+mn-cs"/>
+              </a:rPr>
+              <a:t>The </a:t>
+            </a:r>
+            <a:r>
+              <a:rPr lang="en-US" sz="1200" b="0" i="0" u="none" strike="noStrike" kern="1200" baseline="0" dirty="0" err="1">
+                <a:solidFill>
+                  <a:schemeClr val="tx1"/>
+                </a:solidFill>
+                <a:latin typeface="+mn-lt"/>
+                <a:ea typeface="+mn-ea"/>
+                <a:cs typeface="+mn-cs"/>
+              </a:rPr>
+              <a:t>DisplayAlert</a:t>
+            </a:r>
+            <a:r>
+              <a:rPr lang="en-US" sz="1200" b="0" i="0" u="none" strike="noStrike" kern="1200" baseline="0" dirty="0">
+                <a:solidFill>
+                  <a:schemeClr val="tx1"/>
+                </a:solidFill>
+                <a:latin typeface="+mn-lt"/>
+                <a:ea typeface="+mn-ea"/>
+                <a:cs typeface="+mn-cs"/>
+              </a:rPr>
+              <a:t> method of the </a:t>
+            </a:r>
+            <a:r>
+              <a:rPr lang="en-US" sz="1200" b="0" i="0" u="none" strike="noStrike" kern="1200" baseline="0" dirty="0" err="1">
+                <a:solidFill>
+                  <a:schemeClr val="tx1"/>
+                </a:solidFill>
+                <a:latin typeface="+mn-lt"/>
+                <a:ea typeface="+mn-ea"/>
+                <a:cs typeface="+mn-cs"/>
+              </a:rPr>
+              <a:t>ContentPage</a:t>
+            </a:r>
+            <a:r>
+              <a:rPr lang="en-US" sz="1200" b="0" i="0" u="none" strike="noStrike" kern="1200" baseline="0" dirty="0">
+                <a:solidFill>
+                  <a:schemeClr val="tx1"/>
+                </a:solidFill>
+                <a:latin typeface="+mn-lt"/>
+                <a:ea typeface="+mn-ea"/>
+                <a:cs typeface="+mn-cs"/>
+              </a:rPr>
+              <a:t> displays a pop-up alert</a:t>
+            </a:r>
+          </a:p>
+          <a:p>
+            <a:pPr marL="171450" indent="-171450">
+              <a:buFont typeface="Arial"/>
+              <a:buChar char="•"/>
+            </a:pPr>
+            <a:r>
+              <a:rPr lang="en-US" sz="1200" b="0" i="0" u="none" strike="noStrike" kern="1200" baseline="0" dirty="0">
+                <a:solidFill>
+                  <a:schemeClr val="tx1"/>
+                </a:solidFill>
+                <a:latin typeface="+mn-lt"/>
+                <a:ea typeface="+mn-ea"/>
+                <a:cs typeface="+mn-cs"/>
+              </a:rPr>
+              <a:t>This is typically used with </a:t>
+            </a:r>
+            <a:r>
+              <a:rPr lang="en-US" sz="1200" b="0" i="0" u="none" strike="noStrike" kern="1200" baseline="0" dirty="0" err="1">
+                <a:solidFill>
+                  <a:schemeClr val="tx1"/>
+                </a:solidFill>
+                <a:latin typeface="+mn-lt"/>
+                <a:ea typeface="+mn-ea"/>
+                <a:cs typeface="+mn-cs"/>
+              </a:rPr>
+              <a:t>async</a:t>
+            </a:r>
+            <a:r>
+              <a:rPr lang="en-US" sz="1200" b="0" i="0" u="none" strike="noStrike" kern="1200" baseline="0" dirty="0">
+                <a:solidFill>
+                  <a:schemeClr val="tx1"/>
+                </a:solidFill>
+                <a:latin typeface="+mn-lt"/>
+                <a:ea typeface="+mn-ea"/>
+                <a:cs typeface="+mn-cs"/>
+              </a:rPr>
+              <a:t>/await so execution will halt until the pop-up is </a:t>
+            </a:r>
+            <a:r>
+              <a:rPr lang="en-US" sz="1200" b="0" i="0" u="none" strike="noStrike" kern="1200" baseline="0" dirty="0" smtClean="0">
+                <a:solidFill>
+                  <a:schemeClr val="tx1"/>
+                </a:solidFill>
+                <a:latin typeface="+mn-lt"/>
+                <a:ea typeface="+mn-ea"/>
+                <a:cs typeface="+mn-cs"/>
+              </a:rPr>
+              <a:t>cleared</a:t>
+            </a:r>
+          </a:p>
+          <a:p>
+            <a:pPr marL="171450" indent="-171450">
+              <a:buFont typeface="Arial"/>
+              <a:buChar char="•"/>
+            </a:pPr>
+            <a:endParaRPr lang="en-US" sz="1200" b="0" i="0" u="none" strike="noStrike" kern="1200" baseline="0" dirty="0" smtClean="0">
+              <a:solidFill>
+                <a:schemeClr val="tx1"/>
+              </a:solidFill>
+              <a:latin typeface="+mn-lt"/>
+              <a:ea typeface="+mn-ea"/>
+              <a:cs typeface="+mn-cs"/>
+            </a:endParaRPr>
+          </a:p>
+          <a:p>
             <a:r>
               <a:rPr lang="en-US" sz="1200" b="1" dirty="0" smtClean="0"/>
               <a:t>References:</a:t>
@@ -5677,15 +5875,9 @@
           <a:bodyPr/>
           <a:lstStyle/>
           <a:p>
-            <a:pPr>
-              <a:defRPr/>
-            </a:pPr>
-            <a:fld id="{BA98A86F-EB23-4656-9EE3-F488F6F23FB7}" type="slidenum">
+            <a:fld id="{01283FAC-A721-45A3-BBDE-EAF2B09B7CD9}" type="slidenum">
               <a:rPr lang="en-US" smtClean="0"/>
-              <a:pPr>
-                <a:defRPr/>
-              </a:pPr>
-              <a:t>12</a:t>
+              <a:t>11</a:t>
             </a:fld>
             <a:endParaRPr lang="en-US"/>
           </a:p>
@@ -5694,7 +5886,7 @@
     </p:spTree>
     <p:extLst>
       <p:ext uri="{BB962C8B-B14F-4D97-AF65-F5344CB8AC3E}">
-        <p14:creationId xmlns:p14="http://schemas.microsoft.com/office/powerpoint/2010/main" val="3251809959"/>
+        <p14:creationId xmlns:p14="http://schemas.microsoft.com/office/powerpoint/2010/main" val="753456212"/>
       </p:ext>
     </p:extLst>
   </p:cSld>
@@ -5748,26 +5940,9 @@
           <a:bodyPr/>
           <a:lstStyle/>
           <a:p>
-            <a:pPr marL="0" marR="0" lvl="0" indent="0" algn="l" defTabSz="914400" rtl="0" eaLnBrk="1" fontAlgn="auto" latinLnBrk="0" hangingPunct="1">
-              <a:lnSpc>
-                <a:spcPct val="100000"/>
-              </a:lnSpc>
-              <a:spcBef>
-                <a:spcPts val="0"/>
-              </a:spcBef>
-              <a:spcAft>
-                <a:spcPts val="0"/>
-              </a:spcAft>
-              <a:buClrTx/>
-              <a:buSzTx/>
-              <a:buFont typeface="Arial"/>
-              <a:buNone/>
-              <a:tabLst/>
-              <a:defRPr/>
-            </a:pPr>
-            <a:r>
-              <a:rPr lang="en-US" b="1" dirty="0" smtClean="0"/>
-              <a:t>Notes:</a:t>
+            <a:r>
+              <a:rPr lang="en-US" sz="1200" b="1" dirty="0" smtClean="0"/>
+              <a:t>References:</a:t>
             </a:r>
           </a:p>
           <a:p>
@@ -5789,58 +5964,71 @@
               <a:defRPr/>
             </a:pPr>
             <a:r>
-              <a:rPr lang="en-US" dirty="0" smtClean="0"/>
-              <a:t>Wrap </a:t>
-            </a:r>
-            <a:r>
-              <a:rPr lang="en-US" dirty="0" err="1"/>
-              <a:t>ListView</a:t>
-            </a:r>
-            <a:r>
-              <a:rPr lang="en-US" dirty="0"/>
-              <a:t> in a </a:t>
-            </a:r>
-            <a:r>
-              <a:rPr lang="en-US" dirty="0" err="1"/>
-              <a:t>NavigationPage</a:t>
-            </a:r>
-            <a:endParaRPr lang="en-US" dirty="0"/>
-          </a:p>
-          <a:p>
-            <a:pPr marL="171450" marR="0" lvl="0" indent="-171450" algn="l" defTabSz="914400" rtl="0" eaLnBrk="1" fontAlgn="auto" latinLnBrk="0" hangingPunct="1">
-              <a:lnSpc>
-                <a:spcPct val="100000"/>
-              </a:lnSpc>
-              <a:spcBef>
-                <a:spcPts val="0"/>
-              </a:spcBef>
-              <a:spcAft>
-                <a:spcPts val="0"/>
-              </a:spcAft>
-              <a:buClrTx/>
-              <a:buSzTx/>
-              <a:buFont typeface="Arial"/>
-              <a:buChar char="•"/>
-              <a:tabLst/>
-              <a:defRPr/>
-            </a:pPr>
-            <a:r>
-              <a:rPr lang="en-US" dirty="0"/>
-              <a:t>More on </a:t>
-            </a:r>
-            <a:r>
-              <a:rPr lang="en-US" dirty="0" err="1"/>
-              <a:t>ListViews</a:t>
-            </a:r>
-            <a:r>
-              <a:rPr lang="en-US" baseline="0" dirty="0"/>
-              <a:t> </a:t>
-            </a:r>
-            <a:r>
-              <a:rPr lang="en-US" baseline="0" dirty="0" smtClean="0"/>
-              <a:t>soon</a:t>
-            </a:r>
-            <a:endParaRPr lang="en-US" dirty="0"/>
+              <a:rPr lang="en-US" sz="1200" b="0" i="0" u="none" strike="noStrike" kern="1200" baseline="0" dirty="0" smtClean="0">
+                <a:solidFill>
+                  <a:schemeClr val="tx1"/>
+                </a:solidFill>
+                <a:latin typeface="+mn-lt"/>
+                <a:ea typeface="+mn-ea"/>
+                <a:cs typeface="+mn-cs"/>
+              </a:rPr>
+              <a:t>Images from </a:t>
+            </a:r>
+            <a:r>
+              <a:rPr lang="en-US" sz="1200" b="0" i="1" u="none" strike="noStrike" kern="1200" baseline="0" dirty="0" err="1" smtClean="0">
+                <a:solidFill>
+                  <a:schemeClr val="tx1"/>
+                </a:solidFill>
+                <a:latin typeface="+mn-lt"/>
+                <a:ea typeface="+mn-ea"/>
+                <a:cs typeface="+mn-cs"/>
+              </a:rPr>
+              <a:t>Xamarin</a:t>
+            </a:r>
+            <a:r>
+              <a:rPr lang="en-US" sz="1200" b="0" i="1" u="none" strike="noStrike" kern="1200" baseline="0" dirty="0" smtClean="0">
+                <a:solidFill>
+                  <a:schemeClr val="tx1"/>
+                </a:solidFill>
+                <a:latin typeface="+mn-lt"/>
+                <a:ea typeface="+mn-ea"/>
+                <a:cs typeface="+mn-cs"/>
+              </a:rPr>
+              <a:t> Mobile Application Development </a:t>
+            </a:r>
+            <a:r>
+              <a:rPr lang="en-US" sz="1200" b="0" i="0" u="none" strike="noStrike" kern="1200" baseline="0" dirty="0" smtClean="0">
+                <a:solidFill>
+                  <a:schemeClr val="tx1"/>
+                </a:solidFill>
+                <a:latin typeface="+mn-lt"/>
+                <a:ea typeface="+mn-ea"/>
+                <a:cs typeface="+mn-cs"/>
+              </a:rPr>
+              <a:t>by Dan Hermes  http://</a:t>
+            </a:r>
+            <a:r>
+              <a:rPr lang="en-US" sz="1200" b="0" i="0" u="none" strike="noStrike" kern="1200" baseline="0" dirty="0" err="1" smtClean="0">
+                <a:solidFill>
+                  <a:schemeClr val="tx1"/>
+                </a:solidFill>
+                <a:latin typeface="+mn-lt"/>
+                <a:ea typeface="+mn-ea"/>
+                <a:cs typeface="+mn-cs"/>
+              </a:rPr>
+              <a:t>amzn.to</a:t>
+            </a:r>
+            <a:r>
+              <a:rPr lang="en-US" sz="1200" b="0" i="0" u="none" strike="noStrike" kern="1200" baseline="0" dirty="0" smtClean="0">
+                <a:solidFill>
+                  <a:schemeClr val="tx1"/>
+                </a:solidFill>
+                <a:latin typeface="+mn-lt"/>
+                <a:ea typeface="+mn-ea"/>
+                <a:cs typeface="+mn-cs"/>
+              </a:rPr>
+              <a:t>/1rowG7K</a:t>
+            </a:r>
           </a:p>
         </p:txBody>
       </p:sp>
@@ -5867,7 +6055,7 @@
               <a:pPr>
                 <a:defRPr/>
               </a:pPr>
-              <a:t>13</a:t>
+              <a:t>12</a:t>
             </a:fld>
             <a:endParaRPr lang="en-US"/>
           </a:p>
@@ -5876,7 +6064,7 @@
     </p:spTree>
     <p:extLst>
       <p:ext uri="{BB962C8B-B14F-4D97-AF65-F5344CB8AC3E}">
-        <p14:creationId xmlns:p14="http://schemas.microsoft.com/office/powerpoint/2010/main" val="1899152352"/>
+        <p14:creationId xmlns:p14="http://schemas.microsoft.com/office/powerpoint/2010/main" val="3251809959"/>
       </p:ext>
     </p:extLst>
   </p:cSld>
@@ -5930,9 +6118,26 @@
           <a:bodyPr/>
           <a:lstStyle/>
           <a:p>
-            <a:r>
-              <a:rPr lang="en-US" sz="1200" b="1" dirty="0" smtClean="0"/>
-              <a:t>References:</a:t>
+            <a:pPr marL="0" marR="0" lvl="0" indent="0" algn="l" defTabSz="914400" rtl="0" eaLnBrk="1" fontAlgn="auto" latinLnBrk="0" hangingPunct="1">
+              <a:lnSpc>
+                <a:spcPct val="100000"/>
+              </a:lnSpc>
+              <a:spcBef>
+                <a:spcPts val="0"/>
+              </a:spcBef>
+              <a:spcAft>
+                <a:spcPts val="0"/>
+              </a:spcAft>
+              <a:buClrTx/>
+              <a:buSzTx/>
+              <a:buFont typeface="Arial"/>
+              <a:buNone/>
+              <a:tabLst/>
+              <a:defRPr/>
+            </a:pPr>
+            <a:r>
+              <a:rPr lang="en-US" b="1" dirty="0" smtClean="0"/>
+              <a:t>Notes:</a:t>
             </a:r>
           </a:p>
           <a:p>
@@ -5954,73 +6159,57 @@
               <a:defRPr/>
             </a:pPr>
             <a:r>
-              <a:rPr lang="en-US" sz="1200" b="0" i="0" u="none" strike="noStrike" kern="1200" baseline="0" dirty="0" smtClean="0">
-                <a:solidFill>
-                  <a:schemeClr val="tx1"/>
-                </a:solidFill>
-                <a:latin typeface="+mn-lt"/>
-                <a:ea typeface="+mn-ea"/>
-                <a:cs typeface="+mn-cs"/>
-              </a:rPr>
-              <a:t>Images from </a:t>
-            </a:r>
-            <a:r>
-              <a:rPr lang="en-US" sz="1200" b="0" i="1" u="none" strike="noStrike" kern="1200" baseline="0" dirty="0" err="1" smtClean="0">
-                <a:solidFill>
-                  <a:schemeClr val="tx1"/>
-                </a:solidFill>
-                <a:latin typeface="+mn-lt"/>
-                <a:ea typeface="+mn-ea"/>
-                <a:cs typeface="+mn-cs"/>
-              </a:rPr>
-              <a:t>Xamarin</a:t>
-            </a:r>
-            <a:r>
-              <a:rPr lang="en-US" sz="1200" b="0" i="1" u="none" strike="noStrike" kern="1200" baseline="0" dirty="0" smtClean="0">
-                <a:solidFill>
-                  <a:schemeClr val="tx1"/>
-                </a:solidFill>
-                <a:latin typeface="+mn-lt"/>
-                <a:ea typeface="+mn-ea"/>
-                <a:cs typeface="+mn-cs"/>
-              </a:rPr>
-              <a:t> Mobile Application Development </a:t>
-            </a:r>
-            <a:r>
-              <a:rPr lang="en-US" sz="1200" b="0" i="0" u="none" strike="noStrike" kern="1200" baseline="0" dirty="0" smtClean="0">
-                <a:solidFill>
-                  <a:schemeClr val="tx1"/>
-                </a:solidFill>
-                <a:latin typeface="+mn-lt"/>
-                <a:ea typeface="+mn-ea"/>
-                <a:cs typeface="+mn-cs"/>
-              </a:rPr>
-              <a:t>by Dan Hermes  http://</a:t>
-            </a:r>
-            <a:r>
-              <a:rPr lang="en-US" sz="1200" b="0" i="0" u="none" strike="noStrike" kern="1200" baseline="0" dirty="0" err="1" smtClean="0">
-                <a:solidFill>
-                  <a:schemeClr val="tx1"/>
-                </a:solidFill>
-                <a:latin typeface="+mn-lt"/>
-                <a:ea typeface="+mn-ea"/>
-                <a:cs typeface="+mn-cs"/>
-              </a:rPr>
-              <a:t>amzn.to</a:t>
-            </a:r>
-            <a:r>
-              <a:rPr lang="en-US" sz="1200" b="0" i="0" u="none" strike="noStrike" kern="1200" baseline="0" dirty="0" smtClean="0">
-                <a:solidFill>
-                  <a:schemeClr val="tx1"/>
-                </a:solidFill>
-                <a:latin typeface="+mn-lt"/>
-                <a:ea typeface="+mn-ea"/>
-                <a:cs typeface="+mn-cs"/>
-              </a:rPr>
-              <a:t>/1rowG7K</a:t>
-            </a:r>
-          </a:p>
-          <a:p>
+              <a:rPr lang="en-US" dirty="0" smtClean="0"/>
+              <a:t>Wrap </a:t>
+            </a:r>
+            <a:r>
+              <a:rPr lang="en-US" dirty="0" err="1"/>
+              <a:t>ListView</a:t>
+            </a:r>
+            <a:r>
+              <a:rPr lang="en-US" dirty="0"/>
+              <a:t> in a </a:t>
+            </a:r>
+            <a:r>
+              <a:rPr lang="en-US" dirty="0" err="1"/>
+              <a:t>NavigationPage</a:t>
+            </a:r>
+            <a:endParaRPr lang="en-US" dirty="0"/>
+          </a:p>
+          <a:p>
+            <a:pPr marL="171450" marR="0" lvl="0" indent="-171450" algn="l" defTabSz="914400" rtl="0" eaLnBrk="1" fontAlgn="auto" latinLnBrk="0" hangingPunct="1">
+              <a:lnSpc>
+                <a:spcPct val="100000"/>
+              </a:lnSpc>
+              <a:spcBef>
+                <a:spcPts val="0"/>
+              </a:spcBef>
+              <a:spcAft>
+                <a:spcPts val="0"/>
+              </a:spcAft>
+              <a:buClrTx/>
+              <a:buSzTx/>
+              <a:buFont typeface="Arial"/>
+              <a:buChar char="•"/>
+              <a:tabLst/>
+              <a:defRPr/>
+            </a:pPr>
+            <a:r>
+              <a:rPr lang="en-US" dirty="0"/>
+              <a:t>More on </a:t>
+            </a:r>
+            <a:r>
+              <a:rPr lang="en-US" dirty="0" err="1"/>
+              <a:t>ListViews</a:t>
+            </a:r>
+            <a:r>
+              <a:rPr lang="en-US" baseline="0" dirty="0"/>
+              <a:t> </a:t>
+            </a:r>
+            <a:r>
+              <a:rPr lang="en-US" baseline="0" dirty="0" smtClean="0"/>
+              <a:t>soon</a:t>
+            </a:r>
             <a:endParaRPr lang="en-US" dirty="0"/>
           </a:p>
         </p:txBody>
@@ -6040,9 +6229,15 @@
           <a:bodyPr/>
           <a:lstStyle/>
           <a:p>
-            <a:fld id="{C58F222D-196D-7448-BD88-0286A15812EA}" type="slidenum">
+            <a:pPr>
+              <a:defRPr/>
+            </a:pPr>
+            <a:fld id="{BA98A86F-EB23-4656-9EE3-F488F6F23FB7}" type="slidenum">
               <a:rPr lang="en-US" smtClean="0"/>
-              <a:t>14</a:t>
+              <a:pPr>
+                <a:defRPr/>
+              </a:pPr>
+              <a:t>13</a:t>
             </a:fld>
             <a:endParaRPr lang="en-US"/>
           </a:p>
@@ -6051,7 +6246,7 @@
     </p:spTree>
     <p:extLst>
       <p:ext uri="{BB962C8B-B14F-4D97-AF65-F5344CB8AC3E}">
-        <p14:creationId xmlns:p14="http://schemas.microsoft.com/office/powerpoint/2010/main" val="2012126193"/>
+        <p14:creationId xmlns:p14="http://schemas.microsoft.com/office/powerpoint/2010/main" val="1899152352"/>
       </p:ext>
     </p:extLst>
   </p:cSld>
@@ -6210,7 +6405,7 @@
           <a:p>
             <a:fld id="{0459C166-16D3-4A25-A2F8-C51E0E346B22}" type="datetimeFigureOut">
               <a:rPr lang="en-US" smtClean="0"/>
-              <a:t>7/12/16</a:t>
+              <a:t>9/9/16</a:t>
             </a:fld>
             <a:endParaRPr lang="en-US"/>
           </a:p>
@@ -6577,7 +6772,7 @@
           <a:p>
             <a:fld id="{0459C166-16D3-4A25-A2F8-C51E0E346B22}" type="datetimeFigureOut">
               <a:rPr lang="en-US" smtClean="0"/>
-              <a:t>7/12/16</a:t>
+              <a:t>9/9/16</a:t>
             </a:fld>
             <a:endParaRPr lang="en-US"/>
           </a:p>
@@ -6695,7 +6890,7 @@
           <a:p>
             <a:fld id="{0459C166-16D3-4A25-A2F8-C51E0E346B22}" type="datetimeFigureOut">
               <a:rPr lang="en-US" smtClean="0"/>
-              <a:t>7/12/16</a:t>
+              <a:t>9/9/16</a:t>
             </a:fld>
             <a:endParaRPr lang="en-US"/>
           </a:p>
@@ -6865,7 +7060,7 @@
           <a:p>
             <a:fld id="{0459C166-16D3-4A25-A2F8-C51E0E346B22}" type="datetimeFigureOut">
               <a:rPr lang="en-US" smtClean="0"/>
-              <a:t>7/12/16</a:t>
+              <a:t>9/9/16</a:t>
             </a:fld>
             <a:endParaRPr lang="en-US"/>
           </a:p>
@@ -7130,7 +7325,7 @@
             <a:fld id="{0459C166-16D3-4A25-A2F8-C51E0E346B22}" type="datetimeFigureOut">
               <a:rPr lang="en-US" smtClean="0"/>
               <a:pPr/>
-              <a:t>7/12/16</a:t>
+              <a:t>9/9/16</a:t>
             </a:fld>
             <a:endParaRPr lang="en-US"/>
           </a:p>
@@ -7449,7 +7644,7 @@
           <a:p>
             <a:fld id="{0459C166-16D3-4A25-A2F8-C51E0E346B22}" type="datetimeFigureOut">
               <a:rPr lang="en-US" smtClean="0"/>
-              <a:t>7/12/16</a:t>
+              <a:t>9/9/16</a:t>
             </a:fld>
             <a:endParaRPr lang="en-US"/>
           </a:p>
@@ -7846,7 +8041,7 @@
           <a:p>
             <a:fld id="{0459C166-16D3-4A25-A2F8-C51E0E346B22}" type="datetimeFigureOut">
               <a:rPr lang="en-US" smtClean="0"/>
-              <a:t>7/12/16</a:t>
+              <a:t>9/9/16</a:t>
             </a:fld>
             <a:endParaRPr lang="en-US"/>
           </a:p>
@@ -8816,7 +9011,7 @@
           <a:p>
             <a:fld id="{0459C166-16D3-4A25-A2F8-C51E0E346B22}" type="datetimeFigureOut">
               <a:rPr lang="en-US" smtClean="0"/>
-              <a:t>7/12/16</a:t>
+              <a:t>9/9/16</a:t>
             </a:fld>
             <a:endParaRPr lang="en-US"/>
           </a:p>
@@ -9028,7 +9223,7 @@
           <a:p>
             <a:fld id="{0459C166-16D3-4A25-A2F8-C51E0E346B22}" type="datetimeFigureOut">
               <a:rPr lang="en-US" smtClean="0"/>
-              <a:t>7/12/16</a:t>
+              <a:t>9/9/16</a:t>
             </a:fld>
             <a:endParaRPr lang="en-US"/>
           </a:p>
@@ -9519,7 +9714,7 @@
   <p:timing>
     <p:tnLst>
       <p:par>
-        <p:cTn xmlns:p14="http://schemas.microsoft.com/office/powerpoint/2010/main" id="1" dur="indefinite" restart="never" nodeType="tmRoot"/>
+        <p:cTn id="1" dur="indefinite" restart="never" nodeType="tmRoot"/>
       </p:par>
     </p:tnLst>
   </p:timing>
@@ -9629,7 +9824,7 @@
   <p:timing>
     <p:tnLst>
       <p:par>
-        <p:cTn xmlns:p14="http://schemas.microsoft.com/office/powerpoint/2010/main" id="1" dur="indefinite" restart="never" nodeType="tmRoot"/>
+        <p:cTn id="1" dur="indefinite" restart="never" nodeType="tmRoot"/>
       </p:par>
     </p:tnLst>
   </p:timing>
@@ -9853,7 +10048,7 @@
   <p:timing>
     <p:tnLst>
       <p:par>
-        <p:cTn xmlns:p14="http://schemas.microsoft.com/office/powerpoint/2010/main" id="1" dur="indefinite" restart="never" nodeType="tmRoot"/>
+        <p:cTn id="1" dur="indefinite" restart="never" nodeType="tmRoot"/>
       </p:par>
     </p:tnLst>
   </p:timing>
@@ -9948,7 +10143,7 @@
   <p:timing>
     <p:tnLst>
       <p:par>
-        <p:cTn xmlns:p14="http://schemas.microsoft.com/office/powerpoint/2010/main" id="1" dur="indefinite" restart="never" nodeType="tmRoot"/>
+        <p:cTn id="1" dur="indefinite" restart="never" nodeType="tmRoot"/>
       </p:par>
     </p:tnLst>
   </p:timing>
@@ -10109,7 +10304,7 @@
   <p:timing>
     <p:tnLst>
       <p:par>
-        <p:cTn xmlns:p14="http://schemas.microsoft.com/office/powerpoint/2010/main" id="1" dur="indefinite" restart="never" nodeType="tmRoot"/>
+        <p:cTn id="1" dur="indefinite" restart="never" nodeType="tmRoot"/>
       </p:par>
     </p:tnLst>
   </p:timing>
@@ -10429,7 +10624,7 @@
   <p:timing>
     <p:tnLst>
       <p:par>
-        <p:cTn xmlns:p14="http://schemas.microsoft.com/office/powerpoint/2010/main" id="1" dur="indefinite" restart="never" nodeType="tmRoot"/>
+        <p:cTn id="1" dur="indefinite" restart="never" nodeType="tmRoot"/>
       </p:par>
     </p:tnLst>
   </p:timing>
@@ -10844,7 +11039,7 @@
   <p:timing>
     <p:tnLst>
       <p:par>
-        <p:cTn xmlns:p14="http://schemas.microsoft.com/office/powerpoint/2010/main" id="1" dur="indefinite" restart="never" nodeType="tmRoot"/>
+        <p:cTn id="1" dur="indefinite" restart="never" nodeType="tmRoot"/>
       </p:par>
     </p:tnLst>
   </p:timing>
@@ -11150,14 +11345,14 @@
                 <a:gridCol w="5533314">
                   <a:extLst>
                     <a:ext uri="{9D8B030D-6E8A-4147-A177-3AD203B41FA5}">
-                      <a16:colId xmlns:a16="http://schemas.microsoft.com/office/drawing/2014/main" xmlns="" val="48614039"/>
+                      <a16:colId xmlns="" xmlns:a16="http://schemas.microsoft.com/office/drawing/2014/main" val="48614039"/>
                     </a:ext>
                   </a:extLst>
                 </a:gridCol>
                 <a:gridCol w="5533314">
                   <a:extLst>
                     <a:ext uri="{9D8B030D-6E8A-4147-A177-3AD203B41FA5}">
-                      <a16:colId xmlns:a16="http://schemas.microsoft.com/office/drawing/2014/main" xmlns="" val="1124546490"/>
+                      <a16:colId xmlns="" xmlns:a16="http://schemas.microsoft.com/office/drawing/2014/main" val="1124546490"/>
                     </a:ext>
                   </a:extLst>
                 </a:gridCol>
@@ -11209,7 +11404,7 @@
                 </a:tc>
                 <a:extLst>
                   <a:ext uri="{0D108BD9-81ED-4DB2-BD59-A6C34878D82A}">
-                    <a16:rowId xmlns:a16="http://schemas.microsoft.com/office/drawing/2014/main" xmlns="" val="679667022"/>
+                    <a16:rowId xmlns="" xmlns:a16="http://schemas.microsoft.com/office/drawing/2014/main" val="679667022"/>
                   </a:ext>
                 </a:extLst>
               </a:tr>
@@ -11257,7 +11452,7 @@
                 </a:tc>
                 <a:extLst>
                   <a:ext uri="{0D108BD9-81ED-4DB2-BD59-A6C34878D82A}">
-                    <a16:rowId xmlns:a16="http://schemas.microsoft.com/office/drawing/2014/main" xmlns="" val="2034482246"/>
+                    <a16:rowId xmlns="" xmlns:a16="http://schemas.microsoft.com/office/drawing/2014/main" val="2034482246"/>
                   </a:ext>
                 </a:extLst>
               </a:tr>
@@ -11305,7 +11500,7 @@
                 </a:tc>
                 <a:extLst>
                   <a:ext uri="{0D108BD9-81ED-4DB2-BD59-A6C34878D82A}">
-                    <a16:rowId xmlns:a16="http://schemas.microsoft.com/office/drawing/2014/main" xmlns="" val="682465758"/>
+                    <a16:rowId xmlns="" xmlns:a16="http://schemas.microsoft.com/office/drawing/2014/main" val="682465758"/>
                   </a:ext>
                 </a:extLst>
               </a:tr>
@@ -11356,7 +11551,7 @@
                 </a:tc>
                 <a:extLst>
                   <a:ext uri="{0D108BD9-81ED-4DB2-BD59-A6C34878D82A}">
-                    <a16:rowId xmlns:a16="http://schemas.microsoft.com/office/drawing/2014/main" xmlns="" val="4230228483"/>
+                    <a16:rowId xmlns="" xmlns:a16="http://schemas.microsoft.com/office/drawing/2014/main" val="4230228483"/>
                   </a:ext>
                 </a:extLst>
               </a:tr>
@@ -11455,7 +11650,7 @@
   <p:timing>
     <p:tnLst>
       <p:par>
-        <p:cTn xmlns:p14="http://schemas.microsoft.com/office/powerpoint/2010/main" id="1" dur="indefinite" restart="never" nodeType="tmRoot"/>
+        <p:cTn id="1" dur="indefinite" restart="never" nodeType="tmRoot"/>
       </p:par>
     </p:tnLst>
   </p:timing>
@@ -11626,7 +11821,7 @@
   <p:timing>
     <p:tnLst>
       <p:par>
-        <p:cTn xmlns:p14="http://schemas.microsoft.com/office/powerpoint/2010/main" id="1" dur="indefinite" restart="never" nodeType="tmRoot"/>
+        <p:cTn id="1" dur="indefinite" restart="never" nodeType="tmRoot"/>
       </p:par>
     </p:tnLst>
   </p:timing>
@@ -11816,7 +12011,7 @@
   <p:timing>
     <p:tnLst>
       <p:par>
-        <p:cTn xmlns:p14="http://schemas.microsoft.com/office/powerpoint/2010/main" id="1" dur="indefinite" restart="never" nodeType="tmRoot"/>
+        <p:cTn id="1" dur="indefinite" restart="never" nodeType="tmRoot"/>
       </p:par>
     </p:tnLst>
   </p:timing>
@@ -11905,7 +12100,7 @@
   <p:timing>
     <p:tnLst>
       <p:par>
-        <p:cTn xmlns:p14="http://schemas.microsoft.com/office/powerpoint/2010/main" id="1" dur="indefinite" restart="never" nodeType="tmRoot"/>
+        <p:cTn id="1" dur="indefinite" restart="never" nodeType="tmRoot"/>
       </p:par>
     </p:tnLst>
   </p:timing>
@@ -12011,7 +12206,7 @@
   <p:timing>
     <p:tnLst>
       <p:par>
-        <p:cTn xmlns:p14="http://schemas.microsoft.com/office/powerpoint/2010/main" id="1" dur="indefinite" restart="never" nodeType="tmRoot"/>
+        <p:cTn id="1" dur="indefinite" restart="never" nodeType="tmRoot"/>
       </p:par>
     </p:tnLst>
   </p:timing>
@@ -12247,7 +12442,7 @@
   <p:timing>
     <p:tnLst>
       <p:par>
-        <p:cTn xmlns:p14="http://schemas.microsoft.com/office/powerpoint/2010/main" id="1" dur="indefinite" restart="never" nodeType="tmRoot"/>
+        <p:cTn id="1" dur="indefinite" restart="never" nodeType="tmRoot"/>
       </p:par>
     </p:tnLst>
   </p:timing>
@@ -12438,7 +12633,7 @@
   <p:timing>
     <p:tnLst>
       <p:par>
-        <p:cTn xmlns:p14="http://schemas.microsoft.com/office/powerpoint/2010/main" id="1" dur="indefinite" restart="never" nodeType="tmRoot"/>
+        <p:cTn id="1" dur="indefinite" restart="never" nodeType="tmRoot"/>
       </p:par>
     </p:tnLst>
   </p:timing>
@@ -12571,7 +12766,7 @@
   <p:timing>
     <p:tnLst>
       <p:par>
-        <p:cTn xmlns:p14="http://schemas.microsoft.com/office/powerpoint/2010/main" id="1" dur="indefinite" restart="never" nodeType="tmRoot"/>
+        <p:cTn id="1" dur="indefinite" restart="never" nodeType="tmRoot"/>
       </p:par>
     </p:tnLst>
   </p:timing>
@@ -12866,7 +13061,7 @@
   <p:timing>
     <p:tnLst>
       <p:par>
-        <p:cTn xmlns:p14="http://schemas.microsoft.com/office/powerpoint/2010/main" id="1" dur="indefinite" restart="never" nodeType="tmRoot"/>
+        <p:cTn id="1" dur="indefinite" restart="never" nodeType="tmRoot"/>
       </p:par>
     </p:tnLst>
   </p:timing>
@@ -12958,7 +13153,7 @@
   <p:timing>
     <p:tnLst>
       <p:par>
-        <p:cTn xmlns:p14="http://schemas.microsoft.com/office/powerpoint/2010/main" id="1" dur="indefinite" restart="never" nodeType="tmRoot"/>
+        <p:cTn id="1" dur="indefinite" restart="never" nodeType="tmRoot"/>
       </p:par>
     </p:tnLst>
   </p:timing>
@@ -13162,7 +13357,7 @@
   <p:timing>
     <p:tnLst>
       <p:par>
-        <p:cTn xmlns:p14="http://schemas.microsoft.com/office/powerpoint/2010/main" id="1" dur="indefinite" restart="never" nodeType="tmRoot"/>
+        <p:cTn id="1" dur="indefinite" restart="never" nodeType="tmRoot"/>
       </p:par>
     </p:tnLst>
   </p:timing>
@@ -13490,14 +13685,14 @@
                 <a:gridCol w="5533314">
                   <a:extLst>
                     <a:ext uri="{9D8B030D-6E8A-4147-A177-3AD203B41FA5}">
-                      <a16:colId xmlns:a16="http://schemas.microsoft.com/office/drawing/2014/main" xmlns="" val="48614039"/>
+                      <a16:colId xmlns="" xmlns:a16="http://schemas.microsoft.com/office/drawing/2014/main" val="48614039"/>
                     </a:ext>
                   </a:extLst>
                 </a:gridCol>
                 <a:gridCol w="5533314">
                   <a:extLst>
                     <a:ext uri="{9D8B030D-6E8A-4147-A177-3AD203B41FA5}">
-                      <a16:colId xmlns:a16="http://schemas.microsoft.com/office/drawing/2014/main" xmlns="" val="1124546490"/>
+                      <a16:colId xmlns="" xmlns:a16="http://schemas.microsoft.com/office/drawing/2014/main" val="1124546490"/>
                     </a:ext>
                   </a:extLst>
                 </a:gridCol>
@@ -13549,7 +13744,7 @@
                 </a:tc>
                 <a:extLst>
                   <a:ext uri="{0D108BD9-81ED-4DB2-BD59-A6C34878D82A}">
-                    <a16:rowId xmlns:a16="http://schemas.microsoft.com/office/drawing/2014/main" xmlns="" val="679667022"/>
+                    <a16:rowId xmlns="" xmlns:a16="http://schemas.microsoft.com/office/drawing/2014/main" val="679667022"/>
                   </a:ext>
                 </a:extLst>
               </a:tr>
@@ -13597,7 +13792,7 @@
                 </a:tc>
                 <a:extLst>
                   <a:ext uri="{0D108BD9-81ED-4DB2-BD59-A6C34878D82A}">
-                    <a16:rowId xmlns:a16="http://schemas.microsoft.com/office/drawing/2014/main" xmlns="" val="2034482246"/>
+                    <a16:rowId xmlns="" xmlns:a16="http://schemas.microsoft.com/office/drawing/2014/main" val="2034482246"/>
                   </a:ext>
                 </a:extLst>
               </a:tr>
@@ -13645,7 +13840,7 @@
                 </a:tc>
                 <a:extLst>
                   <a:ext uri="{0D108BD9-81ED-4DB2-BD59-A6C34878D82A}">
-                    <a16:rowId xmlns:a16="http://schemas.microsoft.com/office/drawing/2014/main" xmlns="" val="682465758"/>
+                    <a16:rowId xmlns="" xmlns:a16="http://schemas.microsoft.com/office/drawing/2014/main" val="682465758"/>
                   </a:ext>
                 </a:extLst>
               </a:tr>
@@ -13693,7 +13888,7 @@
                 </a:tc>
                 <a:extLst>
                   <a:ext uri="{0D108BD9-81ED-4DB2-BD59-A6C34878D82A}">
-                    <a16:rowId xmlns:a16="http://schemas.microsoft.com/office/drawing/2014/main" xmlns="" val="4230228483"/>
+                    <a16:rowId xmlns="" xmlns:a16="http://schemas.microsoft.com/office/drawing/2014/main" val="4230228483"/>
                   </a:ext>
                 </a:extLst>
               </a:tr>
@@ -13749,7 +13944,7 @@
                 </a:tc>
                 <a:extLst>
                   <a:ext uri="{0D108BD9-81ED-4DB2-BD59-A6C34878D82A}">
-                    <a16:rowId xmlns:a16="http://schemas.microsoft.com/office/drawing/2014/main" xmlns="" val="3329658239"/>
+                    <a16:rowId xmlns="" xmlns:a16="http://schemas.microsoft.com/office/drawing/2014/main" val="3329658239"/>
                   </a:ext>
                 </a:extLst>
               </a:tr>
@@ -13770,7 +13965,7 @@
   <p:timing>
     <p:tnLst>
       <p:par>
-        <p:cTn xmlns:p14="http://schemas.microsoft.com/office/powerpoint/2010/main" id="1" dur="indefinite" restart="never" nodeType="tmRoot"/>
+        <p:cTn id="1" dur="indefinite" restart="never" nodeType="tmRoot"/>
       </p:par>
     </p:tnLst>
   </p:timing>
@@ -13925,7 +14120,7 @@
   <p:timing>
     <p:tnLst>
       <p:par>
-        <p:cTn xmlns:p14="http://schemas.microsoft.com/office/powerpoint/2010/main" id="1" dur="indefinite" restart="never" nodeType="tmRoot"/>
+        <p:cTn id="1" dur="indefinite" restart="never" nodeType="tmRoot"/>
       </p:par>
     </p:tnLst>
   </p:timing>
@@ -14405,7 +14600,7 @@
   <p:timing>
     <p:tnLst>
       <p:par>
-        <p:cTn xmlns:p14="http://schemas.microsoft.com/office/powerpoint/2010/main" id="1" dur="indefinite" restart="never" nodeType="tmRoot"/>
+        <p:cTn id="1" dur="indefinite" restart="never" nodeType="tmRoot"/>
       </p:par>
     </p:tnLst>
   </p:timing>
@@ -14650,7 +14845,7 @@
   <p:timing>
     <p:tnLst>
       <p:par>
-        <p:cTn xmlns:p14="http://schemas.microsoft.com/office/powerpoint/2010/main" id="1" dur="indefinite" restart="never" nodeType="tmRoot"/>
+        <p:cTn id="1" dur="indefinite" restart="never" nodeType="tmRoot"/>
       </p:par>
     </p:tnLst>
   </p:timing>
@@ -15105,7 +15300,7 @@
   <p:timing>
     <p:tnLst>
       <p:par>
-        <p:cTn xmlns:p14="http://schemas.microsoft.com/office/powerpoint/2010/main" id="1" dur="indefinite" restart="never" nodeType="tmRoot"/>
+        <p:cTn id="1" dur="indefinite" restart="never" nodeType="tmRoot"/>
       </p:par>
     </p:tnLst>
   </p:timing>
@@ -15587,7 +15782,7 @@
   <p:timing>
     <p:tnLst>
       <p:par>
-        <p:cTn xmlns:p14="http://schemas.microsoft.com/office/powerpoint/2010/main" id="1" dur="indefinite" restart="never" nodeType="tmRoot"/>
+        <p:cTn id="1" dur="indefinite" restart="never" nodeType="tmRoot"/>
       </p:par>
     </p:tnLst>
   </p:timing>
@@ -15672,7 +15867,7 @@
   <p:timing>
     <p:tnLst>
       <p:par>
-        <p:cTn xmlns:p14="http://schemas.microsoft.com/office/powerpoint/2010/main" id="1" dur="indefinite" restart="never" nodeType="tmRoot"/>
+        <p:cTn id="1" dur="indefinite" restart="never" nodeType="tmRoot"/>
       </p:par>
     </p:tnLst>
   </p:timing>
@@ -15979,14 +16174,14 @@
                 <a:gridCol w="5533314">
                   <a:extLst>
                     <a:ext uri="{9D8B030D-6E8A-4147-A177-3AD203B41FA5}">
-                      <a16:colId xmlns:a16="http://schemas.microsoft.com/office/drawing/2014/main" xmlns="" val="48614039"/>
+                      <a16:colId xmlns="" xmlns:a16="http://schemas.microsoft.com/office/drawing/2014/main" val="48614039"/>
                     </a:ext>
                   </a:extLst>
                 </a:gridCol>
                 <a:gridCol w="5533314">
                   <a:extLst>
                     <a:ext uri="{9D8B030D-6E8A-4147-A177-3AD203B41FA5}">
-                      <a16:colId xmlns:a16="http://schemas.microsoft.com/office/drawing/2014/main" xmlns="" val="1124546490"/>
+                      <a16:colId xmlns="" xmlns:a16="http://schemas.microsoft.com/office/drawing/2014/main" val="1124546490"/>
                     </a:ext>
                   </a:extLst>
                 </a:gridCol>
@@ -16051,7 +16246,7 @@
                 </a:tc>
                 <a:extLst>
                   <a:ext uri="{0D108BD9-81ED-4DB2-BD59-A6C34878D82A}">
-                    <a16:rowId xmlns:a16="http://schemas.microsoft.com/office/drawing/2014/main" xmlns="" val="679667022"/>
+                    <a16:rowId xmlns="" xmlns:a16="http://schemas.microsoft.com/office/drawing/2014/main" val="679667022"/>
                   </a:ext>
                 </a:extLst>
               </a:tr>
@@ -16104,7 +16299,7 @@
                 </a:tc>
                 <a:extLst>
                   <a:ext uri="{0D108BD9-81ED-4DB2-BD59-A6C34878D82A}">
-                    <a16:rowId xmlns:a16="http://schemas.microsoft.com/office/drawing/2014/main" xmlns="" val="2034482246"/>
+                    <a16:rowId xmlns="" xmlns:a16="http://schemas.microsoft.com/office/drawing/2014/main" val="2034482246"/>
                   </a:ext>
                 </a:extLst>
               </a:tr>
@@ -16153,7 +16348,7 @@
                 </a:tc>
                 <a:extLst>
                   <a:ext uri="{0D108BD9-81ED-4DB2-BD59-A6C34878D82A}">
-                    <a16:rowId xmlns:a16="http://schemas.microsoft.com/office/drawing/2014/main" xmlns="" val="682465758"/>
+                    <a16:rowId xmlns="" xmlns:a16="http://schemas.microsoft.com/office/drawing/2014/main" val="682465758"/>
                   </a:ext>
                 </a:extLst>
               </a:tr>
@@ -16206,7 +16401,7 @@
                 </a:tc>
                 <a:extLst>
                   <a:ext uri="{0D108BD9-81ED-4DB2-BD59-A6C34878D82A}">
-                    <a16:rowId xmlns:a16="http://schemas.microsoft.com/office/drawing/2014/main" xmlns="" val="4230228483"/>
+                    <a16:rowId xmlns="" xmlns:a16="http://schemas.microsoft.com/office/drawing/2014/main" val="4230228483"/>
                   </a:ext>
                 </a:extLst>
               </a:tr>
@@ -16254,7 +16449,7 @@
                 </a:tc>
                 <a:extLst>
                   <a:ext uri="{0D108BD9-81ED-4DB2-BD59-A6C34878D82A}">
-                    <a16:rowId xmlns:a16="http://schemas.microsoft.com/office/drawing/2014/main" xmlns="" val="3329658239"/>
+                    <a16:rowId xmlns="" xmlns:a16="http://schemas.microsoft.com/office/drawing/2014/main" val="3329658239"/>
                   </a:ext>
                 </a:extLst>
               </a:tr>
@@ -16297,7 +16492,7 @@
   <p:timing>
     <p:tnLst>
       <p:par>
-        <p:cTn xmlns:p14="http://schemas.microsoft.com/office/powerpoint/2010/main" id="1" dur="indefinite" restart="never" nodeType="tmRoot"/>
+        <p:cTn id="1" dur="indefinite" restart="never" nodeType="tmRoot"/>
       </p:par>
     </p:tnLst>
   </p:timing>
@@ -16524,7 +16719,7 @@
   <p:timing>
     <p:tnLst>
       <p:par>
-        <p:cTn xmlns:p14="http://schemas.microsoft.com/office/powerpoint/2010/main" id="1" dur="indefinite" restart="never" nodeType="tmRoot"/>
+        <p:cTn id="1" dur="indefinite" restart="never" nodeType="tmRoot"/>
       </p:par>
     </p:tnLst>
   </p:timing>
@@ -16674,7 +16869,7 @@
   <p:timing>
     <p:tnLst>
       <p:par>
-        <p:cTn xmlns:p14="http://schemas.microsoft.com/office/powerpoint/2010/main" id="1" dur="indefinite" restart="never" nodeType="tmRoot"/>
+        <p:cTn id="1" dur="indefinite" restart="never" nodeType="tmRoot"/>
       </p:par>
     </p:tnLst>
   </p:timing>
@@ -16822,7 +17017,7 @@
   <p:timing>
     <p:tnLst>
       <p:par>
-        <p:cTn xmlns:p14="http://schemas.microsoft.com/office/powerpoint/2010/main" id="1" dur="indefinite" restart="never" nodeType="tmRoot"/>
+        <p:cTn id="1" dur="indefinite" restart="never" nodeType="tmRoot"/>
       </p:par>
     </p:tnLst>
   </p:timing>
@@ -17086,7 +17281,7 @@
   <p:timing>
     <p:tnLst>
       <p:par>
-        <p:cTn xmlns:p14="http://schemas.microsoft.com/office/powerpoint/2010/main" id="1" dur="indefinite" restart="never" nodeType="tmRoot"/>
+        <p:cTn id="1" dur="indefinite" restart="never" nodeType="tmRoot"/>
       </p:par>
     </p:tnLst>
   </p:timing>
@@ -17356,7 +17551,7 @@
   <a:extraClrSchemeLst/>
   <a:extLst>
     <a:ext uri="{05A4C25C-085E-4340-85A3-A5531E510DB2}">
-      <thm15:themeFamily xmlns="" xmlns:thm15="http://schemas.microsoft.com/office/thememl/2012/main" name="Office Theme" id="{62F939B6-93AF-4DB8-9C6B-D6C7DFDC589F}" vid="{4A3C46E8-61CC-4603-A589-7422A47A8E4A}"/>
+      <thm15:themeFamily xmlns:thm15="http://schemas.microsoft.com/office/thememl/2012/main" name="Office Theme" id="{62F939B6-93AF-4DB8-9C6B-D6C7DFDC589F}" vid="{4A3C46E8-61CC-4603-A589-7422A47A8E4A}"/>
     </a:ext>
   </a:extLst>
 </a:theme>
